--- a/Video Milestone Tracking V2.pptx
+++ b/Video Milestone Tracking V2.pptx
@@ -5,7 +5,7 @@
     <p:sldMasterId id="2147483677" r:id="rId1"/>
   </p:sldMasterIdLst>
   <p:notesMasterIdLst>
-    <p:notesMasterId r:id="rId67"/>
+    <p:notesMasterId r:id="rId71"/>
   </p:notesMasterIdLst>
   <p:sldIdLst>
     <p:sldId id="256" r:id="rId2"/>
@@ -28,51 +28,55 @@
     <p:sldId id="318" r:id="rId19"/>
     <p:sldId id="319" r:id="rId20"/>
     <p:sldId id="320" r:id="rId21"/>
-    <p:sldId id="280" r:id="rId22"/>
-    <p:sldId id="281" r:id="rId23"/>
-    <p:sldId id="260" r:id="rId24"/>
-    <p:sldId id="261" r:id="rId25"/>
-    <p:sldId id="262" r:id="rId26"/>
-    <p:sldId id="263" r:id="rId27"/>
-    <p:sldId id="282" r:id="rId28"/>
-    <p:sldId id="283" r:id="rId29"/>
-    <p:sldId id="284" r:id="rId30"/>
-    <p:sldId id="285" r:id="rId31"/>
-    <p:sldId id="286" r:id="rId32"/>
-    <p:sldId id="287" r:id="rId33"/>
-    <p:sldId id="288" r:id="rId34"/>
-    <p:sldId id="265" r:id="rId35"/>
-    <p:sldId id="289" r:id="rId36"/>
-    <p:sldId id="266" r:id="rId37"/>
-    <p:sldId id="267" r:id="rId38"/>
-    <p:sldId id="268" r:id="rId39"/>
-    <p:sldId id="269" r:id="rId40"/>
-    <p:sldId id="290" r:id="rId41"/>
-    <p:sldId id="295" r:id="rId42"/>
-    <p:sldId id="264" r:id="rId43"/>
-    <p:sldId id="309" r:id="rId44"/>
-    <p:sldId id="294" r:id="rId45"/>
-    <p:sldId id="291" r:id="rId46"/>
-    <p:sldId id="292" r:id="rId47"/>
-    <p:sldId id="293" r:id="rId48"/>
-    <p:sldId id="299" r:id="rId49"/>
-    <p:sldId id="296" r:id="rId50"/>
-    <p:sldId id="297" r:id="rId51"/>
-    <p:sldId id="298" r:id="rId52"/>
-    <p:sldId id="300" r:id="rId53"/>
-    <p:sldId id="301" r:id="rId54"/>
-    <p:sldId id="302" r:id="rId55"/>
-    <p:sldId id="303" r:id="rId56"/>
-    <p:sldId id="305" r:id="rId57"/>
-    <p:sldId id="270" r:id="rId58"/>
-    <p:sldId id="304" r:id="rId59"/>
-    <p:sldId id="271" r:id="rId60"/>
-    <p:sldId id="306" r:id="rId61"/>
-    <p:sldId id="308" r:id="rId62"/>
-    <p:sldId id="272" r:id="rId63"/>
-    <p:sldId id="273" r:id="rId64"/>
-    <p:sldId id="307" r:id="rId65"/>
-    <p:sldId id="274" r:id="rId66"/>
+    <p:sldId id="321" r:id="rId22"/>
+    <p:sldId id="322" r:id="rId23"/>
+    <p:sldId id="323" r:id="rId24"/>
+    <p:sldId id="324" r:id="rId25"/>
+    <p:sldId id="280" r:id="rId26"/>
+    <p:sldId id="281" r:id="rId27"/>
+    <p:sldId id="260" r:id="rId28"/>
+    <p:sldId id="261" r:id="rId29"/>
+    <p:sldId id="262" r:id="rId30"/>
+    <p:sldId id="263" r:id="rId31"/>
+    <p:sldId id="282" r:id="rId32"/>
+    <p:sldId id="283" r:id="rId33"/>
+    <p:sldId id="284" r:id="rId34"/>
+    <p:sldId id="285" r:id="rId35"/>
+    <p:sldId id="286" r:id="rId36"/>
+    <p:sldId id="287" r:id="rId37"/>
+    <p:sldId id="288" r:id="rId38"/>
+    <p:sldId id="265" r:id="rId39"/>
+    <p:sldId id="289" r:id="rId40"/>
+    <p:sldId id="266" r:id="rId41"/>
+    <p:sldId id="267" r:id="rId42"/>
+    <p:sldId id="268" r:id="rId43"/>
+    <p:sldId id="269" r:id="rId44"/>
+    <p:sldId id="290" r:id="rId45"/>
+    <p:sldId id="295" r:id="rId46"/>
+    <p:sldId id="264" r:id="rId47"/>
+    <p:sldId id="309" r:id="rId48"/>
+    <p:sldId id="294" r:id="rId49"/>
+    <p:sldId id="291" r:id="rId50"/>
+    <p:sldId id="292" r:id="rId51"/>
+    <p:sldId id="293" r:id="rId52"/>
+    <p:sldId id="299" r:id="rId53"/>
+    <p:sldId id="296" r:id="rId54"/>
+    <p:sldId id="297" r:id="rId55"/>
+    <p:sldId id="298" r:id="rId56"/>
+    <p:sldId id="300" r:id="rId57"/>
+    <p:sldId id="301" r:id="rId58"/>
+    <p:sldId id="302" r:id="rId59"/>
+    <p:sldId id="303" r:id="rId60"/>
+    <p:sldId id="305" r:id="rId61"/>
+    <p:sldId id="270" r:id="rId62"/>
+    <p:sldId id="304" r:id="rId63"/>
+    <p:sldId id="271" r:id="rId64"/>
+    <p:sldId id="306" r:id="rId65"/>
+    <p:sldId id="308" r:id="rId66"/>
+    <p:sldId id="272" r:id="rId67"/>
+    <p:sldId id="273" r:id="rId68"/>
+    <p:sldId id="307" r:id="rId69"/>
+    <p:sldId id="274" r:id="rId70"/>
   </p:sldIdLst>
   <p:sldSz cx="12192000" cy="6858000"/>
   <p:notesSz cx="6858000" cy="9144000"/>
@@ -6292,7 +6296,7 @@
           <a:p>
             <a:fld id="{5804E5D7-ECF2-44AB-9BDE-5C88074DE39F}" type="datetimeFigureOut">
               <a:rPr lang="en-GB" smtClean="0"/>
-              <a:t>15/05/2015</a:t>
+              <a:t>18/05/2015</a:t>
             </a:fld>
             <a:endParaRPr lang="en-GB"/>
           </a:p>
@@ -6886,7 +6890,7 @@
     </p:spTree>
     <p:extLst>
       <p:ext uri="{BB962C8B-B14F-4D97-AF65-F5344CB8AC3E}">
-        <p14:creationId xmlns:p14="http://schemas.microsoft.com/office/powerpoint/2010/main" val="2451196420"/>
+        <p14:creationId xmlns:p14="http://schemas.microsoft.com/office/powerpoint/2010/main" val="4065771282"/>
       </p:ext>
     </p:extLst>
   </p:cSld>
@@ -6940,124 +6944,7 @@
           <a:bodyPr/>
           <a:lstStyle/>
           <a:p>
-            <a:r>
-              <a:rPr lang="en-GB" dirty="0" smtClean="0"/>
-              <a:t>These</a:t>
-            </a:r>
-            <a:r>
-              <a:rPr lang="en-GB" baseline="0" dirty="0" smtClean="0"/>
-              <a:t> are the different Video players that you would come across : </a:t>
-            </a:r>
-          </a:p>
-          <a:p>
-            <a:r>
-              <a:rPr lang="en-GB" baseline="0" dirty="0" smtClean="0"/>
-              <a:t>Flash</a:t>
-            </a:r>
-          </a:p>
-          <a:p>
-            <a:r>
-              <a:rPr lang="en-GB" baseline="0" dirty="0" smtClean="0"/>
-              <a:t>HTML5</a:t>
-            </a:r>
-          </a:p>
-          <a:p>
-            <a:r>
-              <a:rPr lang="en-GB" baseline="0" dirty="0" smtClean="0"/>
-              <a:t>Hybrid Flash + HTML5</a:t>
-            </a:r>
-          </a:p>
-          <a:p>
-            <a:r>
-              <a:rPr lang="en-GB" baseline="0" dirty="0" smtClean="0"/>
-              <a:t>Mobile APP</a:t>
-            </a:r>
-          </a:p>
-          <a:p>
-            <a:r>
-              <a:rPr lang="en-GB" baseline="0" dirty="0" smtClean="0"/>
-              <a:t>Other : Silverlight, Windows Media, QuickTime</a:t>
-            </a:r>
-          </a:p>
-          <a:p>
-            <a:r>
-              <a:rPr lang="en-GB" baseline="0" dirty="0" smtClean="0"/>
-              <a:t>Partner players </a:t>
-            </a:r>
-          </a:p>
-          <a:p>
-            <a:r>
-              <a:rPr lang="en-GB" baseline="0" dirty="0" smtClean="0"/>
-              <a:t>Paid providers : </a:t>
-            </a:r>
-            <a:r>
-              <a:rPr lang="en-GB" baseline="0" dirty="0" err="1" smtClean="0"/>
-              <a:t>Brightcove</a:t>
-            </a:r>
-            <a:r>
-              <a:rPr lang="en-GB" baseline="0" dirty="0" smtClean="0"/>
-              <a:t>, </a:t>
-            </a:r>
-            <a:r>
-              <a:rPr lang="en-GB" baseline="0" dirty="0" err="1" smtClean="0"/>
-              <a:t>Ooyala</a:t>
-            </a:r>
-            <a:r>
-              <a:rPr lang="en-GB" baseline="0" dirty="0" smtClean="0"/>
-              <a:t>, </a:t>
-            </a:r>
-            <a:r>
-              <a:rPr lang="en-GB" baseline="0" dirty="0" err="1" smtClean="0"/>
-              <a:t>Kaltura</a:t>
-            </a:r>
-            <a:r>
-              <a:rPr lang="en-GB" baseline="0" dirty="0" smtClean="0"/>
-              <a:t>, The platform</a:t>
-            </a:r>
-          </a:p>
-          <a:p>
-            <a:r>
-              <a:rPr lang="en-GB" baseline="0" dirty="0" smtClean="0"/>
-              <a:t>Open source: JW Player, </a:t>
-            </a:r>
-            <a:r>
-              <a:rPr lang="en-GB" baseline="0" dirty="0" err="1" smtClean="0"/>
-              <a:t>FlowPlayer</a:t>
-            </a:r>
-            <a:endParaRPr lang="en-GB" baseline="0" dirty="0" smtClean="0"/>
-          </a:p>
-          <a:p>
-            <a:r>
-              <a:rPr lang="en-GB" baseline="0" dirty="0" smtClean="0"/>
-              <a:t>Free providers : </a:t>
-            </a:r>
-            <a:r>
-              <a:rPr lang="en-GB" baseline="0" dirty="0" err="1" smtClean="0"/>
-              <a:t>Youtube</a:t>
-            </a:r>
-            <a:r>
-              <a:rPr lang="en-GB" baseline="0" dirty="0" smtClean="0"/>
-              <a:t>, Vimeo, Facebook</a:t>
-            </a:r>
-          </a:p>
-          <a:p>
-            <a:r>
-              <a:rPr lang="en-GB" baseline="0" dirty="0" smtClean="0"/>
-              <a:t>Custom: Home Built Players</a:t>
-            </a:r>
-          </a:p>
-          <a:p>
-            <a:endParaRPr lang="en-GB" baseline="0" dirty="0" smtClean="0"/>
-          </a:p>
-          <a:p>
-            <a:r>
-              <a:rPr lang="en-US" baseline="0" dirty="0" smtClean="0"/>
-              <a:t>If you can implement an HTML5 player and a flash player, then you should be able to implement any other.</a:t>
-            </a:r>
-            <a:endParaRPr lang="en-GB" baseline="0" dirty="0" smtClean="0"/>
-          </a:p>
-          <a:p>
-            <a:endParaRPr lang="en-GB" baseline="0" dirty="0" smtClean="0"/>
+            <a:endParaRPr lang="en-GB" dirty="0"/>
           </a:p>
         </p:txBody>
       </p:sp>
@@ -7078,7 +6965,7 @@
           <a:p>
             <a:fld id="{3F48E9F5-5F5E-48AE-9DF9-1B66097F394D}" type="slidenum">
               <a:rPr lang="en-GB" smtClean="0"/>
-              <a:t>23</a:t>
+              <a:t>22</a:t>
             </a:fld>
             <a:endParaRPr lang="en-GB"/>
           </a:p>
@@ -7087,7 +6974,7 @@
     </p:spTree>
     <p:extLst>
       <p:ext uri="{BB962C8B-B14F-4D97-AF65-F5344CB8AC3E}">
-        <p14:creationId xmlns:p14="http://schemas.microsoft.com/office/powerpoint/2010/main" val="1972321739"/>
+        <p14:creationId xmlns:p14="http://schemas.microsoft.com/office/powerpoint/2010/main" val="940213686"/>
       </p:ext>
     </p:extLst>
   </p:cSld>
@@ -7141,16 +7028,6 @@
           <a:bodyPr/>
           <a:lstStyle/>
           <a:p>
-            <a:r>
-              <a:rPr lang="en-GB" dirty="0" smtClean="0"/>
-              <a:t>All documentations</a:t>
-            </a:r>
-            <a:r>
-              <a:rPr lang="en-GB" baseline="0" dirty="0" smtClean="0"/>
-              <a:t> for mobile can be found here : https://marketing.adobe.com/resources/help/en_US/reference/developer.html</a:t>
-            </a:r>
-          </a:p>
-          <a:p>
             <a:endParaRPr lang="en-GB" dirty="0"/>
           </a:p>
         </p:txBody>
@@ -7172,7 +7049,7 @@
           <a:p>
             <a:fld id="{3F48E9F5-5F5E-48AE-9DF9-1B66097F394D}" type="slidenum">
               <a:rPr lang="en-GB" smtClean="0"/>
-              <a:t>24</a:t>
+              <a:t>23</a:t>
             </a:fld>
             <a:endParaRPr lang="en-GB"/>
           </a:p>
@@ -7181,7 +7058,7 @@
     </p:spTree>
     <p:extLst>
       <p:ext uri="{BB962C8B-B14F-4D97-AF65-F5344CB8AC3E}">
-        <p14:creationId xmlns:p14="http://schemas.microsoft.com/office/powerpoint/2010/main" val="2278781904"/>
+        <p14:creationId xmlns:p14="http://schemas.microsoft.com/office/powerpoint/2010/main" val="2432616077"/>
       </p:ext>
     </p:extLst>
   </p:cSld>
@@ -7235,7 +7112,7 @@
           <a:bodyPr/>
           <a:lstStyle/>
           <a:p>
-            <a:endParaRPr lang="en-GB" dirty="0"/>
+            <a:endParaRPr lang="en-GB"/>
           </a:p>
         </p:txBody>
       </p:sp>
@@ -7256,7 +7133,7 @@
           <a:p>
             <a:fld id="{3F48E9F5-5F5E-48AE-9DF9-1B66097F394D}" type="slidenum">
               <a:rPr lang="en-GB" smtClean="0"/>
-              <a:t>25</a:t>
+              <a:t>24</a:t>
             </a:fld>
             <a:endParaRPr lang="en-GB"/>
           </a:p>
@@ -7265,7 +7142,7 @@
     </p:spTree>
     <p:extLst>
       <p:ext uri="{BB962C8B-B14F-4D97-AF65-F5344CB8AC3E}">
-        <p14:creationId xmlns:p14="http://schemas.microsoft.com/office/powerpoint/2010/main" val="1536185860"/>
+        <p14:creationId xmlns:p14="http://schemas.microsoft.com/office/powerpoint/2010/main" val="2551272422"/>
       </p:ext>
     </p:extLst>
   </p:cSld>
@@ -7340,7 +7217,7 @@
           <a:p>
             <a:fld id="{3F48E9F5-5F5E-48AE-9DF9-1B66097F394D}" type="slidenum">
               <a:rPr lang="en-GB" smtClean="0"/>
-              <a:t>26</a:t>
+              <a:t>25</a:t>
             </a:fld>
             <a:endParaRPr lang="en-GB"/>
           </a:p>
@@ -7349,7 +7226,7 @@
     </p:spTree>
     <p:extLst>
       <p:ext uri="{BB962C8B-B14F-4D97-AF65-F5344CB8AC3E}">
-        <p14:creationId xmlns:p14="http://schemas.microsoft.com/office/powerpoint/2010/main" val="3221155919"/>
+        <p14:creationId xmlns:p14="http://schemas.microsoft.com/office/powerpoint/2010/main" val="2451196420"/>
       </p:ext>
     </p:extLst>
   </p:cSld>
@@ -7403,7 +7280,124 @@
           <a:bodyPr/>
           <a:lstStyle/>
           <a:p>
-            <a:endParaRPr lang="en-GB" dirty="0"/>
+            <a:r>
+              <a:rPr lang="en-GB" dirty="0" smtClean="0"/>
+              <a:t>These</a:t>
+            </a:r>
+            <a:r>
+              <a:rPr lang="en-GB" baseline="0" dirty="0" smtClean="0"/>
+              <a:t> are the different Video players that you would come across : </a:t>
+            </a:r>
+          </a:p>
+          <a:p>
+            <a:r>
+              <a:rPr lang="en-GB" baseline="0" dirty="0" smtClean="0"/>
+              <a:t>Flash</a:t>
+            </a:r>
+          </a:p>
+          <a:p>
+            <a:r>
+              <a:rPr lang="en-GB" baseline="0" dirty="0" smtClean="0"/>
+              <a:t>HTML5</a:t>
+            </a:r>
+          </a:p>
+          <a:p>
+            <a:r>
+              <a:rPr lang="en-GB" baseline="0" dirty="0" smtClean="0"/>
+              <a:t>Hybrid Flash + HTML5</a:t>
+            </a:r>
+          </a:p>
+          <a:p>
+            <a:r>
+              <a:rPr lang="en-GB" baseline="0" dirty="0" smtClean="0"/>
+              <a:t>Mobile APP</a:t>
+            </a:r>
+          </a:p>
+          <a:p>
+            <a:r>
+              <a:rPr lang="en-GB" baseline="0" dirty="0" smtClean="0"/>
+              <a:t>Other : Silverlight, Windows Media, QuickTime</a:t>
+            </a:r>
+          </a:p>
+          <a:p>
+            <a:r>
+              <a:rPr lang="en-GB" baseline="0" dirty="0" smtClean="0"/>
+              <a:t>Partner players </a:t>
+            </a:r>
+          </a:p>
+          <a:p>
+            <a:r>
+              <a:rPr lang="en-GB" baseline="0" dirty="0" smtClean="0"/>
+              <a:t>Paid providers : </a:t>
+            </a:r>
+            <a:r>
+              <a:rPr lang="en-GB" baseline="0" dirty="0" err="1" smtClean="0"/>
+              <a:t>Brightcove</a:t>
+            </a:r>
+            <a:r>
+              <a:rPr lang="en-GB" baseline="0" dirty="0" smtClean="0"/>
+              <a:t>, </a:t>
+            </a:r>
+            <a:r>
+              <a:rPr lang="en-GB" baseline="0" dirty="0" err="1" smtClean="0"/>
+              <a:t>Ooyala</a:t>
+            </a:r>
+            <a:r>
+              <a:rPr lang="en-GB" baseline="0" dirty="0" smtClean="0"/>
+              <a:t>, </a:t>
+            </a:r>
+            <a:r>
+              <a:rPr lang="en-GB" baseline="0" dirty="0" err="1" smtClean="0"/>
+              <a:t>Kaltura</a:t>
+            </a:r>
+            <a:r>
+              <a:rPr lang="en-GB" baseline="0" dirty="0" smtClean="0"/>
+              <a:t>, The platform</a:t>
+            </a:r>
+          </a:p>
+          <a:p>
+            <a:r>
+              <a:rPr lang="en-GB" baseline="0" dirty="0" smtClean="0"/>
+              <a:t>Open source: JW Player, </a:t>
+            </a:r>
+            <a:r>
+              <a:rPr lang="en-GB" baseline="0" dirty="0" err="1" smtClean="0"/>
+              <a:t>FlowPlayer</a:t>
+            </a:r>
+            <a:endParaRPr lang="en-GB" baseline="0" dirty="0" smtClean="0"/>
+          </a:p>
+          <a:p>
+            <a:r>
+              <a:rPr lang="en-GB" baseline="0" dirty="0" smtClean="0"/>
+              <a:t>Free providers : </a:t>
+            </a:r>
+            <a:r>
+              <a:rPr lang="en-GB" baseline="0" dirty="0" err="1" smtClean="0"/>
+              <a:t>Youtube</a:t>
+            </a:r>
+            <a:r>
+              <a:rPr lang="en-GB" baseline="0" dirty="0" smtClean="0"/>
+              <a:t>, Vimeo, Facebook</a:t>
+            </a:r>
+          </a:p>
+          <a:p>
+            <a:r>
+              <a:rPr lang="en-GB" baseline="0" dirty="0" smtClean="0"/>
+              <a:t>Custom: Home Built Players</a:t>
+            </a:r>
+          </a:p>
+          <a:p>
+            <a:endParaRPr lang="en-GB" baseline="0" dirty="0" smtClean="0"/>
+          </a:p>
+          <a:p>
+            <a:r>
+              <a:rPr lang="en-US" baseline="0" dirty="0" smtClean="0"/>
+              <a:t>If you can implement an HTML5 player and a flash player, then you should be able to implement any other.</a:t>
+            </a:r>
+            <a:endParaRPr lang="en-GB" baseline="0" dirty="0" smtClean="0"/>
+          </a:p>
+          <a:p>
+            <a:endParaRPr lang="en-GB" baseline="0" dirty="0" smtClean="0"/>
           </a:p>
         </p:txBody>
       </p:sp>
@@ -7433,7 +7427,7 @@
     </p:spTree>
     <p:extLst>
       <p:ext uri="{BB962C8B-B14F-4D97-AF65-F5344CB8AC3E}">
-        <p14:creationId xmlns:p14="http://schemas.microsoft.com/office/powerpoint/2010/main" val="2899829383"/>
+        <p14:creationId xmlns:p14="http://schemas.microsoft.com/office/powerpoint/2010/main" val="1972321739"/>
       </p:ext>
     </p:extLst>
   </p:cSld>
@@ -7487,6 +7481,16 @@
           <a:bodyPr/>
           <a:lstStyle/>
           <a:p>
+            <a:r>
+              <a:rPr lang="en-GB" dirty="0" smtClean="0"/>
+              <a:t>All documentations</a:t>
+            </a:r>
+            <a:r>
+              <a:rPr lang="en-GB" baseline="0" dirty="0" smtClean="0"/>
+              <a:t> for mobile can be found here : https://marketing.adobe.com/resources/help/en_US/reference/developer.html</a:t>
+            </a:r>
+          </a:p>
+          <a:p>
             <a:endParaRPr lang="en-GB" dirty="0"/>
           </a:p>
         </p:txBody>
@@ -7517,7 +7521,7 @@
     </p:spTree>
     <p:extLst>
       <p:ext uri="{BB962C8B-B14F-4D97-AF65-F5344CB8AC3E}">
-        <p14:creationId xmlns:p14="http://schemas.microsoft.com/office/powerpoint/2010/main" val="2909379134"/>
+        <p14:creationId xmlns:p14="http://schemas.microsoft.com/office/powerpoint/2010/main" val="2278781904"/>
       </p:ext>
     </p:extLst>
   </p:cSld>
@@ -7571,38 +7575,6 @@
           <a:bodyPr/>
           <a:lstStyle/>
           <a:p>
-            <a:r>
-              <a:rPr lang="en-GB" dirty="0" smtClean="0"/>
-              <a:t>IOS SDK 4.x doc: </a:t>
-            </a:r>
-            <a:r>
-              <a:rPr lang="fr-FR" sz="1200" kern="1200" dirty="0" smtClean="0">
-                <a:solidFill>
-                  <a:schemeClr val="tx1"/>
-                </a:solidFill>
-                <a:effectLst/>
-                <a:latin typeface="+mn-lt"/>
-                <a:ea typeface="+mn-ea"/>
-                <a:cs typeface="+mn-cs"/>
-                <a:hlinkClick r:id="rId3"/>
-              </a:rPr>
-              <a:t>https://marketing.adobe.com/resources/help/en_US/mobile/ios/video_qs.html</a:t>
-            </a:r>
-            <a:endParaRPr lang="en-GB" sz="1800" kern="1200" dirty="0" smtClean="0">
-              <a:solidFill>
-                <a:schemeClr val="tx1"/>
-              </a:solidFill>
-              <a:effectLst/>
-              <a:latin typeface="+mn-lt"/>
-              <a:ea typeface="+mn-ea"/>
-              <a:cs typeface="+mn-cs"/>
-            </a:endParaRPr>
-          </a:p>
-          <a:p>
-            <a:pPr marL="171450" indent="-171450">
-              <a:buFont typeface="Arial" panose="020B0604020202020204" pitchFamily="34" charset="0"/>
-              <a:buChar char="•"/>
-            </a:pPr>
             <a:endParaRPr lang="en-GB" dirty="0"/>
           </a:p>
         </p:txBody>
@@ -7633,7 +7605,7 @@
     </p:spTree>
     <p:extLst>
       <p:ext uri="{BB962C8B-B14F-4D97-AF65-F5344CB8AC3E}">
-        <p14:creationId xmlns:p14="http://schemas.microsoft.com/office/powerpoint/2010/main" val="3067789776"/>
+        <p14:creationId xmlns:p14="http://schemas.microsoft.com/office/powerpoint/2010/main" val="1536185860"/>
       </p:ext>
     </p:extLst>
   </p:cSld>
@@ -7885,7 +7857,7 @@
     </p:spTree>
     <p:extLst>
       <p:ext uri="{BB962C8B-B14F-4D97-AF65-F5344CB8AC3E}">
-        <p14:creationId xmlns:p14="http://schemas.microsoft.com/office/powerpoint/2010/main" val="2637763070"/>
+        <p14:creationId xmlns:p14="http://schemas.microsoft.com/office/powerpoint/2010/main" val="3221155919"/>
       </p:ext>
     </p:extLst>
   </p:cSld>
@@ -7939,31 +7911,6 @@
           <a:bodyPr/>
           <a:lstStyle/>
           <a:p>
-            <a:pPr marL="171450" indent="-171450">
-              <a:buFont typeface="Arial" panose="020B0604020202020204" pitchFamily="34" charset="0"/>
-              <a:buChar char="•"/>
-            </a:pPr>
-            <a:r>
-              <a:rPr lang="en-GB" dirty="0" smtClean="0"/>
-              <a:t>ANDROID</a:t>
-            </a:r>
-            <a:r>
-              <a:rPr lang="en-GB" baseline="0" dirty="0" smtClean="0"/>
-              <a:t> SDK 4.x doc : </a:t>
-            </a:r>
-            <a:r>
-              <a:rPr lang="en-US" sz="1200" kern="1200" dirty="0" smtClean="0">
-                <a:solidFill>
-                  <a:schemeClr val="tx1"/>
-                </a:solidFill>
-                <a:effectLst/>
-                <a:latin typeface="+mn-lt"/>
-                <a:ea typeface="+mn-ea"/>
-                <a:cs typeface="+mn-cs"/>
-                <a:hlinkClick r:id="rId3"/>
-              </a:rPr>
-              <a:t>https://marketing.adobe.com/resources/help/en_US/mobile/android/video_qs.html</a:t>
-            </a:r>
             <a:endParaRPr lang="en-GB" dirty="0"/>
           </a:p>
         </p:txBody>
@@ -7994,7 +7941,7 @@
     </p:spTree>
     <p:extLst>
       <p:ext uri="{BB962C8B-B14F-4D97-AF65-F5344CB8AC3E}">
-        <p14:creationId xmlns:p14="http://schemas.microsoft.com/office/powerpoint/2010/main" val="2216235282"/>
+        <p14:creationId xmlns:p14="http://schemas.microsoft.com/office/powerpoint/2010/main" val="2899829383"/>
       </p:ext>
     </p:extLst>
   </p:cSld>
@@ -8078,7 +8025,7 @@
     </p:spTree>
     <p:extLst>
       <p:ext uri="{BB962C8B-B14F-4D97-AF65-F5344CB8AC3E}">
-        <p14:creationId xmlns:p14="http://schemas.microsoft.com/office/powerpoint/2010/main" val="3528616574"/>
+        <p14:creationId xmlns:p14="http://schemas.microsoft.com/office/powerpoint/2010/main" val="2909379134"/>
       </p:ext>
     </p:extLst>
   </p:cSld>
@@ -8134,12 +8081,36 @@
           <a:p>
             <a:r>
               <a:rPr lang="en-GB" dirty="0" smtClean="0"/>
-              <a:t>All the code libraries should contain the media module</a:t>
-            </a:r>
-            <a:r>
-              <a:rPr lang="en-GB" baseline="0" dirty="0" smtClean="0"/>
-              <a:t> code.</a:t>
-            </a:r>
+              <a:t>IOS SDK 4.x doc: </a:t>
+            </a:r>
+            <a:r>
+              <a:rPr lang="fr-FR" sz="1200" kern="1200" dirty="0" smtClean="0">
+                <a:solidFill>
+                  <a:schemeClr val="tx1"/>
+                </a:solidFill>
+                <a:effectLst/>
+                <a:latin typeface="+mn-lt"/>
+                <a:ea typeface="+mn-ea"/>
+                <a:cs typeface="+mn-cs"/>
+                <a:hlinkClick r:id="rId3"/>
+              </a:rPr>
+              <a:t>https://marketing.adobe.com/resources/help/en_US/mobile/ios/video_qs.html</a:t>
+            </a:r>
+            <a:endParaRPr lang="en-GB" sz="1800" kern="1200" dirty="0" smtClean="0">
+              <a:solidFill>
+                <a:schemeClr val="tx1"/>
+              </a:solidFill>
+              <a:effectLst/>
+              <a:latin typeface="+mn-lt"/>
+              <a:ea typeface="+mn-ea"/>
+              <a:cs typeface="+mn-cs"/>
+            </a:endParaRPr>
+          </a:p>
+          <a:p>
+            <a:pPr marL="171450" indent="-171450">
+              <a:buFont typeface="Arial" panose="020B0604020202020204" pitchFamily="34" charset="0"/>
+              <a:buChar char="•"/>
+            </a:pPr>
             <a:endParaRPr lang="en-GB" dirty="0"/>
           </a:p>
         </p:txBody>
@@ -8161,7 +8132,7 @@
           <a:p>
             <a:fld id="{3F48E9F5-5F5E-48AE-9DF9-1B66097F394D}" type="slidenum">
               <a:rPr lang="en-GB" smtClean="0"/>
-              <a:t>34</a:t>
+              <a:t>33</a:t>
             </a:fld>
             <a:endParaRPr lang="en-GB"/>
           </a:p>
@@ -8170,7 +8141,7 @@
     </p:spTree>
     <p:extLst>
       <p:ext uri="{BB962C8B-B14F-4D97-AF65-F5344CB8AC3E}">
-        <p14:creationId xmlns:p14="http://schemas.microsoft.com/office/powerpoint/2010/main" val="626328640"/>
+        <p14:creationId xmlns:p14="http://schemas.microsoft.com/office/powerpoint/2010/main" val="3067789776"/>
       </p:ext>
     </p:extLst>
   </p:cSld>
@@ -8245,7 +8216,7 @@
           <a:p>
             <a:fld id="{3F48E9F5-5F5E-48AE-9DF9-1B66097F394D}" type="slidenum">
               <a:rPr lang="en-GB" smtClean="0"/>
-              <a:t>36</a:t>
+              <a:t>34</a:t>
             </a:fld>
             <a:endParaRPr lang="en-GB"/>
           </a:p>
@@ -8254,7 +8225,7 @@
     </p:spTree>
     <p:extLst>
       <p:ext uri="{BB962C8B-B14F-4D97-AF65-F5344CB8AC3E}">
-        <p14:creationId xmlns:p14="http://schemas.microsoft.com/office/powerpoint/2010/main" val="2555125757"/>
+        <p14:creationId xmlns:p14="http://schemas.microsoft.com/office/powerpoint/2010/main" val="2637763070"/>
       </p:ext>
     </p:extLst>
   </p:cSld>
@@ -8308,6 +8279,31 @@
           <a:bodyPr/>
           <a:lstStyle/>
           <a:p>
+            <a:pPr marL="171450" indent="-171450">
+              <a:buFont typeface="Arial" panose="020B0604020202020204" pitchFamily="34" charset="0"/>
+              <a:buChar char="•"/>
+            </a:pPr>
+            <a:r>
+              <a:rPr lang="en-GB" dirty="0" smtClean="0"/>
+              <a:t>ANDROID</a:t>
+            </a:r>
+            <a:r>
+              <a:rPr lang="en-GB" baseline="0" dirty="0" smtClean="0"/>
+              <a:t> SDK 4.x doc : </a:t>
+            </a:r>
+            <a:r>
+              <a:rPr lang="en-US" sz="1200" kern="1200" dirty="0" smtClean="0">
+                <a:solidFill>
+                  <a:schemeClr val="tx1"/>
+                </a:solidFill>
+                <a:effectLst/>
+                <a:latin typeface="+mn-lt"/>
+                <a:ea typeface="+mn-ea"/>
+                <a:cs typeface="+mn-cs"/>
+                <a:hlinkClick r:id="rId3"/>
+              </a:rPr>
+              <a:t>https://marketing.adobe.com/resources/help/en_US/mobile/android/video_qs.html</a:t>
+            </a:r>
             <a:endParaRPr lang="en-GB" dirty="0"/>
           </a:p>
         </p:txBody>
@@ -8329,7 +8325,7 @@
           <a:p>
             <a:fld id="{3F48E9F5-5F5E-48AE-9DF9-1B66097F394D}" type="slidenum">
               <a:rPr lang="en-GB" smtClean="0"/>
-              <a:t>37</a:t>
+              <a:t>35</a:t>
             </a:fld>
             <a:endParaRPr lang="en-GB"/>
           </a:p>
@@ -8338,7 +8334,7 @@
     </p:spTree>
     <p:extLst>
       <p:ext uri="{BB962C8B-B14F-4D97-AF65-F5344CB8AC3E}">
-        <p14:creationId xmlns:p14="http://schemas.microsoft.com/office/powerpoint/2010/main" val="1682178791"/>
+        <p14:creationId xmlns:p14="http://schemas.microsoft.com/office/powerpoint/2010/main" val="2216235282"/>
       </p:ext>
     </p:extLst>
   </p:cSld>
@@ -8413,7 +8409,7 @@
           <a:p>
             <a:fld id="{3F48E9F5-5F5E-48AE-9DF9-1B66097F394D}" type="slidenum">
               <a:rPr lang="en-GB" smtClean="0"/>
-              <a:t>39</a:t>
+              <a:t>36</a:t>
             </a:fld>
             <a:endParaRPr lang="en-GB"/>
           </a:p>
@@ -8422,7 +8418,7 @@
     </p:spTree>
     <p:extLst>
       <p:ext uri="{BB962C8B-B14F-4D97-AF65-F5344CB8AC3E}">
-        <p14:creationId xmlns:p14="http://schemas.microsoft.com/office/powerpoint/2010/main" val="4200863266"/>
+        <p14:creationId xmlns:p14="http://schemas.microsoft.com/office/powerpoint/2010/main" val="3528616574"/>
       </p:ext>
     </p:extLst>
   </p:cSld>
@@ -8476,7 +8472,15 @@
           <a:bodyPr/>
           <a:lstStyle/>
           <a:p>
-            <a:endParaRPr lang="en-GB"/>
+            <a:r>
+              <a:rPr lang="en-GB" dirty="0" smtClean="0"/>
+              <a:t>All the code libraries should contain the media module</a:t>
+            </a:r>
+            <a:r>
+              <a:rPr lang="en-GB" baseline="0" dirty="0" smtClean="0"/>
+              <a:t> code.</a:t>
+            </a:r>
+            <a:endParaRPr lang="en-GB" dirty="0"/>
           </a:p>
         </p:txBody>
       </p:sp>
@@ -8497,7 +8501,7 @@
           <a:p>
             <a:fld id="{3F48E9F5-5F5E-48AE-9DF9-1B66097F394D}" type="slidenum">
               <a:rPr lang="en-GB" smtClean="0"/>
-              <a:t>40</a:t>
+              <a:t>38</a:t>
             </a:fld>
             <a:endParaRPr lang="en-GB"/>
           </a:p>
@@ -8506,7 +8510,7 @@
     </p:spTree>
     <p:extLst>
       <p:ext uri="{BB962C8B-B14F-4D97-AF65-F5344CB8AC3E}">
-        <p14:creationId xmlns:p14="http://schemas.microsoft.com/office/powerpoint/2010/main" val="65301607"/>
+        <p14:creationId xmlns:p14="http://schemas.microsoft.com/office/powerpoint/2010/main" val="626328640"/>
       </p:ext>
     </p:extLst>
   </p:cSld>
@@ -8560,77 +8564,6 @@
           <a:bodyPr/>
           <a:lstStyle/>
           <a:p>
-            <a:pPr marL="171450" indent="-171450">
-              <a:buFont typeface="Arial" panose="020B0604020202020204" pitchFamily="34" charset="0"/>
-              <a:buChar char="•"/>
-            </a:pPr>
-            <a:r>
-              <a:rPr lang="en-GB" dirty="0" smtClean="0"/>
-              <a:t>When the Video is opened for the first time,</a:t>
-            </a:r>
-            <a:r>
-              <a:rPr lang="en-GB" baseline="0" dirty="0" smtClean="0"/>
-              <a:t> Media open will be called followed by Media play.</a:t>
-            </a:r>
-          </a:p>
-          <a:p>
-            <a:pPr marL="171450" indent="-171450">
-              <a:buFont typeface="Arial" panose="020B0604020202020204" pitchFamily="34" charset="0"/>
-              <a:buChar char="•"/>
-            </a:pPr>
-            <a:r>
-              <a:rPr lang="en-GB" baseline="0" dirty="0" smtClean="0"/>
-              <a:t>Every single time the video is played, the Media play needs to be called. Make sure to specify the correct offset</a:t>
-            </a:r>
-          </a:p>
-          <a:p>
-            <a:pPr marL="171450" indent="-171450">
-              <a:buFont typeface="Arial" panose="020B0604020202020204" pitchFamily="34" charset="0"/>
-              <a:buChar char="•"/>
-            </a:pPr>
-            <a:r>
-              <a:rPr lang="en-GB" baseline="0" dirty="0" smtClean="0"/>
-              <a:t>Every single time the video is topped, the Media stop needs to be called. Make sure to specify the correct offset.</a:t>
-            </a:r>
-          </a:p>
-          <a:p>
-            <a:pPr marL="171450" indent="-171450">
-              <a:buFont typeface="Arial" panose="020B0604020202020204" pitchFamily="34" charset="0"/>
-              <a:buChar char="•"/>
-            </a:pPr>
-            <a:r>
-              <a:rPr lang="en-GB" baseline="0" dirty="0" smtClean="0"/>
-              <a:t>Once the video is completed, call Media stop followed by Media Close.</a:t>
-            </a:r>
-          </a:p>
-          <a:p>
-            <a:pPr marL="171450" indent="-171450">
-              <a:buFont typeface="Arial" panose="020B0604020202020204" pitchFamily="34" charset="0"/>
-              <a:buChar char="•"/>
-            </a:pPr>
-            <a:r>
-              <a:rPr lang="en-GB" baseline="0" dirty="0" smtClean="0"/>
-              <a:t>Media open and Media close will send an image request.</a:t>
-            </a:r>
-          </a:p>
-          <a:p>
-            <a:pPr marL="171450" indent="-171450">
-              <a:buFont typeface="Arial" panose="020B0604020202020204" pitchFamily="34" charset="0"/>
-              <a:buChar char="•"/>
-            </a:pPr>
-            <a:r>
-              <a:rPr lang="en-GB" baseline="0" dirty="0" smtClean="0"/>
-              <a:t>Media play and Media stop do not send an image request by default </a:t>
-            </a:r>
-            <a:r>
-              <a:rPr lang="en-GB" baseline="0" dirty="0" smtClean="0">
-                <a:sym typeface="Wingdings" panose="05000000000000000000" pitchFamily="2" charset="2"/>
-              </a:rPr>
-              <a:t> use Media Monitor is you want to send additional data.</a:t>
-            </a:r>
-            <a:endParaRPr lang="en-GB" baseline="0" dirty="0" smtClean="0"/>
-          </a:p>
-          <a:p>
             <a:endParaRPr lang="en-GB" dirty="0"/>
           </a:p>
         </p:txBody>
@@ -8652,7 +8585,7 @@
           <a:p>
             <a:fld id="{3F48E9F5-5F5E-48AE-9DF9-1B66097F394D}" type="slidenum">
               <a:rPr lang="en-GB" smtClean="0"/>
-              <a:t>41</a:t>
+              <a:t>40</a:t>
             </a:fld>
             <a:endParaRPr lang="en-GB"/>
           </a:p>
@@ -8661,7 +8594,7 @@
     </p:spTree>
     <p:extLst>
       <p:ext uri="{BB962C8B-B14F-4D97-AF65-F5344CB8AC3E}">
-        <p14:creationId xmlns:p14="http://schemas.microsoft.com/office/powerpoint/2010/main" val="2920592455"/>
+        <p14:creationId xmlns:p14="http://schemas.microsoft.com/office/powerpoint/2010/main" val="2555125757"/>
       </p:ext>
     </p:extLst>
   </p:cSld>
@@ -8715,27 +8648,6 @@
           <a:bodyPr/>
           <a:lstStyle/>
           <a:p>
-            <a:r>
-              <a:rPr lang="en-GB" dirty="0" smtClean="0"/>
-              <a:t>Documentation for the functions can be</a:t>
-            </a:r>
-            <a:r>
-              <a:rPr lang="en-GB" baseline="0" dirty="0" smtClean="0"/>
-              <a:t> found here: https://marketing.adobe.com/resources/help/en_US/sc/appmeasurement/video/video_ref_methods.html</a:t>
-            </a:r>
-          </a:p>
-          <a:p>
-            <a:endParaRPr lang="en-GB" dirty="0" smtClean="0"/>
-          </a:p>
-          <a:p>
-            <a:r>
-              <a:rPr lang="en-GB" dirty="0" smtClean="0"/>
-              <a:t>If</a:t>
-            </a:r>
-            <a:r>
-              <a:rPr lang="en-GB" baseline="0" dirty="0" smtClean="0"/>
-              <a:t> you are using ad tracking, it will have its own functions</a:t>
-            </a:r>
             <a:endParaRPr lang="en-GB" dirty="0"/>
           </a:p>
         </p:txBody>
@@ -8757,7 +8669,7 @@
           <a:p>
             <a:fld id="{3F48E9F5-5F5E-48AE-9DF9-1B66097F394D}" type="slidenum">
               <a:rPr lang="en-GB" smtClean="0"/>
-              <a:t>42</a:t>
+              <a:t>41</a:t>
             </a:fld>
             <a:endParaRPr lang="en-GB"/>
           </a:p>
@@ -8766,7 +8678,7 @@
     </p:spTree>
     <p:extLst>
       <p:ext uri="{BB962C8B-B14F-4D97-AF65-F5344CB8AC3E}">
-        <p14:creationId xmlns:p14="http://schemas.microsoft.com/office/powerpoint/2010/main" val="874862159"/>
+        <p14:creationId xmlns:p14="http://schemas.microsoft.com/office/powerpoint/2010/main" val="1682178791"/>
       </p:ext>
     </p:extLst>
   </p:cSld>
@@ -8922,10 +8834,6 @@
           <a:bodyPr/>
           <a:lstStyle/>
           <a:p>
-            <a:r>
-              <a:rPr lang="en-GB" dirty="0" smtClean="0"/>
-              <a:t>From doc : https://marketing.adobe.com/resources/help/en_US/sc/appmeasurement/video/video_js_events.html</a:t>
-            </a:r>
             <a:endParaRPr lang="en-GB" dirty="0"/>
           </a:p>
         </p:txBody>
@@ -8956,7 +8864,7 @@
     </p:spTree>
     <p:extLst>
       <p:ext uri="{BB962C8B-B14F-4D97-AF65-F5344CB8AC3E}">
-        <p14:creationId xmlns:p14="http://schemas.microsoft.com/office/powerpoint/2010/main" val="1409100322"/>
+        <p14:creationId xmlns:p14="http://schemas.microsoft.com/office/powerpoint/2010/main" val="4200863266"/>
       </p:ext>
     </p:extLst>
   </p:cSld>
@@ -9010,23 +8918,7 @@
           <a:bodyPr/>
           <a:lstStyle/>
           <a:p>
-            <a:r>
-              <a:rPr lang="en-GB" dirty="0" smtClean="0"/>
-              <a:t>For IOS SDK 4.x,</a:t>
-            </a:r>
-            <a:r>
-              <a:rPr lang="en-GB" baseline="0" dirty="0" smtClean="0"/>
-              <a:t> Media Open with </a:t>
-            </a:r>
-            <a:r>
-              <a:rPr lang="en-GB" baseline="0" dirty="0" err="1" smtClean="0"/>
-              <a:t>Callback</a:t>
-            </a:r>
-            <a:r>
-              <a:rPr lang="en-GB" baseline="0" dirty="0" smtClean="0"/>
-              <a:t> will be used to specify custom tracking. This will correspond to Media Monitor</a:t>
-            </a:r>
-            <a:endParaRPr lang="en-GB" dirty="0"/>
+            <a:endParaRPr lang="en-GB"/>
           </a:p>
         </p:txBody>
       </p:sp>
@@ -9047,7 +8939,7 @@
           <a:p>
             <a:fld id="{3F48E9F5-5F5E-48AE-9DF9-1B66097F394D}" type="slidenum">
               <a:rPr lang="en-GB" smtClean="0"/>
-              <a:t>46</a:t>
+              <a:t>44</a:t>
             </a:fld>
             <a:endParaRPr lang="en-GB"/>
           </a:p>
@@ -9056,7 +8948,7 @@
     </p:spTree>
     <p:extLst>
       <p:ext uri="{BB962C8B-B14F-4D97-AF65-F5344CB8AC3E}">
-        <p14:creationId xmlns:p14="http://schemas.microsoft.com/office/powerpoint/2010/main" val="1897892508"/>
+        <p14:creationId xmlns:p14="http://schemas.microsoft.com/office/powerpoint/2010/main" val="65301607"/>
       </p:ext>
     </p:extLst>
   </p:cSld>
@@ -9110,40 +9002,75 @@
           <a:bodyPr/>
           <a:lstStyle/>
           <a:p>
-            <a:pPr marL="0" marR="0" indent="0" algn="l" defTabSz="914400" rtl="0" eaLnBrk="1" fontAlgn="auto" latinLnBrk="0" hangingPunct="1">
-              <a:lnSpc>
-                <a:spcPct val="100000"/>
-              </a:lnSpc>
-              <a:spcBef>
-                <a:spcPts val="0"/>
-              </a:spcBef>
-              <a:spcAft>
-                <a:spcPts val="0"/>
-              </a:spcAft>
-              <a:buClrTx/>
-              <a:buSzTx/>
-              <a:buFontTx/>
-              <a:buNone/>
-              <a:tabLst/>
-              <a:defRPr/>
+            <a:pPr marL="171450" indent="-171450">
+              <a:buFont typeface="Arial" panose="020B0604020202020204" pitchFamily="34" charset="0"/>
+              <a:buChar char="•"/>
             </a:pPr>
             <a:r>
               <a:rPr lang="en-GB" dirty="0" smtClean="0"/>
-              <a:t>For ANDROID SDK 4.x,</a:t>
+              <a:t>When the Video is opened for the first time,</a:t>
             </a:r>
             <a:r>
               <a:rPr lang="en-GB" baseline="0" dirty="0" smtClean="0"/>
-              <a:t> Media Open with </a:t>
-            </a:r>
-            <a:r>
-              <a:rPr lang="en-GB" baseline="0" dirty="0" err="1" smtClean="0"/>
-              <a:t>Callback</a:t>
-            </a:r>
+              <a:t> Media open will be called followed by Media play.</a:t>
+            </a:r>
+          </a:p>
+          <a:p>
+            <a:pPr marL="171450" indent="-171450">
+              <a:buFont typeface="Arial" panose="020B0604020202020204" pitchFamily="34" charset="0"/>
+              <a:buChar char="•"/>
+            </a:pPr>
             <a:r>
               <a:rPr lang="en-GB" baseline="0" dirty="0" smtClean="0"/>
-              <a:t> will be used to specify custom tracking. This will correspond to Media Monitor</a:t>
-            </a:r>
-            <a:endParaRPr lang="en-GB" dirty="0" smtClean="0"/>
+              <a:t>Every single time the video is played, the Media play needs to be called. Make sure to specify the correct offset</a:t>
+            </a:r>
+          </a:p>
+          <a:p>
+            <a:pPr marL="171450" indent="-171450">
+              <a:buFont typeface="Arial" panose="020B0604020202020204" pitchFamily="34" charset="0"/>
+              <a:buChar char="•"/>
+            </a:pPr>
+            <a:r>
+              <a:rPr lang="en-GB" baseline="0" dirty="0" smtClean="0"/>
+              <a:t>Every single time the video is topped, the Media stop needs to be called. Make sure to specify the correct offset.</a:t>
+            </a:r>
+          </a:p>
+          <a:p>
+            <a:pPr marL="171450" indent="-171450">
+              <a:buFont typeface="Arial" panose="020B0604020202020204" pitchFamily="34" charset="0"/>
+              <a:buChar char="•"/>
+            </a:pPr>
+            <a:r>
+              <a:rPr lang="en-GB" baseline="0" dirty="0" smtClean="0"/>
+              <a:t>Once the video is completed, call Media stop followed by Media Close.</a:t>
+            </a:r>
+          </a:p>
+          <a:p>
+            <a:pPr marL="171450" indent="-171450">
+              <a:buFont typeface="Arial" panose="020B0604020202020204" pitchFamily="34" charset="0"/>
+              <a:buChar char="•"/>
+            </a:pPr>
+            <a:r>
+              <a:rPr lang="en-GB" baseline="0" dirty="0" smtClean="0"/>
+              <a:t>Media open and Media close will send an image request.</a:t>
+            </a:r>
+          </a:p>
+          <a:p>
+            <a:pPr marL="171450" indent="-171450">
+              <a:buFont typeface="Arial" panose="020B0604020202020204" pitchFamily="34" charset="0"/>
+              <a:buChar char="•"/>
+            </a:pPr>
+            <a:r>
+              <a:rPr lang="en-GB" baseline="0" dirty="0" smtClean="0"/>
+              <a:t>Media play and Media stop do not send an image request by default </a:t>
+            </a:r>
+            <a:r>
+              <a:rPr lang="en-GB" baseline="0" dirty="0" smtClean="0">
+                <a:sym typeface="Wingdings" panose="05000000000000000000" pitchFamily="2" charset="2"/>
+              </a:rPr>
+              <a:t> use Media Monitor is you want to send additional data.</a:t>
+            </a:r>
+            <a:endParaRPr lang="en-GB" baseline="0" dirty="0" smtClean="0"/>
           </a:p>
           <a:p>
             <a:endParaRPr lang="en-GB" dirty="0"/>
@@ -9167,7 +9094,7 @@
           <a:p>
             <a:fld id="{3F48E9F5-5F5E-48AE-9DF9-1B66097F394D}" type="slidenum">
               <a:rPr lang="en-GB" smtClean="0"/>
-              <a:t>47</a:t>
+              <a:t>45</a:t>
             </a:fld>
             <a:endParaRPr lang="en-GB"/>
           </a:p>
@@ -9176,7 +9103,7 @@
     </p:spTree>
     <p:extLst>
       <p:ext uri="{BB962C8B-B14F-4D97-AF65-F5344CB8AC3E}">
-        <p14:creationId xmlns:p14="http://schemas.microsoft.com/office/powerpoint/2010/main" val="3120997467"/>
+        <p14:creationId xmlns:p14="http://schemas.microsoft.com/office/powerpoint/2010/main" val="2920592455"/>
       </p:ext>
     </p:extLst>
   </p:cSld>
@@ -9230,6 +9157,27 @@
           <a:bodyPr/>
           <a:lstStyle/>
           <a:p>
+            <a:r>
+              <a:rPr lang="en-GB" dirty="0" smtClean="0"/>
+              <a:t>Documentation for the functions can be</a:t>
+            </a:r>
+            <a:r>
+              <a:rPr lang="en-GB" baseline="0" dirty="0" smtClean="0"/>
+              <a:t> found here: https://marketing.adobe.com/resources/help/en_US/sc/appmeasurement/video/video_ref_methods.html</a:t>
+            </a:r>
+          </a:p>
+          <a:p>
+            <a:endParaRPr lang="en-GB" dirty="0" smtClean="0"/>
+          </a:p>
+          <a:p>
+            <a:r>
+              <a:rPr lang="en-GB" dirty="0" smtClean="0"/>
+              <a:t>If</a:t>
+            </a:r>
+            <a:r>
+              <a:rPr lang="en-GB" baseline="0" dirty="0" smtClean="0"/>
+              <a:t> you are using ad tracking, it will have its own functions</a:t>
+            </a:r>
             <a:endParaRPr lang="en-GB" dirty="0"/>
           </a:p>
         </p:txBody>
@@ -9251,7 +9199,7 @@
           <a:p>
             <a:fld id="{3F48E9F5-5F5E-48AE-9DF9-1B66097F394D}" type="slidenum">
               <a:rPr lang="en-GB" smtClean="0"/>
-              <a:t>51</a:t>
+              <a:t>46</a:t>
             </a:fld>
             <a:endParaRPr lang="en-GB"/>
           </a:p>
@@ -9260,7 +9208,7 @@
     </p:spTree>
     <p:extLst>
       <p:ext uri="{BB962C8B-B14F-4D97-AF65-F5344CB8AC3E}">
-        <p14:creationId xmlns:p14="http://schemas.microsoft.com/office/powerpoint/2010/main" val="2396925528"/>
+        <p14:creationId xmlns:p14="http://schemas.microsoft.com/office/powerpoint/2010/main" val="874862159"/>
       </p:ext>
     </p:extLst>
   </p:cSld>
@@ -9316,14 +9264,8 @@
           <a:p>
             <a:r>
               <a:rPr lang="en-GB" dirty="0" smtClean="0"/>
-              <a:t>Documentation</a:t>
-            </a:r>
-            <a:r>
-              <a:rPr lang="en-GB" baseline="0" dirty="0" smtClean="0"/>
-              <a:t>: https://marketing.adobe.com/resources/help/en_US/sc/appmeasurement/video/video_mediamonitor.html</a:t>
-            </a:r>
-          </a:p>
-          <a:p>
+              <a:t>From doc : https://marketing.adobe.com/resources/help/en_US/sc/appmeasurement/video/video_js_events.html</a:t>
+            </a:r>
             <a:endParaRPr lang="en-GB" dirty="0"/>
           </a:p>
         </p:txBody>
@@ -9345,7 +9287,7 @@
           <a:p>
             <a:fld id="{3F48E9F5-5F5E-48AE-9DF9-1B66097F394D}" type="slidenum">
               <a:rPr lang="en-GB" smtClean="0"/>
-              <a:t>57</a:t>
+              <a:t>47</a:t>
             </a:fld>
             <a:endParaRPr lang="en-GB"/>
           </a:p>
@@ -9354,7 +9296,7 @@
     </p:spTree>
     <p:extLst>
       <p:ext uri="{BB962C8B-B14F-4D97-AF65-F5344CB8AC3E}">
-        <p14:creationId xmlns:p14="http://schemas.microsoft.com/office/powerpoint/2010/main" val="27273204"/>
+        <p14:creationId xmlns:p14="http://schemas.microsoft.com/office/powerpoint/2010/main" val="1409100322"/>
       </p:ext>
     </p:extLst>
   </p:cSld>
@@ -9408,6 +9350,22 @@
           <a:bodyPr/>
           <a:lstStyle/>
           <a:p>
+            <a:r>
+              <a:rPr lang="en-GB" dirty="0" smtClean="0"/>
+              <a:t>For IOS SDK 4.x,</a:t>
+            </a:r>
+            <a:r>
+              <a:rPr lang="en-GB" baseline="0" dirty="0" smtClean="0"/>
+              <a:t> Media Open with </a:t>
+            </a:r>
+            <a:r>
+              <a:rPr lang="en-GB" baseline="0" dirty="0" err="1" smtClean="0"/>
+              <a:t>Callback</a:t>
+            </a:r>
+            <a:r>
+              <a:rPr lang="en-GB" baseline="0" dirty="0" smtClean="0"/>
+              <a:t> will be used to specify custom tracking. This will correspond to Media Monitor</a:t>
+            </a:r>
             <a:endParaRPr lang="en-GB" dirty="0"/>
           </a:p>
         </p:txBody>
@@ -9429,7 +9387,7 @@
           <a:p>
             <a:fld id="{3F48E9F5-5F5E-48AE-9DF9-1B66097F394D}" type="slidenum">
               <a:rPr lang="en-GB" smtClean="0"/>
-              <a:t>59</a:t>
+              <a:t>50</a:t>
             </a:fld>
             <a:endParaRPr lang="en-GB"/>
           </a:p>
@@ -9438,7 +9396,7 @@
     </p:spTree>
     <p:extLst>
       <p:ext uri="{BB962C8B-B14F-4D97-AF65-F5344CB8AC3E}">
-        <p14:creationId xmlns:p14="http://schemas.microsoft.com/office/powerpoint/2010/main" val="303072655"/>
+        <p14:creationId xmlns:p14="http://schemas.microsoft.com/office/powerpoint/2010/main" val="1897892508"/>
       </p:ext>
     </p:extLst>
   </p:cSld>
@@ -9492,6 +9450,42 @@
           <a:bodyPr/>
           <a:lstStyle/>
           <a:p>
+            <a:pPr marL="0" marR="0" indent="0" algn="l" defTabSz="914400" rtl="0" eaLnBrk="1" fontAlgn="auto" latinLnBrk="0" hangingPunct="1">
+              <a:lnSpc>
+                <a:spcPct val="100000"/>
+              </a:lnSpc>
+              <a:spcBef>
+                <a:spcPts val="0"/>
+              </a:spcBef>
+              <a:spcAft>
+                <a:spcPts val="0"/>
+              </a:spcAft>
+              <a:buClrTx/>
+              <a:buSzTx/>
+              <a:buFontTx/>
+              <a:buNone/>
+              <a:tabLst/>
+              <a:defRPr/>
+            </a:pPr>
+            <a:r>
+              <a:rPr lang="en-GB" dirty="0" smtClean="0"/>
+              <a:t>For ANDROID SDK 4.x,</a:t>
+            </a:r>
+            <a:r>
+              <a:rPr lang="en-GB" baseline="0" dirty="0" smtClean="0"/>
+              <a:t> Media Open with </a:t>
+            </a:r>
+            <a:r>
+              <a:rPr lang="en-GB" baseline="0" dirty="0" err="1" smtClean="0"/>
+              <a:t>Callback</a:t>
+            </a:r>
+            <a:r>
+              <a:rPr lang="en-GB" baseline="0" dirty="0" smtClean="0"/>
+              <a:t> will be used to specify custom tracking. This will correspond to Media Monitor</a:t>
+            </a:r>
+            <a:endParaRPr lang="en-GB" dirty="0" smtClean="0"/>
+          </a:p>
+          <a:p>
             <a:endParaRPr lang="en-GB" dirty="0"/>
           </a:p>
         </p:txBody>
@@ -9513,7 +9507,7 @@
           <a:p>
             <a:fld id="{3F48E9F5-5F5E-48AE-9DF9-1B66097F394D}" type="slidenum">
               <a:rPr lang="en-GB" smtClean="0"/>
-              <a:t>61</a:t>
+              <a:t>51</a:t>
             </a:fld>
             <a:endParaRPr lang="en-GB"/>
           </a:p>
@@ -9522,7 +9516,7 @@
     </p:spTree>
     <p:extLst>
       <p:ext uri="{BB962C8B-B14F-4D97-AF65-F5344CB8AC3E}">
-        <p14:creationId xmlns:p14="http://schemas.microsoft.com/office/powerpoint/2010/main" val="2309871946"/>
+        <p14:creationId xmlns:p14="http://schemas.microsoft.com/office/powerpoint/2010/main" val="3120997467"/>
       </p:ext>
     </p:extLst>
   </p:cSld>
@@ -9597,6 +9591,184 @@
           <a:p>
             <a:fld id="{3F48E9F5-5F5E-48AE-9DF9-1B66097F394D}" type="slidenum">
               <a:rPr lang="en-GB" smtClean="0"/>
+              <a:t>55</a:t>
+            </a:fld>
+            <a:endParaRPr lang="en-GB"/>
+          </a:p>
+        </p:txBody>
+      </p:sp>
+    </p:spTree>
+    <p:extLst>
+      <p:ext uri="{BB962C8B-B14F-4D97-AF65-F5344CB8AC3E}">
+        <p14:creationId xmlns:p14="http://schemas.microsoft.com/office/powerpoint/2010/main" val="2396925528"/>
+      </p:ext>
+    </p:extLst>
+  </p:cSld>
+  <p:clrMapOvr>
+    <a:masterClrMapping/>
+  </p:clrMapOvr>
+</p:notes>
+</file>
+
+<file path=ppt/notesSlides/notesSlide38.xml><?xml version="1.0" encoding="utf-8"?>
+<p:notes xmlns:a="http://schemas.openxmlformats.org/drawingml/2006/main" xmlns:r="http://schemas.openxmlformats.org/officeDocument/2006/relationships" xmlns:p="http://schemas.openxmlformats.org/presentationml/2006/main">
+  <p:cSld>
+    <p:spTree>
+      <p:nvGrpSpPr>
+        <p:cNvPr id="1" name=""/>
+        <p:cNvGrpSpPr/>
+        <p:nvPr/>
+      </p:nvGrpSpPr>
+      <p:grpSpPr>
+        <a:xfrm>
+          <a:off x="0" y="0"/>
+          <a:ext cx="0" cy="0"/>
+          <a:chOff x="0" y="0"/>
+          <a:chExt cx="0" cy="0"/>
+        </a:xfrm>
+      </p:grpSpPr>
+      <p:sp>
+        <p:nvSpPr>
+          <p:cNvPr id="2" name="Slide Image Placeholder 1"/>
+          <p:cNvSpPr>
+            <a:spLocks noGrp="1" noRot="1" noChangeAspect="1"/>
+          </p:cNvSpPr>
+          <p:nvPr>
+            <p:ph type="sldImg"/>
+          </p:nvPr>
+        </p:nvSpPr>
+        <p:spPr/>
+      </p:sp>
+      <p:sp>
+        <p:nvSpPr>
+          <p:cNvPr id="3" name="Notes Placeholder 2"/>
+          <p:cNvSpPr>
+            <a:spLocks noGrp="1"/>
+          </p:cNvSpPr>
+          <p:nvPr>
+            <p:ph type="body" idx="1"/>
+          </p:nvPr>
+        </p:nvSpPr>
+        <p:spPr/>
+        <p:txBody>
+          <a:bodyPr/>
+          <a:lstStyle/>
+          <a:p>
+            <a:r>
+              <a:rPr lang="en-GB" dirty="0" smtClean="0"/>
+              <a:t>Documentation</a:t>
+            </a:r>
+            <a:r>
+              <a:rPr lang="en-GB" baseline="0" dirty="0" smtClean="0"/>
+              <a:t>: https://marketing.adobe.com/resources/help/en_US/sc/appmeasurement/video/video_mediamonitor.html</a:t>
+            </a:r>
+          </a:p>
+          <a:p>
+            <a:endParaRPr lang="en-GB" dirty="0"/>
+          </a:p>
+        </p:txBody>
+      </p:sp>
+      <p:sp>
+        <p:nvSpPr>
+          <p:cNvPr id="4" name="Slide Number Placeholder 3"/>
+          <p:cNvSpPr>
+            <a:spLocks noGrp="1"/>
+          </p:cNvSpPr>
+          <p:nvPr>
+            <p:ph type="sldNum" sz="quarter" idx="10"/>
+          </p:nvPr>
+        </p:nvSpPr>
+        <p:spPr/>
+        <p:txBody>
+          <a:bodyPr/>
+          <a:lstStyle/>
+          <a:p>
+            <a:fld id="{3F48E9F5-5F5E-48AE-9DF9-1B66097F394D}" type="slidenum">
+              <a:rPr lang="en-GB" smtClean="0"/>
+              <a:t>61</a:t>
+            </a:fld>
+            <a:endParaRPr lang="en-GB"/>
+          </a:p>
+        </p:txBody>
+      </p:sp>
+    </p:spTree>
+    <p:extLst>
+      <p:ext uri="{BB962C8B-B14F-4D97-AF65-F5344CB8AC3E}">
+        <p14:creationId xmlns:p14="http://schemas.microsoft.com/office/powerpoint/2010/main" val="27273204"/>
+      </p:ext>
+    </p:extLst>
+  </p:cSld>
+  <p:clrMapOvr>
+    <a:masterClrMapping/>
+  </p:clrMapOvr>
+</p:notes>
+</file>
+
+<file path=ppt/notesSlides/notesSlide39.xml><?xml version="1.0" encoding="utf-8"?>
+<p:notes xmlns:a="http://schemas.openxmlformats.org/drawingml/2006/main" xmlns:r="http://schemas.openxmlformats.org/officeDocument/2006/relationships" xmlns:p="http://schemas.openxmlformats.org/presentationml/2006/main">
+  <p:cSld>
+    <p:spTree>
+      <p:nvGrpSpPr>
+        <p:cNvPr id="1" name=""/>
+        <p:cNvGrpSpPr/>
+        <p:nvPr/>
+      </p:nvGrpSpPr>
+      <p:grpSpPr>
+        <a:xfrm>
+          <a:off x="0" y="0"/>
+          <a:ext cx="0" cy="0"/>
+          <a:chOff x="0" y="0"/>
+          <a:chExt cx="0" cy="0"/>
+        </a:xfrm>
+      </p:grpSpPr>
+      <p:sp>
+        <p:nvSpPr>
+          <p:cNvPr id="2" name="Slide Image Placeholder 1"/>
+          <p:cNvSpPr>
+            <a:spLocks noGrp="1" noRot="1" noChangeAspect="1"/>
+          </p:cNvSpPr>
+          <p:nvPr>
+            <p:ph type="sldImg"/>
+          </p:nvPr>
+        </p:nvSpPr>
+        <p:spPr/>
+      </p:sp>
+      <p:sp>
+        <p:nvSpPr>
+          <p:cNvPr id="3" name="Notes Placeholder 2"/>
+          <p:cNvSpPr>
+            <a:spLocks noGrp="1"/>
+          </p:cNvSpPr>
+          <p:nvPr>
+            <p:ph type="body" idx="1"/>
+          </p:nvPr>
+        </p:nvSpPr>
+        <p:spPr/>
+        <p:txBody>
+          <a:bodyPr/>
+          <a:lstStyle/>
+          <a:p>
+            <a:endParaRPr lang="en-GB" dirty="0"/>
+          </a:p>
+        </p:txBody>
+      </p:sp>
+      <p:sp>
+        <p:nvSpPr>
+          <p:cNvPr id="4" name="Slide Number Placeholder 3"/>
+          <p:cNvSpPr>
+            <a:spLocks noGrp="1"/>
+          </p:cNvSpPr>
+          <p:nvPr>
+            <p:ph type="sldNum" sz="quarter" idx="10"/>
+          </p:nvPr>
+        </p:nvSpPr>
+        <p:spPr/>
+        <p:txBody>
+          <a:bodyPr/>
+          <a:lstStyle/>
+          <a:p>
+            <a:fld id="{3F48E9F5-5F5E-48AE-9DF9-1B66097F394D}" type="slidenum">
+              <a:rPr lang="en-GB" smtClean="0"/>
               <a:t>63</a:t>
             </a:fld>
             <a:endParaRPr lang="en-GB"/>
@@ -9606,7 +9778,7 @@
     </p:spTree>
     <p:extLst>
       <p:ext uri="{BB962C8B-B14F-4D97-AF65-F5344CB8AC3E}">
-        <p14:creationId xmlns:p14="http://schemas.microsoft.com/office/powerpoint/2010/main" val="1480296935"/>
+        <p14:creationId xmlns:p14="http://schemas.microsoft.com/office/powerpoint/2010/main" val="303072655"/>
       </p:ext>
     </p:extLst>
   </p:cSld>
@@ -9691,6 +9863,174 @@
     <p:extLst>
       <p:ext uri="{BB962C8B-B14F-4D97-AF65-F5344CB8AC3E}">
         <p14:creationId xmlns:p14="http://schemas.microsoft.com/office/powerpoint/2010/main" val="756436342"/>
+      </p:ext>
+    </p:extLst>
+  </p:cSld>
+  <p:clrMapOvr>
+    <a:masterClrMapping/>
+  </p:clrMapOvr>
+</p:notes>
+</file>
+
+<file path=ppt/notesSlides/notesSlide40.xml><?xml version="1.0" encoding="utf-8"?>
+<p:notes xmlns:a="http://schemas.openxmlformats.org/drawingml/2006/main" xmlns:r="http://schemas.openxmlformats.org/officeDocument/2006/relationships" xmlns:p="http://schemas.openxmlformats.org/presentationml/2006/main">
+  <p:cSld>
+    <p:spTree>
+      <p:nvGrpSpPr>
+        <p:cNvPr id="1" name=""/>
+        <p:cNvGrpSpPr/>
+        <p:nvPr/>
+      </p:nvGrpSpPr>
+      <p:grpSpPr>
+        <a:xfrm>
+          <a:off x="0" y="0"/>
+          <a:ext cx="0" cy="0"/>
+          <a:chOff x="0" y="0"/>
+          <a:chExt cx="0" cy="0"/>
+        </a:xfrm>
+      </p:grpSpPr>
+      <p:sp>
+        <p:nvSpPr>
+          <p:cNvPr id="2" name="Slide Image Placeholder 1"/>
+          <p:cNvSpPr>
+            <a:spLocks noGrp="1" noRot="1" noChangeAspect="1"/>
+          </p:cNvSpPr>
+          <p:nvPr>
+            <p:ph type="sldImg"/>
+          </p:nvPr>
+        </p:nvSpPr>
+        <p:spPr/>
+      </p:sp>
+      <p:sp>
+        <p:nvSpPr>
+          <p:cNvPr id="3" name="Notes Placeholder 2"/>
+          <p:cNvSpPr>
+            <a:spLocks noGrp="1"/>
+          </p:cNvSpPr>
+          <p:nvPr>
+            <p:ph type="body" idx="1"/>
+          </p:nvPr>
+        </p:nvSpPr>
+        <p:spPr/>
+        <p:txBody>
+          <a:bodyPr/>
+          <a:lstStyle/>
+          <a:p>
+            <a:endParaRPr lang="en-GB" dirty="0"/>
+          </a:p>
+        </p:txBody>
+      </p:sp>
+      <p:sp>
+        <p:nvSpPr>
+          <p:cNvPr id="4" name="Slide Number Placeholder 3"/>
+          <p:cNvSpPr>
+            <a:spLocks noGrp="1"/>
+          </p:cNvSpPr>
+          <p:nvPr>
+            <p:ph type="sldNum" sz="quarter" idx="10"/>
+          </p:nvPr>
+        </p:nvSpPr>
+        <p:spPr/>
+        <p:txBody>
+          <a:bodyPr/>
+          <a:lstStyle/>
+          <a:p>
+            <a:fld id="{3F48E9F5-5F5E-48AE-9DF9-1B66097F394D}" type="slidenum">
+              <a:rPr lang="en-GB" smtClean="0"/>
+              <a:t>65</a:t>
+            </a:fld>
+            <a:endParaRPr lang="en-GB"/>
+          </a:p>
+        </p:txBody>
+      </p:sp>
+    </p:spTree>
+    <p:extLst>
+      <p:ext uri="{BB962C8B-B14F-4D97-AF65-F5344CB8AC3E}">
+        <p14:creationId xmlns:p14="http://schemas.microsoft.com/office/powerpoint/2010/main" val="2309871946"/>
+      </p:ext>
+    </p:extLst>
+  </p:cSld>
+  <p:clrMapOvr>
+    <a:masterClrMapping/>
+  </p:clrMapOvr>
+</p:notes>
+</file>
+
+<file path=ppt/notesSlides/notesSlide41.xml><?xml version="1.0" encoding="utf-8"?>
+<p:notes xmlns:a="http://schemas.openxmlformats.org/drawingml/2006/main" xmlns:r="http://schemas.openxmlformats.org/officeDocument/2006/relationships" xmlns:p="http://schemas.openxmlformats.org/presentationml/2006/main">
+  <p:cSld>
+    <p:spTree>
+      <p:nvGrpSpPr>
+        <p:cNvPr id="1" name=""/>
+        <p:cNvGrpSpPr/>
+        <p:nvPr/>
+      </p:nvGrpSpPr>
+      <p:grpSpPr>
+        <a:xfrm>
+          <a:off x="0" y="0"/>
+          <a:ext cx="0" cy="0"/>
+          <a:chOff x="0" y="0"/>
+          <a:chExt cx="0" cy="0"/>
+        </a:xfrm>
+      </p:grpSpPr>
+      <p:sp>
+        <p:nvSpPr>
+          <p:cNvPr id="2" name="Slide Image Placeholder 1"/>
+          <p:cNvSpPr>
+            <a:spLocks noGrp="1" noRot="1" noChangeAspect="1"/>
+          </p:cNvSpPr>
+          <p:nvPr>
+            <p:ph type="sldImg"/>
+          </p:nvPr>
+        </p:nvSpPr>
+        <p:spPr/>
+      </p:sp>
+      <p:sp>
+        <p:nvSpPr>
+          <p:cNvPr id="3" name="Notes Placeholder 2"/>
+          <p:cNvSpPr>
+            <a:spLocks noGrp="1"/>
+          </p:cNvSpPr>
+          <p:nvPr>
+            <p:ph type="body" idx="1"/>
+          </p:nvPr>
+        </p:nvSpPr>
+        <p:spPr/>
+        <p:txBody>
+          <a:bodyPr/>
+          <a:lstStyle/>
+          <a:p>
+            <a:endParaRPr lang="en-GB" dirty="0"/>
+          </a:p>
+        </p:txBody>
+      </p:sp>
+      <p:sp>
+        <p:nvSpPr>
+          <p:cNvPr id="4" name="Slide Number Placeholder 3"/>
+          <p:cNvSpPr>
+            <a:spLocks noGrp="1"/>
+          </p:cNvSpPr>
+          <p:nvPr>
+            <p:ph type="sldNum" sz="quarter" idx="10"/>
+          </p:nvPr>
+        </p:nvSpPr>
+        <p:spPr/>
+        <p:txBody>
+          <a:bodyPr/>
+          <a:lstStyle/>
+          <a:p>
+            <a:fld id="{3F48E9F5-5F5E-48AE-9DF9-1B66097F394D}" type="slidenum">
+              <a:rPr lang="en-GB" smtClean="0"/>
+              <a:t>67</a:t>
+            </a:fld>
+            <a:endParaRPr lang="en-GB"/>
+          </a:p>
+        </p:txBody>
+      </p:sp>
+    </p:spTree>
+    <p:extLst>
+      <p:ext uri="{BB962C8B-B14F-4D97-AF65-F5344CB8AC3E}">
+        <p14:creationId xmlns:p14="http://schemas.microsoft.com/office/powerpoint/2010/main" val="1480296935"/>
       </p:ext>
     </p:extLst>
   </p:cSld>
@@ -10702,7 +11042,7 @@
           <a:p>
             <a:fld id="{ECF67303-7041-4D44-B5F7-2B433AD6B72A}" type="datetimeFigureOut">
               <a:rPr lang="en-GB" smtClean="0"/>
-              <a:t>15/05/2015</a:t>
+              <a:t>18/05/2015</a:t>
             </a:fld>
             <a:endParaRPr lang="en-GB"/>
           </a:p>
@@ -11026,7 +11366,7 @@
           <a:p>
             <a:fld id="{ECF67303-7041-4D44-B5F7-2B433AD6B72A}" type="datetimeFigureOut">
               <a:rPr lang="en-GB" smtClean="0"/>
-              <a:t>15/05/2015</a:t>
+              <a:t>18/05/2015</a:t>
             </a:fld>
             <a:endParaRPr lang="en-GB"/>
           </a:p>
@@ -11274,7 +11614,7 @@
           <a:p>
             <a:fld id="{ECF67303-7041-4D44-B5F7-2B433AD6B72A}" type="datetimeFigureOut">
               <a:rPr lang="en-GB" smtClean="0"/>
-              <a:t>15/05/2015</a:t>
+              <a:t>18/05/2015</a:t>
             </a:fld>
             <a:endParaRPr lang="en-GB"/>
           </a:p>
@@ -11613,7 +11953,7 @@
           <a:p>
             <a:fld id="{ECF67303-7041-4D44-B5F7-2B433AD6B72A}" type="datetimeFigureOut">
               <a:rPr lang="en-GB" smtClean="0"/>
-              <a:t>15/05/2015</a:t>
+              <a:t>18/05/2015</a:t>
             </a:fld>
             <a:endParaRPr lang="en-GB"/>
           </a:p>
@@ -11960,7 +12300,7 @@
           <a:p>
             <a:fld id="{ECF67303-7041-4D44-B5F7-2B433AD6B72A}" type="datetimeFigureOut">
               <a:rPr lang="en-GB" smtClean="0"/>
-              <a:t>15/05/2015</a:t>
+              <a:t>18/05/2015</a:t>
             </a:fld>
             <a:endParaRPr lang="en-GB"/>
           </a:p>
@@ -12334,7 +12674,7 @@
           <a:p>
             <a:fld id="{ECF67303-7041-4D44-B5F7-2B433AD6B72A}" type="datetimeFigureOut">
               <a:rPr lang="en-GB" smtClean="0"/>
-              <a:t>15/05/2015</a:t>
+              <a:t>18/05/2015</a:t>
             </a:fld>
             <a:endParaRPr lang="en-GB"/>
           </a:p>
@@ -12804,7 +13144,7 @@
           <a:p>
             <a:fld id="{ECF67303-7041-4D44-B5F7-2B433AD6B72A}" type="datetimeFigureOut">
               <a:rPr lang="en-GB" smtClean="0"/>
-              <a:t>15/05/2015</a:t>
+              <a:t>18/05/2015</a:t>
             </a:fld>
             <a:endParaRPr lang="en-GB"/>
           </a:p>
@@ -13009,7 +13349,7 @@
           <a:p>
             <a:fld id="{ECF67303-7041-4D44-B5F7-2B433AD6B72A}" type="datetimeFigureOut">
               <a:rPr lang="en-GB" smtClean="0"/>
-              <a:t>15/05/2015</a:t>
+              <a:t>18/05/2015</a:t>
             </a:fld>
             <a:endParaRPr lang="en-GB"/>
           </a:p>
@@ -13220,7 +13560,7 @@
           <a:p>
             <a:fld id="{ECF67303-7041-4D44-B5F7-2B433AD6B72A}" type="datetimeFigureOut">
               <a:rPr lang="en-GB" smtClean="0"/>
-              <a:t>15/05/2015</a:t>
+              <a:t>18/05/2015</a:t>
             </a:fld>
             <a:endParaRPr lang="en-GB"/>
           </a:p>
@@ -13452,7 +13792,7 @@
           <a:p>
             <a:fld id="{ECF67303-7041-4D44-B5F7-2B433AD6B72A}" type="datetimeFigureOut">
               <a:rPr lang="en-GB" smtClean="0"/>
-              <a:t>15/05/2015</a:t>
+              <a:t>18/05/2015</a:t>
             </a:fld>
             <a:endParaRPr lang="en-GB"/>
           </a:p>
@@ -13700,7 +14040,7 @@
           <a:p>
             <a:fld id="{ECF67303-7041-4D44-B5F7-2B433AD6B72A}" type="datetimeFigureOut">
               <a:rPr lang="en-GB" smtClean="0"/>
-              <a:t>15/05/2015</a:t>
+              <a:t>18/05/2015</a:t>
             </a:fld>
             <a:endParaRPr lang="en-GB"/>
           </a:p>
@@ -13998,7 +14338,7 @@
           <a:p>
             <a:fld id="{ECF67303-7041-4D44-B5F7-2B433AD6B72A}" type="datetimeFigureOut">
               <a:rPr lang="en-GB" smtClean="0"/>
-              <a:t>15/05/2015</a:t>
+              <a:t>18/05/2015</a:t>
             </a:fld>
             <a:endParaRPr lang="en-GB"/>
           </a:p>
@@ -14392,7 +14732,7 @@
           <a:p>
             <a:fld id="{ECF67303-7041-4D44-B5F7-2B433AD6B72A}" type="datetimeFigureOut">
               <a:rPr lang="en-GB" smtClean="0"/>
-              <a:t>15/05/2015</a:t>
+              <a:t>18/05/2015</a:t>
             </a:fld>
             <a:endParaRPr lang="en-GB"/>
           </a:p>
@@ -14541,7 +14881,7 @@
           <a:p>
             <a:fld id="{ECF67303-7041-4D44-B5F7-2B433AD6B72A}" type="datetimeFigureOut">
               <a:rPr lang="en-GB" smtClean="0"/>
-              <a:t>15/05/2015</a:t>
+              <a:t>18/05/2015</a:t>
             </a:fld>
             <a:endParaRPr lang="en-GB"/>
           </a:p>
@@ -14667,7 +15007,7 @@
           <a:p>
             <a:fld id="{ECF67303-7041-4D44-B5F7-2B433AD6B72A}" type="datetimeFigureOut">
               <a:rPr lang="en-GB" smtClean="0"/>
-              <a:t>15/05/2015</a:t>
+              <a:t>18/05/2015</a:t>
             </a:fld>
             <a:endParaRPr lang="en-GB"/>
           </a:p>
@@ -14922,7 +15262,7 @@
           <a:p>
             <a:fld id="{ECF67303-7041-4D44-B5F7-2B433AD6B72A}" type="datetimeFigureOut">
               <a:rPr lang="en-GB" smtClean="0"/>
-              <a:t>15/05/2015</a:t>
+              <a:t>18/05/2015</a:t>
             </a:fld>
             <a:endParaRPr lang="en-GB"/>
           </a:p>
@@ -15237,7 +15577,7 @@
           <a:p>
             <a:fld id="{ECF67303-7041-4D44-B5F7-2B433AD6B72A}" type="datetimeFigureOut">
               <a:rPr lang="en-GB" smtClean="0"/>
-              <a:t>15/05/2015</a:t>
+              <a:t>18/05/2015</a:t>
             </a:fld>
             <a:endParaRPr lang="en-GB"/>
           </a:p>
@@ -15588,7 +15928,7 @@
           <a:p>
             <a:fld id="{ECF67303-7041-4D44-B5F7-2B433AD6B72A}" type="datetimeFigureOut">
               <a:rPr lang="en-GB" smtClean="0"/>
-              <a:t>15/05/2015</a:t>
+              <a:t>18/05/2015</a:t>
             </a:fld>
             <a:endParaRPr lang="en-GB"/>
           </a:p>
@@ -17312,52 +17652,48 @@
           <a:p>
             <a:r>
               <a:rPr lang="en-GB" dirty="0" smtClean="0"/>
-              <a:t>Configure the Media module</a:t>
+              <a:t>Video milestones</a:t>
             </a:r>
             <a:endParaRPr lang="en-GB" dirty="0"/>
           </a:p>
         </p:txBody>
       </p:sp>
-      <p:sp>
-        <p:nvSpPr>
-          <p:cNvPr id="3" name="Text Placeholder 2"/>
-          <p:cNvSpPr>
-            <a:spLocks noGrp="1"/>
-          </p:cNvSpPr>
-          <p:nvPr>
-            <p:ph type="body" idx="1"/>
-          </p:nvPr>
-        </p:nvSpPr>
-        <p:spPr/>
-        <p:txBody>
-          <a:bodyPr/>
-          <a:lstStyle/>
-          <a:p>
-            <a:r>
-              <a:rPr lang="en-GB" dirty="0" smtClean="0"/>
-              <a:t>Third Step</a:t>
-            </a:r>
-            <a:endParaRPr lang="en-GB" dirty="0"/>
-          </a:p>
-        </p:txBody>
-      </p:sp>
+      <p:pic>
+        <p:nvPicPr>
+          <p:cNvPr id="4" name="Content Placeholder 3"/>
+          <p:cNvPicPr>
+            <a:picLocks noGrp="1" noChangeAspect="1"/>
+          </p:cNvPicPr>
+          <p:nvPr>
+            <p:ph idx="1"/>
+          </p:nvPr>
+        </p:nvPicPr>
+        <p:blipFill>
+          <a:blip r:embed="rId3"/>
+          <a:stretch>
+            <a:fillRect/>
+          </a:stretch>
+        </p:blipFill>
+        <p:spPr>
+          <a:xfrm>
+            <a:off x="1295400" y="3780683"/>
+            <a:ext cx="9601200" cy="871434"/>
+          </a:xfrm>
+          <a:prstGeom prst="rect">
+            <a:avLst/>
+          </a:prstGeom>
+        </p:spPr>
+      </p:pic>
     </p:spTree>
     <p:extLst>
       <p:ext uri="{BB962C8B-B14F-4D97-AF65-F5344CB8AC3E}">
-        <p14:creationId xmlns:p14="http://schemas.microsoft.com/office/powerpoint/2010/main" val="2095299854"/>
+        <p14:creationId xmlns:p14="http://schemas.microsoft.com/office/powerpoint/2010/main" val="4146066636"/>
       </p:ext>
     </p:extLst>
   </p:cSld>
   <p:clrMapOvr>
     <a:masterClrMapping/>
   </p:clrMapOvr>
-  <p:timing>
-    <p:tnLst>
-      <p:par>
-        <p:cTn id="1" dur="indefinite" restart="never" nodeType="tmRoot"/>
-      </p:par>
-    </p:tnLst>
-  </p:timing>
 </p:sld>
 </file>
 
@@ -17395,48 +17731,48 @@
           <a:p>
             <a:r>
               <a:rPr lang="en-GB" dirty="0" smtClean="0"/>
-              <a:t>Choose the right tracking library for your video player</a:t>
+              <a:t>Video milestone 25%</a:t>
             </a:r>
             <a:endParaRPr lang="en-GB" dirty="0"/>
           </a:p>
         </p:txBody>
       </p:sp>
-      <p:sp>
-        <p:nvSpPr>
-          <p:cNvPr id="3" name="Text Placeholder 2"/>
-          <p:cNvSpPr>
-            <a:spLocks noGrp="1"/>
-          </p:cNvSpPr>
-          <p:nvPr>
-            <p:ph type="body" idx="1"/>
-          </p:nvPr>
-        </p:nvSpPr>
-        <p:spPr/>
-        <p:txBody>
-          <a:bodyPr/>
-          <a:lstStyle/>
-          <a:p>
-            <a:endParaRPr lang="en-GB" dirty="0"/>
-          </a:p>
-        </p:txBody>
-      </p:sp>
+      <p:pic>
+        <p:nvPicPr>
+          <p:cNvPr id="6" name="Content Placeholder 5"/>
+          <p:cNvPicPr>
+            <a:picLocks noGrp="1" noChangeAspect="1"/>
+          </p:cNvPicPr>
+          <p:nvPr>
+            <p:ph idx="1"/>
+          </p:nvPr>
+        </p:nvPicPr>
+        <p:blipFill>
+          <a:blip r:embed="rId3"/>
+          <a:stretch>
+            <a:fillRect/>
+          </a:stretch>
+        </p:blipFill>
+        <p:spPr>
+          <a:xfrm>
+            <a:off x="1796005" y="2557463"/>
+            <a:ext cx="8599990" cy="3317875"/>
+          </a:xfrm>
+          <a:prstGeom prst="rect">
+            <a:avLst/>
+          </a:prstGeom>
+        </p:spPr>
+      </p:pic>
     </p:spTree>
     <p:extLst>
       <p:ext uri="{BB962C8B-B14F-4D97-AF65-F5344CB8AC3E}">
-        <p14:creationId xmlns:p14="http://schemas.microsoft.com/office/powerpoint/2010/main" val="3807629556"/>
+        <p14:creationId xmlns:p14="http://schemas.microsoft.com/office/powerpoint/2010/main" val="249711369"/>
       </p:ext>
     </p:extLst>
   </p:cSld>
   <p:clrMapOvr>
     <a:masterClrMapping/>
   </p:clrMapOvr>
-  <p:timing>
-    <p:tnLst>
-      <p:par>
-        <p:cTn id="1" dur="indefinite" restart="never" nodeType="tmRoot"/>
-      </p:par>
-    </p:tnLst>
-  </p:timing>
 </p:sld>
 </file>
 
@@ -17473,184 +17809,53 @@
           <a:lstStyle/>
           <a:p>
             <a:r>
+              <a:rPr lang="en-GB" dirty="0"/>
+              <a:t>Video milestone </a:t>
+            </a:r>
+            <a:r>
               <a:rPr lang="en-GB" dirty="0" smtClean="0"/>
-              <a:t>Different Video Players available</a:t>
+              <a:t>50%</a:t>
             </a:r>
             <a:endParaRPr lang="en-GB" dirty="0"/>
           </a:p>
         </p:txBody>
       </p:sp>
-      <p:sp>
-        <p:nvSpPr>
-          <p:cNvPr id="3" name="Content Placeholder 2"/>
-          <p:cNvSpPr>
-            <a:spLocks noGrp="1"/>
-          </p:cNvSpPr>
+      <p:pic>
+        <p:nvPicPr>
+          <p:cNvPr id="4" name="Content Placeholder 3"/>
+          <p:cNvPicPr>
+            <a:picLocks noGrp="1" noChangeAspect="1"/>
+          </p:cNvPicPr>
           <p:nvPr>
             <p:ph idx="1"/>
           </p:nvPr>
-        </p:nvSpPr>
-        <p:spPr/>
-        <p:txBody>
-          <a:bodyPr>
-            <a:normAutofit fontScale="55000" lnSpcReduction="20000"/>
-          </a:bodyPr>
-          <a:lstStyle/>
-          <a:p>
-            <a:r>
-              <a:rPr lang="en-GB" dirty="0" smtClean="0"/>
-              <a:t>Flash</a:t>
-            </a:r>
-            <a:endParaRPr lang="en-GB" dirty="0"/>
-          </a:p>
-          <a:p>
-            <a:r>
-              <a:rPr lang="en-GB" dirty="0" smtClean="0"/>
-              <a:t>HTML5</a:t>
-            </a:r>
-            <a:endParaRPr lang="en-GB" dirty="0"/>
-          </a:p>
-          <a:p>
-            <a:r>
-              <a:rPr lang="en-GB" dirty="0" smtClean="0"/>
-              <a:t>Hybrid </a:t>
-            </a:r>
-            <a:r>
-              <a:rPr lang="en-GB" dirty="0"/>
-              <a:t>Flash + HTML5</a:t>
-            </a:r>
-          </a:p>
-          <a:p>
-            <a:r>
-              <a:rPr lang="en-GB" dirty="0" smtClean="0"/>
-              <a:t>Mobile APP : ANDROID, IOS […]</a:t>
-            </a:r>
-            <a:endParaRPr lang="en-GB" dirty="0"/>
-          </a:p>
-          <a:p>
-            <a:r>
-              <a:rPr lang="en-GB" dirty="0" smtClean="0"/>
-              <a:t>Other </a:t>
-            </a:r>
-            <a:r>
-              <a:rPr lang="en-GB" dirty="0"/>
-              <a:t>: Silverlight, Windows Media, </a:t>
-            </a:r>
-            <a:r>
-              <a:rPr lang="en-GB" dirty="0" smtClean="0"/>
-              <a:t>QuickTime</a:t>
-            </a:r>
-            <a:endParaRPr lang="en-GB" dirty="0"/>
-          </a:p>
-          <a:p>
-            <a:r>
-              <a:rPr lang="en-GB" dirty="0" smtClean="0"/>
-              <a:t>Partner </a:t>
-            </a:r>
-            <a:r>
-              <a:rPr lang="en-GB" dirty="0"/>
-              <a:t>players </a:t>
-            </a:r>
-          </a:p>
-          <a:p>
-            <a:r>
-              <a:rPr lang="en-GB" dirty="0"/>
-              <a:t>Paid providers : </a:t>
-            </a:r>
-            <a:r>
-              <a:rPr lang="en-GB" dirty="0" err="1"/>
-              <a:t>Brightcove</a:t>
-            </a:r>
-            <a:r>
-              <a:rPr lang="en-GB" dirty="0"/>
-              <a:t>, </a:t>
-            </a:r>
-            <a:r>
-              <a:rPr lang="en-GB" dirty="0" err="1"/>
-              <a:t>Ooyala</a:t>
-            </a:r>
-            <a:r>
-              <a:rPr lang="en-GB" dirty="0"/>
-              <a:t>, </a:t>
-            </a:r>
-            <a:r>
-              <a:rPr lang="en-GB" dirty="0" err="1"/>
-              <a:t>Kaltura</a:t>
-            </a:r>
-            <a:r>
-              <a:rPr lang="en-GB" dirty="0"/>
-              <a:t>, The platform</a:t>
-            </a:r>
-          </a:p>
-          <a:p>
-            <a:r>
-              <a:rPr lang="en-GB" dirty="0"/>
-              <a:t>Open source: JW Player, </a:t>
-            </a:r>
-            <a:r>
-              <a:rPr lang="en-GB" dirty="0" err="1"/>
-              <a:t>FlowPlayer</a:t>
-            </a:r>
-            <a:endParaRPr lang="en-GB" dirty="0"/>
-          </a:p>
-          <a:p>
-            <a:r>
-              <a:rPr lang="en-GB" dirty="0"/>
-              <a:t>Free providers : </a:t>
-            </a:r>
-            <a:r>
-              <a:rPr lang="en-GB" dirty="0" err="1"/>
-              <a:t>Youtube</a:t>
-            </a:r>
-            <a:r>
-              <a:rPr lang="en-GB" dirty="0"/>
-              <a:t>, Vimeo, Facebook</a:t>
-            </a:r>
-          </a:p>
-          <a:p>
-            <a:r>
-              <a:rPr lang="en-GB" dirty="0"/>
-              <a:t>Custom: Home Built </a:t>
-            </a:r>
-            <a:r>
-              <a:rPr lang="en-GB" dirty="0" smtClean="0"/>
-              <a:t>Players</a:t>
-            </a:r>
-          </a:p>
-          <a:p>
-            <a:r>
-              <a:rPr lang="en-US" b="1" dirty="0"/>
-              <a:t>If you can implement an HTML5 player and a </a:t>
-            </a:r>
-            <a:r>
-              <a:rPr lang="en-US" b="1" dirty="0" smtClean="0"/>
-              <a:t>Flash player</a:t>
-            </a:r>
-            <a:r>
-              <a:rPr lang="en-US" b="1" dirty="0"/>
-              <a:t>, then you should be able to implement any other.</a:t>
-            </a:r>
-            <a:endParaRPr lang="en-GB" b="1" dirty="0"/>
-          </a:p>
-        </p:txBody>
-      </p:sp>
+        </p:nvPicPr>
+        <p:blipFill>
+          <a:blip r:embed="rId3"/>
+          <a:stretch>
+            <a:fillRect/>
+          </a:stretch>
+        </p:blipFill>
+        <p:spPr>
+          <a:xfrm>
+            <a:off x="1792795" y="2557463"/>
+            <a:ext cx="8606410" cy="3317875"/>
+          </a:xfrm>
+          <a:prstGeom prst="rect">
+            <a:avLst/>
+          </a:prstGeom>
+        </p:spPr>
+      </p:pic>
     </p:spTree>
     <p:extLst>
       <p:ext uri="{BB962C8B-B14F-4D97-AF65-F5344CB8AC3E}">
-        <p14:creationId xmlns:p14="http://schemas.microsoft.com/office/powerpoint/2010/main" val="3432148251"/>
+        <p14:creationId xmlns:p14="http://schemas.microsoft.com/office/powerpoint/2010/main" val="2823492991"/>
       </p:ext>
     </p:extLst>
   </p:cSld>
   <p:clrMapOvr>
     <a:masterClrMapping/>
   </p:clrMapOvr>
-  <p:timing>
-    <p:tnLst>
-      <p:par>
-        <p:cTn id="1" dur="indefinite" restart="never" nodeType="tmRoot"/>
-      </p:par>
-    </p:tnLst>
-  </p:timing>
 </p:sld>
 </file>
 
@@ -17687,178 +17892,53 @@
           <a:lstStyle/>
           <a:p>
             <a:r>
+              <a:rPr lang="en-GB" dirty="0"/>
+              <a:t>Video milestone </a:t>
+            </a:r>
+            <a:r>
               <a:rPr lang="en-GB" dirty="0" smtClean="0"/>
-              <a:t>How to identify a video player</a:t>
+              <a:t>75%</a:t>
             </a:r>
             <a:endParaRPr lang="en-GB" dirty="0"/>
           </a:p>
         </p:txBody>
       </p:sp>
-      <p:sp>
-        <p:nvSpPr>
-          <p:cNvPr id="3" name="Content Placeholder 2"/>
-          <p:cNvSpPr>
-            <a:spLocks noGrp="1"/>
-          </p:cNvSpPr>
+      <p:pic>
+        <p:nvPicPr>
+          <p:cNvPr id="4" name="Content Placeholder 3"/>
+          <p:cNvPicPr>
+            <a:picLocks noGrp="1" noChangeAspect="1"/>
+          </p:cNvPicPr>
           <p:nvPr>
             <p:ph idx="1"/>
           </p:nvPr>
-        </p:nvSpPr>
-        <p:spPr/>
-        <p:txBody>
-          <a:bodyPr>
-            <a:normAutofit fontScale="85000" lnSpcReduction="10000"/>
-          </a:bodyPr>
-          <a:lstStyle/>
-          <a:p>
-            <a:r>
-              <a:rPr lang="en-GB" dirty="0" smtClean="0"/>
-              <a:t>Ask you client</a:t>
-            </a:r>
-          </a:p>
-          <a:p>
-            <a:r>
-              <a:rPr lang="en-US" dirty="0"/>
-              <a:t>Right click on the video </a:t>
-            </a:r>
-            <a:r>
-              <a:rPr lang="en-US" dirty="0" smtClean="0">
-                <a:sym typeface="Wingdings" panose="05000000000000000000" pitchFamily="2" charset="2"/>
-              </a:rPr>
-              <a:t></a:t>
-            </a:r>
-            <a:r>
-              <a:rPr lang="en-US" dirty="0" smtClean="0"/>
-              <a:t> </a:t>
-            </a:r>
-            <a:r>
-              <a:rPr lang="en-US" dirty="0"/>
-              <a:t>if Flash you should get details for </a:t>
-            </a:r>
-            <a:r>
-              <a:rPr lang="en-US" dirty="0" smtClean="0"/>
-              <a:t>Flash</a:t>
-            </a:r>
-          </a:p>
-          <a:p>
-            <a:r>
-              <a:rPr lang="en-US" dirty="0" smtClean="0"/>
-              <a:t>Look at the source code</a:t>
-            </a:r>
-          </a:p>
-          <a:p>
-            <a:r>
-              <a:rPr lang="en-US" dirty="0" smtClean="0"/>
-              <a:t>If it is an app </a:t>
-            </a:r>
-            <a:r>
-              <a:rPr lang="en-US" dirty="0" smtClean="0">
-                <a:sym typeface="Wingdings" panose="05000000000000000000" pitchFamily="2" charset="2"/>
-              </a:rPr>
-              <a:t>see mobile APP implementation documentation</a:t>
-            </a:r>
-          </a:p>
-          <a:p>
-            <a:pPr lvl="1"/>
-            <a:r>
-              <a:rPr lang="en-US" dirty="0">
-                <a:sym typeface="Wingdings" panose="05000000000000000000" pitchFamily="2" charset="2"/>
-              </a:rPr>
-              <a:t>IOS SDK 4.x : </a:t>
-            </a:r>
-            <a:r>
-              <a:rPr lang="en-US" dirty="0">
-                <a:sym typeface="Wingdings" panose="05000000000000000000" pitchFamily="2" charset="2"/>
-                <a:hlinkClick r:id="rId3"/>
-              </a:rPr>
-              <a:t>https://</a:t>
-            </a:r>
-            <a:r>
-              <a:rPr lang="en-US" dirty="0" smtClean="0">
-                <a:sym typeface="Wingdings" panose="05000000000000000000" pitchFamily="2" charset="2"/>
-                <a:hlinkClick r:id="rId3"/>
-              </a:rPr>
-              <a:t>marketing.adobe.com/resources/help/en_US/mobile/ios/video_qs.html</a:t>
-            </a:r>
-            <a:endParaRPr lang="en-US" dirty="0" smtClean="0">
-              <a:sym typeface="Wingdings" panose="05000000000000000000" pitchFamily="2" charset="2"/>
-            </a:endParaRPr>
-          </a:p>
-          <a:p>
-            <a:pPr lvl="1"/>
-            <a:r>
-              <a:rPr lang="en-US" dirty="0">
-                <a:sym typeface="Wingdings" panose="05000000000000000000" pitchFamily="2" charset="2"/>
-              </a:rPr>
-              <a:t>ANDROID SDK 4.x : </a:t>
-            </a:r>
-            <a:r>
-              <a:rPr lang="en-US" dirty="0">
-                <a:sym typeface="Wingdings" panose="05000000000000000000" pitchFamily="2" charset="2"/>
-                <a:hlinkClick r:id="rId4"/>
-              </a:rPr>
-              <a:t>https://</a:t>
-            </a:r>
-            <a:r>
-              <a:rPr lang="en-US" dirty="0" smtClean="0">
-                <a:sym typeface="Wingdings" panose="05000000000000000000" pitchFamily="2" charset="2"/>
-                <a:hlinkClick r:id="rId4"/>
-              </a:rPr>
-              <a:t>marketing.adobe.com/resources/help/en_US/mobile/android/video_qs.html</a:t>
-            </a:r>
-            <a:endParaRPr lang="en-US" dirty="0" smtClean="0">
-              <a:sym typeface="Wingdings" panose="05000000000000000000" pitchFamily="2" charset="2"/>
-            </a:endParaRPr>
-          </a:p>
-          <a:p>
-            <a:pPr lvl="1"/>
-            <a:r>
-              <a:rPr lang="en-US" dirty="0">
-                <a:sym typeface="Wingdings" panose="05000000000000000000" pitchFamily="2" charset="2"/>
-              </a:rPr>
-              <a:t>WINDOWS SDK 4.x : </a:t>
-            </a:r>
-            <a:r>
-              <a:rPr lang="en-US" dirty="0">
-                <a:sym typeface="Wingdings" panose="05000000000000000000" pitchFamily="2" charset="2"/>
-                <a:hlinkClick r:id="rId5"/>
-              </a:rPr>
-              <a:t>https://</a:t>
-            </a:r>
-            <a:r>
-              <a:rPr lang="en-US" dirty="0" smtClean="0">
-                <a:sym typeface="Wingdings" panose="05000000000000000000" pitchFamily="2" charset="2"/>
-                <a:hlinkClick r:id="rId5"/>
-              </a:rPr>
-              <a:t>marketing.adobe.com/resources/help/en_US/mobile/winu/video_qs.html</a:t>
-            </a:r>
-            <a:endParaRPr lang="en-US" dirty="0" smtClean="0">
-              <a:sym typeface="Wingdings" panose="05000000000000000000" pitchFamily="2" charset="2"/>
-            </a:endParaRPr>
-          </a:p>
-          <a:p>
-            <a:pPr lvl="1"/>
-            <a:endParaRPr lang="en-GB" dirty="0"/>
-          </a:p>
-        </p:txBody>
-      </p:sp>
+        </p:nvPicPr>
+        <p:blipFill>
+          <a:blip r:embed="rId3"/>
+          <a:stretch>
+            <a:fillRect/>
+          </a:stretch>
+        </p:blipFill>
+        <p:spPr>
+          <a:xfrm>
+            <a:off x="1683153" y="2557463"/>
+            <a:ext cx="8825693" cy="3317875"/>
+          </a:xfrm>
+          <a:prstGeom prst="rect">
+            <a:avLst/>
+          </a:prstGeom>
+        </p:spPr>
+      </p:pic>
     </p:spTree>
     <p:extLst>
       <p:ext uri="{BB962C8B-B14F-4D97-AF65-F5344CB8AC3E}">
-        <p14:creationId xmlns:p14="http://schemas.microsoft.com/office/powerpoint/2010/main" val="4211527372"/>
+        <p14:creationId xmlns:p14="http://schemas.microsoft.com/office/powerpoint/2010/main" val="1419673060"/>
       </p:ext>
     </p:extLst>
   </p:cSld>
   <p:clrMapOvr>
     <a:masterClrMapping/>
   </p:clrMapOvr>
-  <p:timing>
-    <p:tnLst>
-      <p:par>
-        <p:cTn id="1" dur="indefinite" restart="never" nodeType="tmRoot"/>
-      </p:par>
-    </p:tnLst>
-  </p:timing>
 </p:sld>
 </file>
 
@@ -17895,12 +17975,8 @@
           <a:lstStyle/>
           <a:p>
             <a:r>
-              <a:rPr lang="en-GB" dirty="0" err="1" smtClean="0"/>
-              <a:t>AutoTrack</a:t>
-            </a:r>
-            <a:r>
               <a:rPr lang="en-GB" dirty="0" smtClean="0"/>
-              <a:t> vs Manual Tag: </a:t>
+              <a:t>Configure the Media module</a:t>
             </a:r>
             <a:endParaRPr lang="en-GB" dirty="0"/>
           </a:p>
@@ -17908,139 +17984,22 @@
       </p:sp>
       <p:sp>
         <p:nvSpPr>
-          <p:cNvPr id="3" name="Content Placeholder 2"/>
-          <p:cNvSpPr>
-            <a:spLocks noGrp="1"/>
-          </p:cNvSpPr>
-          <p:nvPr>
-            <p:ph idx="1"/>
-          </p:nvPr>
-        </p:nvSpPr>
-        <p:spPr/>
-        <p:txBody>
-          <a:bodyPr>
-            <a:normAutofit fontScale="85000" lnSpcReduction="20000"/>
-          </a:bodyPr>
-          <a:lstStyle/>
-          <a:p>
-            <a:r>
-              <a:rPr lang="en-US" dirty="0"/>
-              <a:t>What is the difference between </a:t>
-            </a:r>
-            <a:r>
-              <a:rPr lang="en-US" dirty="0" err="1"/>
-              <a:t>autoTrack</a:t>
-            </a:r>
-            <a:r>
-              <a:rPr lang="en-US" dirty="0"/>
-              <a:t> and a manual tag</a:t>
-            </a:r>
-            <a:r>
-              <a:rPr lang="en-US" dirty="0" smtClean="0"/>
-              <a:t>?</a:t>
-            </a:r>
-          </a:p>
-          <a:p>
-            <a:pPr lvl="1"/>
-            <a:r>
-              <a:rPr lang="en-US" dirty="0"/>
-              <a:t>Our code has to be told </a:t>
-            </a:r>
-            <a:r>
-              <a:rPr lang="en-US" dirty="0" smtClean="0"/>
-              <a:t>when:</a:t>
-            </a:r>
-          </a:p>
-          <a:p>
-            <a:pPr lvl="2"/>
-            <a:r>
-              <a:rPr lang="en-US" dirty="0" smtClean="0"/>
-              <a:t>the </a:t>
-            </a:r>
-            <a:r>
-              <a:rPr lang="en-US" dirty="0"/>
-              <a:t>video is beginning</a:t>
-            </a:r>
-          </a:p>
-          <a:p>
-            <a:pPr lvl="2"/>
-            <a:r>
-              <a:rPr lang="en-US" dirty="0" smtClean="0"/>
-              <a:t>it </a:t>
-            </a:r>
-            <a:r>
-              <a:rPr lang="en-US" dirty="0"/>
-              <a:t>has ended</a:t>
-            </a:r>
-          </a:p>
-          <a:p>
-            <a:pPr lvl="2"/>
-            <a:r>
-              <a:rPr lang="en-US" dirty="0" smtClean="0"/>
-              <a:t>someone </a:t>
-            </a:r>
-            <a:r>
-              <a:rPr lang="en-US" dirty="0"/>
-              <a:t>pause/or resumed it</a:t>
-            </a:r>
-          </a:p>
-          <a:p>
-            <a:pPr lvl="2"/>
-            <a:r>
-              <a:rPr lang="en-US" dirty="0" smtClean="0"/>
-              <a:t>it </a:t>
-            </a:r>
-            <a:r>
-              <a:rPr lang="en-US" dirty="0"/>
-              <a:t>has paused to buffer/resumed play</a:t>
-            </a:r>
-          </a:p>
-          <a:p>
-            <a:pPr lvl="2"/>
-            <a:r>
-              <a:rPr lang="en-US" dirty="0" smtClean="0"/>
-              <a:t>the </a:t>
-            </a:r>
-            <a:r>
-              <a:rPr lang="en-US" dirty="0"/>
-              <a:t>user has skipped ahead/back</a:t>
-            </a:r>
-          </a:p>
-          <a:p>
-            <a:pPr lvl="1"/>
-            <a:r>
-              <a:rPr lang="en-US" dirty="0" smtClean="0"/>
-              <a:t>This </a:t>
-            </a:r>
-            <a:r>
-              <a:rPr lang="en-US" dirty="0"/>
-              <a:t>is handled by the video player's event handlers</a:t>
-            </a:r>
-          </a:p>
-          <a:p>
-            <a:pPr lvl="1"/>
-            <a:r>
-              <a:rPr lang="en-US" dirty="0" err="1" smtClean="0"/>
-              <a:t>AutoTrack</a:t>
-            </a:r>
-            <a:r>
-              <a:rPr lang="en-US" dirty="0" smtClean="0"/>
-              <a:t> </a:t>
-            </a:r>
-            <a:r>
-              <a:rPr lang="en-US" dirty="0"/>
-              <a:t>is when our code "already knows" which event listeners to listen for</a:t>
-            </a:r>
-          </a:p>
-          <a:p>
-            <a:pPr lvl="1"/>
-            <a:r>
-              <a:rPr lang="en-US" dirty="0" smtClean="0"/>
-              <a:t>Manual </a:t>
-            </a:r>
-            <a:r>
-              <a:rPr lang="en-US" dirty="0"/>
-              <a:t>tag is when the client's developers have to tell us when those things happen</a:t>
+          <p:cNvPr id="3" name="Text Placeholder 2"/>
+          <p:cNvSpPr>
+            <a:spLocks noGrp="1"/>
+          </p:cNvSpPr>
+          <p:nvPr>
+            <p:ph type="body" idx="1"/>
+          </p:nvPr>
+        </p:nvSpPr>
+        <p:spPr/>
+        <p:txBody>
+          <a:bodyPr/>
+          <a:lstStyle/>
+          <a:p>
+            <a:r>
+              <a:rPr lang="en-GB" dirty="0" smtClean="0"/>
+              <a:t>Third Step</a:t>
             </a:r>
             <a:endParaRPr lang="en-GB" dirty="0"/>
           </a:p>
@@ -18049,7 +18008,7 @@
     </p:spTree>
     <p:extLst>
       <p:ext uri="{BB962C8B-B14F-4D97-AF65-F5344CB8AC3E}">
-        <p14:creationId xmlns:p14="http://schemas.microsoft.com/office/powerpoint/2010/main" val="92165972"/>
+        <p14:creationId xmlns:p14="http://schemas.microsoft.com/office/powerpoint/2010/main" val="2095299854"/>
       </p:ext>
     </p:extLst>
   </p:cSld>
@@ -18095,22 +18054,12 @@
         </p:nvSpPr>
         <p:spPr/>
         <p:txBody>
-          <a:bodyPr>
-            <a:normAutofit fontScale="90000"/>
-          </a:bodyPr>
-          <a:lstStyle/>
-          <a:p>
-            <a:r>
-              <a:rPr lang="en-US" dirty="0"/>
-              <a:t>Decide on </a:t>
-            </a:r>
-            <a:r>
-              <a:rPr lang="en-US" dirty="0" err="1"/>
-              <a:t>AutoTrack</a:t>
-            </a:r>
-            <a:r>
-              <a:rPr lang="en-US" dirty="0"/>
-              <a:t> or Manual Tag - when to use manual tag</a:t>
+          <a:bodyPr/>
+          <a:lstStyle/>
+          <a:p>
+            <a:r>
+              <a:rPr lang="en-GB" dirty="0" smtClean="0"/>
+              <a:t>Choose the right tracking library for your video player</a:t>
             </a:r>
             <a:endParaRPr lang="en-GB" dirty="0"/>
           </a:p>
@@ -18118,12 +18067,12 @@
       </p:sp>
       <p:sp>
         <p:nvSpPr>
-          <p:cNvPr id="3" name="Content Placeholder 2"/>
-          <p:cNvSpPr>
-            <a:spLocks noGrp="1"/>
-          </p:cNvSpPr>
-          <p:nvPr>
-            <p:ph idx="1"/>
+          <p:cNvPr id="3" name="Text Placeholder 2"/>
+          <p:cNvSpPr>
+            <a:spLocks noGrp="1"/>
+          </p:cNvSpPr>
+          <p:nvPr>
+            <p:ph type="body" idx="1"/>
           </p:nvPr>
         </p:nvSpPr>
         <p:spPr/>
@@ -18131,67 +18080,6 @@
           <a:bodyPr/>
           <a:lstStyle/>
           <a:p>
-            <a:r>
-              <a:rPr lang="en-US" dirty="0"/>
-              <a:t>The player is not supported by </a:t>
-            </a:r>
-            <a:r>
-              <a:rPr lang="en-US" dirty="0" err="1"/>
-              <a:t>autoTrack</a:t>
-            </a:r>
-            <a:endParaRPr lang="en-US" dirty="0"/>
-          </a:p>
-          <a:p>
-            <a:r>
-              <a:rPr lang="en-US" dirty="0" smtClean="0"/>
-              <a:t>Classifying </a:t>
-            </a:r>
-            <a:r>
-              <a:rPr lang="en-US" dirty="0"/>
-              <a:t>a </a:t>
-            </a:r>
-            <a:r>
-              <a:rPr lang="en-US" dirty="0" err="1"/>
-              <a:t>videoID</a:t>
-            </a:r>
-            <a:r>
-              <a:rPr lang="en-US" dirty="0"/>
-              <a:t> to a friendly name isn't a viable option</a:t>
-            </a:r>
-          </a:p>
-          <a:p>
-            <a:r>
-              <a:rPr lang="en-US" dirty="0" smtClean="0"/>
-              <a:t>Live </a:t>
-            </a:r>
-            <a:r>
-              <a:rPr lang="en-US" dirty="0"/>
-              <a:t>streams (video with no defined end)</a:t>
-            </a:r>
-          </a:p>
-          <a:p>
-            <a:r>
-              <a:rPr lang="en-US" dirty="0" smtClean="0"/>
-              <a:t>Client </a:t>
-            </a:r>
-            <a:r>
-              <a:rPr lang="en-US" dirty="0"/>
-              <a:t>wants to use custom segment names</a:t>
-            </a:r>
-          </a:p>
-          <a:p>
-            <a:r>
-              <a:rPr lang="en-US" dirty="0" err="1" smtClean="0"/>
-              <a:t>AutoTrack</a:t>
-            </a:r>
-            <a:r>
-              <a:rPr lang="en-US" dirty="0" smtClean="0"/>
-              <a:t> </a:t>
-            </a:r>
-            <a:r>
-              <a:rPr lang="en-US" dirty="0"/>
-              <a:t>Refuses to work</a:t>
-            </a:r>
             <a:endParaRPr lang="en-GB" dirty="0"/>
           </a:p>
         </p:txBody>
@@ -18199,7 +18087,7 @@
     </p:spTree>
     <p:extLst>
       <p:ext uri="{BB962C8B-B14F-4D97-AF65-F5344CB8AC3E}">
-        <p14:creationId xmlns:p14="http://schemas.microsoft.com/office/powerpoint/2010/main" val="946744167"/>
+        <p14:creationId xmlns:p14="http://schemas.microsoft.com/office/powerpoint/2010/main" val="3807629556"/>
       </p:ext>
     </p:extLst>
   </p:cSld>
@@ -18250,7 +18138,7 @@
           <a:p>
             <a:r>
               <a:rPr lang="en-GB" dirty="0" smtClean="0"/>
-              <a:t>Media Module settings</a:t>
+              <a:t>Different Video Players available</a:t>
             </a:r>
             <a:endParaRPr lang="en-GB" dirty="0"/>
           </a:p>
@@ -18258,31 +18146,162 @@
       </p:sp>
       <p:sp>
         <p:nvSpPr>
-          <p:cNvPr id="3" name="Text Placeholder 2"/>
-          <p:cNvSpPr>
-            <a:spLocks noGrp="1"/>
-          </p:cNvSpPr>
-          <p:nvPr>
-            <p:ph type="body" idx="1"/>
-          </p:nvPr>
-        </p:nvSpPr>
-        <p:spPr/>
-        <p:txBody>
-          <a:bodyPr/>
+          <p:cNvPr id="3" name="Content Placeholder 2"/>
+          <p:cNvSpPr>
+            <a:spLocks noGrp="1"/>
+          </p:cNvSpPr>
+          <p:nvPr>
+            <p:ph idx="1"/>
+          </p:nvPr>
+        </p:nvSpPr>
+        <p:spPr/>
+        <p:txBody>
+          <a:bodyPr>
+            <a:normAutofit fontScale="55000" lnSpcReduction="20000"/>
+          </a:bodyPr>
           <a:lstStyle/>
           <a:p>
             <a:r>
               <a:rPr lang="en-GB" dirty="0" smtClean="0"/>
-              <a:t>Mobile vs. Web</a:t>
+              <a:t>Flash</a:t>
             </a:r>
             <a:endParaRPr lang="en-GB" dirty="0"/>
+          </a:p>
+          <a:p>
+            <a:r>
+              <a:rPr lang="en-GB" dirty="0" smtClean="0"/>
+              <a:t>HTML5</a:t>
+            </a:r>
+            <a:endParaRPr lang="en-GB" dirty="0"/>
+          </a:p>
+          <a:p>
+            <a:r>
+              <a:rPr lang="en-GB" dirty="0" smtClean="0"/>
+              <a:t>Hybrid </a:t>
+            </a:r>
+            <a:r>
+              <a:rPr lang="en-GB" dirty="0"/>
+              <a:t>Flash + HTML5</a:t>
+            </a:r>
+          </a:p>
+          <a:p>
+            <a:r>
+              <a:rPr lang="en-GB" dirty="0" smtClean="0"/>
+              <a:t>Mobile APP : ANDROID, IOS […]</a:t>
+            </a:r>
+            <a:endParaRPr lang="en-GB" dirty="0"/>
+          </a:p>
+          <a:p>
+            <a:r>
+              <a:rPr lang="en-GB" dirty="0" smtClean="0"/>
+              <a:t>Other </a:t>
+            </a:r>
+            <a:r>
+              <a:rPr lang="en-GB" dirty="0"/>
+              <a:t>: Silverlight, Windows Media, </a:t>
+            </a:r>
+            <a:r>
+              <a:rPr lang="en-GB" dirty="0" smtClean="0"/>
+              <a:t>QuickTime</a:t>
+            </a:r>
+            <a:endParaRPr lang="en-GB" dirty="0"/>
+          </a:p>
+          <a:p>
+            <a:r>
+              <a:rPr lang="en-GB" dirty="0" smtClean="0"/>
+              <a:t>Partner </a:t>
+            </a:r>
+            <a:r>
+              <a:rPr lang="en-GB" dirty="0"/>
+              <a:t>players </a:t>
+            </a:r>
+          </a:p>
+          <a:p>
+            <a:r>
+              <a:rPr lang="en-GB" dirty="0"/>
+              <a:t>Paid providers : </a:t>
+            </a:r>
+            <a:r>
+              <a:rPr lang="en-GB" dirty="0" err="1"/>
+              <a:t>Brightcove</a:t>
+            </a:r>
+            <a:r>
+              <a:rPr lang="en-GB" dirty="0"/>
+              <a:t>, </a:t>
+            </a:r>
+            <a:r>
+              <a:rPr lang="en-GB" dirty="0" err="1"/>
+              <a:t>Ooyala</a:t>
+            </a:r>
+            <a:r>
+              <a:rPr lang="en-GB" dirty="0"/>
+              <a:t>, </a:t>
+            </a:r>
+            <a:r>
+              <a:rPr lang="en-GB" dirty="0" err="1"/>
+              <a:t>Kaltura</a:t>
+            </a:r>
+            <a:r>
+              <a:rPr lang="en-GB" dirty="0"/>
+              <a:t>, The platform</a:t>
+            </a:r>
+          </a:p>
+          <a:p>
+            <a:r>
+              <a:rPr lang="en-GB" dirty="0"/>
+              <a:t>Open source: JW Player, </a:t>
+            </a:r>
+            <a:r>
+              <a:rPr lang="en-GB" dirty="0" err="1"/>
+              <a:t>FlowPlayer</a:t>
+            </a:r>
+            <a:endParaRPr lang="en-GB" dirty="0"/>
+          </a:p>
+          <a:p>
+            <a:r>
+              <a:rPr lang="en-GB" dirty="0"/>
+              <a:t>Free providers : </a:t>
+            </a:r>
+            <a:r>
+              <a:rPr lang="en-GB" dirty="0" err="1"/>
+              <a:t>Youtube</a:t>
+            </a:r>
+            <a:r>
+              <a:rPr lang="en-GB" dirty="0"/>
+              <a:t>, Vimeo, Facebook</a:t>
+            </a:r>
+          </a:p>
+          <a:p>
+            <a:r>
+              <a:rPr lang="en-GB" dirty="0"/>
+              <a:t>Custom: Home Built </a:t>
+            </a:r>
+            <a:r>
+              <a:rPr lang="en-GB" dirty="0" smtClean="0"/>
+              <a:t>Players</a:t>
+            </a:r>
+          </a:p>
+          <a:p>
+            <a:r>
+              <a:rPr lang="en-US" b="1" dirty="0"/>
+              <a:t>If you can implement an HTML5 player and a </a:t>
+            </a:r>
+            <a:r>
+              <a:rPr lang="en-US" b="1" dirty="0" smtClean="0"/>
+              <a:t>Flash player</a:t>
+            </a:r>
+            <a:r>
+              <a:rPr lang="en-US" b="1" dirty="0"/>
+              <a:t>, then you should be able to implement any other.</a:t>
+            </a:r>
+            <a:endParaRPr lang="en-GB" b="1" dirty="0"/>
           </a:p>
         </p:txBody>
       </p:sp>
     </p:spTree>
     <p:extLst>
       <p:ext uri="{BB962C8B-B14F-4D97-AF65-F5344CB8AC3E}">
-        <p14:creationId xmlns:p14="http://schemas.microsoft.com/office/powerpoint/2010/main" val="1010837811"/>
+        <p14:creationId xmlns:p14="http://schemas.microsoft.com/office/powerpoint/2010/main" val="3432148251"/>
       </p:ext>
     </p:extLst>
   </p:cSld>
@@ -18333,7 +18352,7 @@
           <a:p>
             <a:r>
               <a:rPr lang="en-GB" dirty="0" smtClean="0"/>
-              <a:t>Mobile Media module settings</a:t>
+              <a:t>How to identify a video player</a:t>
             </a:r>
             <a:endParaRPr lang="en-GB" dirty="0"/>
           </a:p>
@@ -18341,23 +18360,148 @@
       </p:sp>
       <p:sp>
         <p:nvSpPr>
-          <p:cNvPr id="3" name="Text Placeholder 2"/>
-          <p:cNvSpPr>
-            <a:spLocks noGrp="1"/>
-          </p:cNvSpPr>
-          <p:nvPr>
-            <p:ph type="body" idx="1"/>
-          </p:nvPr>
-        </p:nvSpPr>
-        <p:spPr/>
-        <p:txBody>
-          <a:bodyPr/>
+          <p:cNvPr id="3" name="Content Placeholder 2"/>
+          <p:cNvSpPr>
+            <a:spLocks noGrp="1"/>
+          </p:cNvSpPr>
+          <p:nvPr>
+            <p:ph idx="1"/>
+          </p:nvPr>
+        </p:nvSpPr>
+        <p:spPr/>
+        <p:txBody>
+          <a:bodyPr>
+            <a:normAutofit fontScale="85000" lnSpcReduction="10000"/>
+          </a:bodyPr>
           <a:lstStyle/>
           <a:p>
             <a:r>
               <a:rPr lang="en-GB" dirty="0" smtClean="0"/>
-              <a:t>IOS SDK 4.x | ANDROID SDK 4.x</a:t>
-            </a:r>
+              <a:t>Ask you client</a:t>
+            </a:r>
+          </a:p>
+          <a:p>
+            <a:r>
+              <a:rPr lang="en-US" dirty="0"/>
+              <a:t>Right click on the video </a:t>
+            </a:r>
+            <a:r>
+              <a:rPr lang="en-US" dirty="0" smtClean="0">
+                <a:sym typeface="Wingdings" panose="05000000000000000000" pitchFamily="2" charset="2"/>
+              </a:rPr>
+              <a:t></a:t>
+            </a:r>
+            <a:r>
+              <a:rPr lang="en-US" dirty="0" smtClean="0"/>
+              <a:t> </a:t>
+            </a:r>
+            <a:r>
+              <a:rPr lang="en-US" dirty="0"/>
+              <a:t>if Flash you should get details for </a:t>
+            </a:r>
+            <a:r>
+              <a:rPr lang="en-US" dirty="0" smtClean="0"/>
+              <a:t>Flash</a:t>
+            </a:r>
+          </a:p>
+          <a:p>
+            <a:r>
+              <a:rPr lang="en-US" dirty="0" smtClean="0"/>
+              <a:t>Look at the source code</a:t>
+            </a:r>
+          </a:p>
+          <a:p>
+            <a:r>
+              <a:rPr lang="en-US" dirty="0" smtClean="0"/>
+              <a:t>If it is an app </a:t>
+            </a:r>
+            <a:r>
+              <a:rPr lang="en-US" dirty="0" smtClean="0">
+                <a:sym typeface="Wingdings" panose="05000000000000000000" pitchFamily="2" charset="2"/>
+              </a:rPr>
+              <a:t>see mobile APP implementation documentation</a:t>
+            </a:r>
+          </a:p>
+          <a:p>
+            <a:pPr lvl="1"/>
+            <a:r>
+              <a:rPr lang="en-US" dirty="0">
+                <a:sym typeface="Wingdings" panose="05000000000000000000" pitchFamily="2" charset="2"/>
+              </a:rPr>
+              <a:t>IOS SDK 4.x : </a:t>
+            </a:r>
+            <a:r>
+              <a:rPr lang="en-US" dirty="0">
+                <a:sym typeface="Wingdings" panose="05000000000000000000" pitchFamily="2" charset="2"/>
+                <a:hlinkClick r:id="rId3"/>
+              </a:rPr>
+              <a:t>https://</a:t>
+            </a:r>
+            <a:r>
+              <a:rPr lang="en-US" dirty="0" smtClean="0">
+                <a:sym typeface="Wingdings" panose="05000000000000000000" pitchFamily="2" charset="2"/>
+                <a:hlinkClick r:id="rId3"/>
+              </a:rPr>
+              <a:t>marketing.adobe.com/resources/help/en_US/mobile/ios/video_qs.html</a:t>
+            </a:r>
+            <a:endParaRPr lang="en-US" dirty="0" smtClean="0">
+              <a:sym typeface="Wingdings" panose="05000000000000000000" pitchFamily="2" charset="2"/>
+            </a:endParaRPr>
+          </a:p>
+          <a:p>
+            <a:pPr lvl="1"/>
+            <a:r>
+              <a:rPr lang="en-US" dirty="0">
+                <a:sym typeface="Wingdings" panose="05000000000000000000" pitchFamily="2" charset="2"/>
+              </a:rPr>
+              <a:t>ANDROID SDK 4.x : </a:t>
+            </a:r>
+            <a:r>
+              <a:rPr lang="en-US" dirty="0">
+                <a:sym typeface="Wingdings" panose="05000000000000000000" pitchFamily="2" charset="2"/>
+                <a:hlinkClick r:id="rId4"/>
+              </a:rPr>
+              <a:t>https://</a:t>
+            </a:r>
+            <a:r>
+              <a:rPr lang="en-US" dirty="0" smtClean="0">
+                <a:sym typeface="Wingdings" panose="05000000000000000000" pitchFamily="2" charset="2"/>
+                <a:hlinkClick r:id="rId4"/>
+              </a:rPr>
+              <a:t>marketing.adobe.com/resources/help/en_US/mobile/android/video_qs.html</a:t>
+            </a:r>
+            <a:endParaRPr lang="en-US" dirty="0" smtClean="0">
+              <a:sym typeface="Wingdings" panose="05000000000000000000" pitchFamily="2" charset="2"/>
+            </a:endParaRPr>
+          </a:p>
+          <a:p>
+            <a:pPr lvl="1"/>
+            <a:r>
+              <a:rPr lang="en-US" dirty="0">
+                <a:sym typeface="Wingdings" panose="05000000000000000000" pitchFamily="2" charset="2"/>
+              </a:rPr>
+              <a:t>WINDOWS SDK 4.x : </a:t>
+            </a:r>
+            <a:r>
+              <a:rPr lang="en-US" dirty="0">
+                <a:sym typeface="Wingdings" panose="05000000000000000000" pitchFamily="2" charset="2"/>
+                <a:hlinkClick r:id="rId5"/>
+              </a:rPr>
+              <a:t>https://</a:t>
+            </a:r>
+            <a:r>
+              <a:rPr lang="en-US" dirty="0" smtClean="0">
+                <a:sym typeface="Wingdings" panose="05000000000000000000" pitchFamily="2" charset="2"/>
+                <a:hlinkClick r:id="rId5"/>
+              </a:rPr>
+              <a:t>marketing.adobe.com/resources/help/en_US/mobile/winu/video_qs.html</a:t>
+            </a:r>
+            <a:endParaRPr lang="en-US" dirty="0" smtClean="0">
+              <a:sym typeface="Wingdings" panose="05000000000000000000" pitchFamily="2" charset="2"/>
+            </a:endParaRPr>
+          </a:p>
+          <a:p>
+            <a:pPr lvl="1"/>
             <a:endParaRPr lang="en-GB" dirty="0"/>
           </a:p>
         </p:txBody>
@@ -18365,7 +18509,7 @@
     </p:spTree>
     <p:extLst>
       <p:ext uri="{BB962C8B-B14F-4D97-AF65-F5344CB8AC3E}">
-        <p14:creationId xmlns:p14="http://schemas.microsoft.com/office/powerpoint/2010/main" val="1455631405"/>
+        <p14:creationId xmlns:p14="http://schemas.microsoft.com/office/powerpoint/2010/main" val="4211527372"/>
       </p:ext>
     </p:extLst>
   </p:cSld>
@@ -18415,8 +18559,12 @@
           <a:lstStyle/>
           <a:p>
             <a:r>
+              <a:rPr lang="en-GB" dirty="0" err="1" smtClean="0"/>
+              <a:t>AutoTrack</a:t>
+            </a:r>
+            <a:r>
               <a:rPr lang="en-GB" dirty="0" smtClean="0"/>
-              <a:t>IOS SDK 4.x</a:t>
+              <a:t> vs Manual Tag: </a:t>
             </a:r>
             <a:endParaRPr lang="en-GB" dirty="0"/>
           </a:p>
@@ -18432,133 +18580,131 @@
             <p:ph idx="1"/>
           </p:nvPr>
         </p:nvSpPr>
-        <p:spPr>
-          <a:xfrm>
-            <a:off x="1295402" y="2556932"/>
-            <a:ext cx="9601196" cy="3318936"/>
-          </a:xfrm>
-        </p:spPr>
+        <p:spPr/>
         <p:txBody>
           <a:bodyPr>
-            <a:normAutofit fontScale="92500" lnSpcReduction="10000"/>
+            <a:normAutofit fontScale="85000" lnSpcReduction="20000"/>
           </a:bodyPr>
           <a:lstStyle/>
           <a:p>
             <a:r>
-              <a:rPr lang="en-GB" dirty="0" smtClean="0"/>
-              <a:t>All details provided in the </a:t>
-            </a:r>
-            <a:r>
-              <a:rPr lang="en-GB" dirty="0" smtClean="0">
-                <a:hlinkClick r:id="rId3"/>
-              </a:rPr>
-              <a:t>IOS SDK 4.x doc</a:t>
-            </a:r>
-            <a:endParaRPr lang="en-GB" dirty="0" smtClean="0"/>
-          </a:p>
-          <a:p>
-            <a:r>
-              <a:rPr lang="en-GB" dirty="0"/>
-              <a:t>First you need to call </a:t>
-            </a:r>
-            <a:r>
-              <a:rPr lang="en-GB" dirty="0" smtClean="0"/>
-              <a:t>:</a:t>
+              <a:rPr lang="en-US" dirty="0"/>
+              <a:t>What is the difference between </a:t>
+            </a:r>
+            <a:r>
+              <a:rPr lang="en-US" dirty="0" err="1"/>
+              <a:t>autoTrack</a:t>
+            </a:r>
+            <a:r>
+              <a:rPr lang="en-US" dirty="0"/>
+              <a:t> and a manual tag</a:t>
+            </a:r>
+            <a:r>
+              <a:rPr lang="en-US" dirty="0" smtClean="0"/>
+              <a:t>?</a:t>
             </a:r>
           </a:p>
           <a:p>
             <a:pPr lvl="1"/>
             <a:r>
-              <a:rPr lang="en-US" dirty="0" err="1"/>
-              <a:t>ADBMediaSettings</a:t>
-            </a:r>
-            <a:r>
               <a:rPr lang="en-US" dirty="0"/>
-              <a:t> *</a:t>
-            </a:r>
-            <a:r>
-              <a:rPr lang="en-US" dirty="0" err="1"/>
-              <a:t>mediaSettings</a:t>
+              <a:t>Our code has to be told </a:t>
+            </a:r>
+            <a:r>
+              <a:rPr lang="en-US" dirty="0" smtClean="0"/>
+              <a:t>when:</a:t>
+            </a:r>
+          </a:p>
+          <a:p>
+            <a:pPr lvl="2"/>
+            <a:r>
+              <a:rPr lang="en-US" dirty="0" smtClean="0"/>
+              <a:t>the </a:t>
             </a:r>
             <a:r>
               <a:rPr lang="en-US" dirty="0"/>
-              <a:t> = [</a:t>
-            </a:r>
-            <a:r>
-              <a:rPr lang="en-US" dirty="0" err="1"/>
-              <a:t>ADBMobile</a:t>
+              <a:t>video is beginning</a:t>
+            </a:r>
+          </a:p>
+          <a:p>
+            <a:pPr lvl="2"/>
+            <a:r>
+              <a:rPr lang="en-US" dirty="0" smtClean="0"/>
+              <a:t>it </a:t>
             </a:r>
             <a:r>
               <a:rPr lang="en-US" dirty="0"/>
-              <a:t> </a:t>
-            </a:r>
-            <a:r>
-              <a:rPr lang="en-US" dirty="0" err="1"/>
-              <a:t>mediaCreateSettingsWithName:MEDIA_NAME</a:t>
+              <a:t>has ended</a:t>
+            </a:r>
+          </a:p>
+          <a:p>
+            <a:pPr lvl="2"/>
+            <a:r>
+              <a:rPr lang="en-US" dirty="0" smtClean="0"/>
+              <a:t>someone </a:t>
             </a:r>
             <a:r>
               <a:rPr lang="en-US" dirty="0"/>
-              <a:t> </a:t>
-            </a:r>
-            <a:br>
+              <a:t>pause/or resumed it</a:t>
+            </a:r>
+          </a:p>
+          <a:p>
+            <a:pPr lvl="2"/>
+            <a:r>
+              <a:rPr lang="en-US" dirty="0" smtClean="0"/>
+              <a:t>it </a:t>
+            </a:r>
+            <a:r>
               <a:rPr lang="en-US" dirty="0"/>
-            </a:br>
-            <a:r>
-              <a:rPr lang="en-US" dirty="0" err="1"/>
-              <a:t>length:MEDIA_LENGTH</a:t>
+              <a:t>has paused to buffer/resumed play</a:t>
+            </a:r>
+          </a:p>
+          <a:p>
+            <a:pPr lvl="2"/>
+            <a:r>
+              <a:rPr lang="en-US" dirty="0" smtClean="0"/>
+              <a:t>the </a:t>
             </a:r>
             <a:r>
               <a:rPr lang="en-US" dirty="0"/>
-              <a:t> </a:t>
-            </a:r>
+              <a:t>user has skipped ahead/back</a:t>
+            </a:r>
+          </a:p>
+          <a:p>
+            <a:pPr lvl="1"/>
+            <a:r>
+              <a:rPr lang="en-US" dirty="0" smtClean="0"/>
+              <a:t>This </a:t>
+            </a:r>
+            <a:r>
+              <a:rPr lang="en-US" dirty="0"/>
+              <a:t>is handled by the video player's event handlers</a:t>
+            </a:r>
+          </a:p>
+          <a:p>
+            <a:pPr lvl="1"/>
             <a:r>
               <a:rPr lang="en-US" dirty="0" err="1" smtClean="0"/>
-              <a:t>playerName:PLAYER_NAME</a:t>
+              <a:t>AutoTrack</a:t>
             </a:r>
             <a:r>
               <a:rPr lang="en-US" dirty="0" smtClean="0"/>
               <a:t> </a:t>
             </a:r>
             <a:r>
-              <a:rPr lang="en-US" dirty="0" err="1"/>
-              <a:t>playerID:PLAYER_ID</a:t>
-            </a:r>
+              <a:rPr lang="en-US" dirty="0"/>
+              <a:t>is when our code "already knows" which event listeners to listen for</a:t>
+            </a:r>
+          </a:p>
+          <a:p>
+            <a:pPr lvl="1"/>
             <a:r>
               <a:rPr lang="en-US" dirty="0" smtClean="0"/>
-              <a:t>];</a:t>
-            </a:r>
-          </a:p>
-          <a:p>
-            <a:r>
-              <a:rPr lang="en-GB" dirty="0"/>
-              <a:t>Once you called the above, choose if you want to track the standard milestone which correspond to percentage:</a:t>
-            </a:r>
-            <a:endParaRPr lang="en-GB" sz="3600" dirty="0"/>
-          </a:p>
-          <a:p>
-            <a:pPr lvl="1"/>
-            <a:r>
-              <a:rPr lang="en-US" dirty="0" err="1"/>
-              <a:t>mediaSettings.milestones</a:t>
+              <a:t>Manual </a:t>
             </a:r>
             <a:r>
               <a:rPr lang="en-US" dirty="0"/>
-              <a:t> = @"25,50,75";</a:t>
-            </a:r>
-            <a:br>
-              <a:rPr lang="en-US" dirty="0"/>
-            </a:br>
-            <a:r>
-              <a:rPr lang="en-US" dirty="0" err="1"/>
-              <a:t>mediaSettings.segmentByMilestones</a:t>
-            </a:r>
-            <a:r>
-              <a:rPr lang="en-US" dirty="0"/>
-              <a:t> = YES</a:t>
-            </a:r>
-            <a:r>
-              <a:rPr lang="en-US" dirty="0" smtClean="0"/>
-              <a:t>;</a:t>
+              <a:t>tag is when the client's developers have to tell us when those things happen</a:t>
             </a:r>
             <a:endParaRPr lang="en-GB" dirty="0"/>
           </a:p>
@@ -18567,7 +18713,7 @@
     </p:spTree>
     <p:extLst>
       <p:ext uri="{BB962C8B-B14F-4D97-AF65-F5344CB8AC3E}">
-        <p14:creationId xmlns:p14="http://schemas.microsoft.com/office/powerpoint/2010/main" val="2264694858"/>
+        <p14:creationId xmlns:p14="http://schemas.microsoft.com/office/powerpoint/2010/main" val="92165972"/>
       </p:ext>
     </p:extLst>
   </p:cSld>
@@ -18696,101 +18842,111 @@
         </p:nvSpPr>
         <p:spPr/>
         <p:txBody>
+          <a:bodyPr>
+            <a:normAutofit fontScale="90000"/>
+          </a:bodyPr>
+          <a:lstStyle/>
+          <a:p>
+            <a:r>
+              <a:rPr lang="en-US" dirty="0"/>
+              <a:t>Decide on </a:t>
+            </a:r>
+            <a:r>
+              <a:rPr lang="en-US" dirty="0" err="1"/>
+              <a:t>AutoTrack</a:t>
+            </a:r>
+            <a:r>
+              <a:rPr lang="en-US" dirty="0"/>
+              <a:t> or Manual Tag - when to use manual tag</a:t>
+            </a:r>
+            <a:endParaRPr lang="en-GB" dirty="0"/>
+          </a:p>
+        </p:txBody>
+      </p:sp>
+      <p:sp>
+        <p:nvSpPr>
+          <p:cNvPr id="3" name="Content Placeholder 2"/>
+          <p:cNvSpPr>
+            <a:spLocks noGrp="1"/>
+          </p:cNvSpPr>
+          <p:nvPr>
+            <p:ph idx="1"/>
+          </p:nvPr>
+        </p:nvSpPr>
+        <p:spPr/>
+        <p:txBody>
           <a:bodyPr/>
           <a:lstStyle/>
           <a:p>
             <a:r>
-              <a:rPr lang="en-GB" dirty="0" smtClean="0"/>
-              <a:t>IOS SDK 4.x</a:t>
+              <a:rPr lang="en-US" dirty="0"/>
+              <a:t>The player is not supported by </a:t>
+            </a:r>
+            <a:r>
+              <a:rPr lang="en-US" dirty="0" err="1"/>
+              <a:t>autoTrack</a:t>
+            </a:r>
+            <a:endParaRPr lang="en-US" dirty="0"/>
+          </a:p>
+          <a:p>
+            <a:r>
+              <a:rPr lang="en-US" dirty="0" smtClean="0"/>
+              <a:t>Classifying </a:t>
+            </a:r>
+            <a:r>
+              <a:rPr lang="en-US" dirty="0"/>
+              <a:t>a </a:t>
+            </a:r>
+            <a:r>
+              <a:rPr lang="en-US" dirty="0" err="1"/>
+              <a:t>videoID</a:t>
+            </a:r>
+            <a:r>
+              <a:rPr lang="en-US" dirty="0"/>
+              <a:t> to a friendly name isn't a viable option</a:t>
+            </a:r>
+          </a:p>
+          <a:p>
+            <a:r>
+              <a:rPr lang="en-US" dirty="0" smtClean="0"/>
+              <a:t>Live </a:t>
+            </a:r>
+            <a:r>
+              <a:rPr lang="en-US" dirty="0"/>
+              <a:t>streams (video with no defined end)</a:t>
+            </a:r>
+          </a:p>
+          <a:p>
+            <a:r>
+              <a:rPr lang="en-US" dirty="0" smtClean="0"/>
+              <a:t>Client </a:t>
+            </a:r>
+            <a:r>
+              <a:rPr lang="en-US" dirty="0"/>
+              <a:t>wants to use custom segment names</a:t>
+            </a:r>
+          </a:p>
+          <a:p>
+            <a:r>
+              <a:rPr lang="en-US" dirty="0" err="1" smtClean="0"/>
+              <a:t>AutoTrack</a:t>
+            </a:r>
+            <a:r>
+              <a:rPr lang="en-US" dirty="0" smtClean="0"/>
+              <a:t> </a:t>
+            </a:r>
+            <a:r>
+              <a:rPr lang="en-US" dirty="0"/>
+              <a:t>Refuses to work</a:t>
             </a:r>
             <a:endParaRPr lang="en-GB" dirty="0"/>
-          </a:p>
-        </p:txBody>
-      </p:sp>
-      <p:sp>
-        <p:nvSpPr>
-          <p:cNvPr id="3" name="Content Placeholder 2"/>
-          <p:cNvSpPr>
-            <a:spLocks noGrp="1"/>
-          </p:cNvSpPr>
-          <p:nvPr>
-            <p:ph idx="1"/>
-          </p:nvPr>
-        </p:nvSpPr>
-        <p:spPr/>
-        <p:txBody>
-          <a:bodyPr>
-            <a:normAutofit fontScale="92500" lnSpcReduction="20000"/>
-          </a:bodyPr>
-          <a:lstStyle/>
-          <a:p>
-            <a:r>
-              <a:rPr lang="en-GB" dirty="0"/>
-              <a:t>Or you want to track offset milestone which correspond to specific seconds that elapsed since the video started to play: </a:t>
-            </a:r>
-          </a:p>
-          <a:p>
-            <a:pPr lvl="1"/>
-            <a:r>
-              <a:rPr lang="en-US" dirty="0" err="1"/>
-              <a:t>mediaSettings.offsetMilestones</a:t>
-            </a:r>
-            <a:r>
-              <a:rPr lang="en-US" dirty="0"/>
-              <a:t> = @"60,120";</a:t>
-            </a:r>
-            <a:br>
-              <a:rPr lang="en-US" dirty="0"/>
-            </a:br>
-            <a:r>
-              <a:rPr lang="en-US" dirty="0" err="1"/>
-              <a:t>mediaSettings.segmentByOffsetMilestones</a:t>
-            </a:r>
-            <a:r>
-              <a:rPr lang="en-US" dirty="0"/>
-              <a:t> = YES;</a:t>
-            </a:r>
-            <a:br>
-              <a:rPr lang="en-US" dirty="0"/>
-            </a:br>
-            <a:endParaRPr lang="en-GB" dirty="0"/>
-          </a:p>
-          <a:p>
-            <a:r>
-              <a:rPr lang="en-GB" dirty="0"/>
-              <a:t>If you want a hit to be sent every X seconds then implement the following:</a:t>
-            </a:r>
-          </a:p>
-          <a:p>
-            <a:pPr lvl="1"/>
-            <a:r>
-              <a:rPr lang="en-US" dirty="0" err="1"/>
-              <a:t>mediaSettings.trackSeconds</a:t>
-            </a:r>
-            <a:r>
-              <a:rPr lang="en-US" dirty="0"/>
-              <a:t> = 30; // sends a hit every 30 </a:t>
-            </a:r>
-            <a:r>
-              <a:rPr lang="en-US" dirty="0" smtClean="0"/>
-              <a:t>seconds</a:t>
-            </a:r>
-          </a:p>
-          <a:p>
-            <a:r>
-              <a:rPr lang="en-GB" b="1" dirty="0"/>
-              <a:t>THIS IS ALL THE MEDIA MODULE CONFIGURATION THAT IS NEEDED. YOU CAN MIX AND MATCH THE OPTIONS BUT THEY NEED TO BE PRESENT BEFORE THE NEXT STEP.</a:t>
-            </a:r>
-          </a:p>
-          <a:p>
-            <a:endParaRPr lang="en-US" dirty="0" smtClean="0"/>
           </a:p>
         </p:txBody>
       </p:sp>
     </p:spTree>
     <p:extLst>
       <p:ext uri="{BB962C8B-B14F-4D97-AF65-F5344CB8AC3E}">
-        <p14:creationId xmlns:p14="http://schemas.microsoft.com/office/powerpoint/2010/main" val="472045579"/>
+        <p14:creationId xmlns:p14="http://schemas.microsoft.com/office/powerpoint/2010/main" val="946744167"/>
       </p:ext>
     </p:extLst>
   </p:cSld>
@@ -18841,7 +18997,7 @@
           <a:p>
             <a:r>
               <a:rPr lang="en-GB" dirty="0" smtClean="0"/>
-              <a:t>ADNROID SDK 4.x</a:t>
+              <a:t>Media Module settings</a:t>
             </a:r>
             <a:endParaRPr lang="en-GB" dirty="0"/>
           </a:p>
@@ -18849,119 +19005,23 @@
       </p:sp>
       <p:sp>
         <p:nvSpPr>
-          <p:cNvPr id="3" name="Content Placeholder 2"/>
-          <p:cNvSpPr>
-            <a:spLocks noGrp="1"/>
-          </p:cNvSpPr>
-          <p:nvPr>
-            <p:ph idx="1"/>
-          </p:nvPr>
-        </p:nvSpPr>
-        <p:spPr/>
-        <p:txBody>
-          <a:bodyPr>
-            <a:normAutofit lnSpcReduction="10000"/>
-          </a:bodyPr>
+          <p:cNvPr id="3" name="Text Placeholder 2"/>
+          <p:cNvSpPr>
+            <a:spLocks noGrp="1"/>
+          </p:cNvSpPr>
+          <p:nvPr>
+            <p:ph type="body" idx="1"/>
+          </p:nvPr>
+        </p:nvSpPr>
+        <p:spPr/>
+        <p:txBody>
+          <a:bodyPr/>
           <a:lstStyle/>
           <a:p>
             <a:r>
               <a:rPr lang="en-GB" dirty="0" smtClean="0"/>
-              <a:t>All details provided in </a:t>
-            </a:r>
-            <a:r>
-              <a:rPr lang="en-GB" dirty="0" smtClean="0">
-                <a:hlinkClick r:id="rId3"/>
-              </a:rPr>
-              <a:t>ANDROID SDK 4.x doc</a:t>
-            </a:r>
-            <a:endParaRPr lang="en-GB" dirty="0" smtClean="0"/>
-          </a:p>
-          <a:p>
-            <a:r>
-              <a:rPr lang="en-GB" dirty="0"/>
-              <a:t>First you need to call :</a:t>
-            </a:r>
-          </a:p>
-          <a:p>
-            <a:pPr lvl="1"/>
-            <a:r>
-              <a:rPr lang="en-US" dirty="0" err="1"/>
-              <a:t>MediaSettings</a:t>
-            </a:r>
-            <a:r>
-              <a:rPr lang="en-US" dirty="0"/>
-              <a:t> settings =</a:t>
-            </a:r>
-            <a:r>
-              <a:rPr lang="en-US" dirty="0" err="1"/>
-              <a:t>Media.settingsWith</a:t>
-            </a:r>
-            <a:r>
-              <a:rPr lang="en-US" dirty="0"/>
-              <a:t>(MEDIA_NAME, MEDIA_LENGTH, PLAYER_NAME, PLAYER_ID</a:t>
-            </a:r>
-            <a:r>
-              <a:rPr lang="en-US" dirty="0" smtClean="0"/>
-              <a:t>);</a:t>
-            </a:r>
-          </a:p>
-          <a:p>
-            <a:r>
-              <a:rPr lang="en-GB" dirty="0"/>
-              <a:t>Once you called the above, choose if you want to track the standard milestone which correspond to percentage:</a:t>
-            </a:r>
-          </a:p>
-          <a:p>
-            <a:pPr lvl="1"/>
-            <a:r>
-              <a:rPr lang="en-US" dirty="0" err="1"/>
-              <a:t>settings.milestones</a:t>
-            </a:r>
-            <a:r>
-              <a:rPr lang="en-US" dirty="0"/>
-              <a:t> = </a:t>
-            </a:r>
-            <a:r>
-              <a:rPr lang="en-GB" dirty="0"/>
-              <a:t>"</a:t>
-            </a:r>
-            <a:r>
-              <a:rPr lang="en-US" dirty="0"/>
-              <a:t>25,50,75</a:t>
-            </a:r>
-            <a:r>
-              <a:rPr lang="en-GB" dirty="0"/>
-              <a:t>";</a:t>
-            </a:r>
-            <a:r>
-              <a:rPr lang="en-US" dirty="0"/>
-              <a:t/>
-            </a:r>
-            <a:br>
-              <a:rPr lang="en-US" dirty="0"/>
-            </a:br>
-            <a:r>
-              <a:rPr lang="en-US" dirty="0" err="1"/>
-              <a:t>settings.segmentByMilestones</a:t>
-            </a:r>
-            <a:r>
-              <a:rPr lang="en-US" dirty="0"/>
-              <a:t> = </a:t>
-            </a:r>
-            <a:r>
-              <a:rPr lang="en-GB" dirty="0"/>
-              <a:t>true</a:t>
-            </a:r>
-            <a:r>
-              <a:rPr lang="en-US" dirty="0"/>
-              <a:t>;</a:t>
-            </a:r>
-            <a:endParaRPr lang="en-GB" dirty="0"/>
-          </a:p>
-          <a:p>
-            <a:endParaRPr lang="en-GB" dirty="0" smtClean="0"/>
-          </a:p>
-          <a:p>
+              <a:t>Mobile vs. Web</a:t>
+            </a:r>
             <a:endParaRPr lang="en-GB" dirty="0"/>
           </a:p>
         </p:txBody>
@@ -18969,7 +19029,7 @@
     </p:spTree>
     <p:extLst>
       <p:ext uri="{BB962C8B-B14F-4D97-AF65-F5344CB8AC3E}">
-        <p14:creationId xmlns:p14="http://schemas.microsoft.com/office/powerpoint/2010/main" val="4033139121"/>
+        <p14:creationId xmlns:p14="http://schemas.microsoft.com/office/powerpoint/2010/main" val="1010837811"/>
       </p:ext>
     </p:extLst>
   </p:cSld>
@@ -19020,7 +19080,7 @@
           <a:p>
             <a:r>
               <a:rPr lang="en-GB" dirty="0" smtClean="0"/>
-              <a:t>ANDROID SDK 4.x</a:t>
+              <a:t>Mobile Media module settings</a:t>
             </a:r>
             <a:endParaRPr lang="en-GB" dirty="0"/>
           </a:p>
@@ -19028,93 +19088,31 @@
       </p:sp>
       <p:sp>
         <p:nvSpPr>
-          <p:cNvPr id="3" name="Content Placeholder 2"/>
-          <p:cNvSpPr>
-            <a:spLocks noGrp="1"/>
-          </p:cNvSpPr>
-          <p:nvPr>
-            <p:ph idx="1"/>
-          </p:nvPr>
-        </p:nvSpPr>
-        <p:spPr/>
-        <p:txBody>
-          <a:bodyPr>
-            <a:normAutofit fontScale="92500" lnSpcReduction="20000"/>
-          </a:bodyPr>
-          <a:lstStyle/>
-          <a:p>
-            <a:r>
-              <a:rPr lang="en-GB" dirty="0"/>
-              <a:t>Or you want to track offset milestone which correspond to specific seconds that elapsed since the video started to play: </a:t>
-            </a:r>
-          </a:p>
-          <a:p>
-            <a:pPr lvl="1"/>
-            <a:r>
-              <a:rPr lang="en-US" dirty="0" err="1"/>
-              <a:t>settings.offsetMilestones</a:t>
-            </a:r>
-            <a:r>
-              <a:rPr lang="en-US" dirty="0"/>
-              <a:t> = "60,120";</a:t>
-            </a:r>
-            <a:br>
-              <a:rPr lang="en-US" dirty="0"/>
-            </a:br>
-            <a:r>
-              <a:rPr lang="en-US" dirty="0" err="1"/>
-              <a:t>settings.segmentByOffsetMilestones</a:t>
-            </a:r>
-            <a:r>
-              <a:rPr lang="en-US" dirty="0"/>
-              <a:t>  = </a:t>
-            </a:r>
-            <a:r>
-              <a:rPr lang="en-GB" dirty="0"/>
-              <a:t>true</a:t>
-            </a:r>
-            <a:r>
-              <a:rPr lang="en-US" dirty="0"/>
-              <a:t>;</a:t>
-            </a:r>
-            <a:br>
-              <a:rPr lang="en-US" dirty="0"/>
-            </a:br>
+          <p:cNvPr id="3" name="Text Placeholder 2"/>
+          <p:cNvSpPr>
+            <a:spLocks noGrp="1"/>
+          </p:cNvSpPr>
+          <p:nvPr>
+            <p:ph type="body" idx="1"/>
+          </p:nvPr>
+        </p:nvSpPr>
+        <p:spPr/>
+        <p:txBody>
+          <a:bodyPr/>
+          <a:lstStyle/>
+          <a:p>
+            <a:r>
+              <a:rPr lang="en-GB" dirty="0" smtClean="0"/>
+              <a:t>IOS SDK 4.x | ANDROID SDK 4.x</a:t>
+            </a:r>
             <a:endParaRPr lang="en-GB" dirty="0"/>
-          </a:p>
-          <a:p>
-            <a:r>
-              <a:rPr lang="en-GB" dirty="0"/>
-              <a:t>If you want a hit to be sent every X seconds then implement the following:</a:t>
-            </a:r>
-          </a:p>
-          <a:p>
-            <a:pPr lvl="1"/>
-            <a:r>
-              <a:rPr lang="en-US" dirty="0" err="1"/>
-              <a:t>settings.trackSeconds</a:t>
-            </a:r>
-            <a:r>
-              <a:rPr lang="en-US" dirty="0"/>
-              <a:t> = 30; // sends a hit every 30 </a:t>
-            </a:r>
-            <a:r>
-              <a:rPr lang="en-US" dirty="0" smtClean="0"/>
-              <a:t>seconds</a:t>
-            </a:r>
-          </a:p>
-          <a:p>
-            <a:r>
-              <a:rPr lang="en-GB" b="1" dirty="0"/>
-              <a:t>THIS IS ALL THE MEDIA MODULE CONFIGURATION THAT IS NEEDED. YOU CAN MIX AND MATCH THE OPTIONS BUT THEY NEED TO BE PRESENT BEFORE THE NEXT STEP.</a:t>
-            </a:r>
           </a:p>
         </p:txBody>
       </p:sp>
     </p:spTree>
     <p:extLst>
       <p:ext uri="{BB962C8B-B14F-4D97-AF65-F5344CB8AC3E}">
-        <p14:creationId xmlns:p14="http://schemas.microsoft.com/office/powerpoint/2010/main" val="1915465961"/>
+        <p14:creationId xmlns:p14="http://schemas.microsoft.com/office/powerpoint/2010/main" val="1455631405"/>
       </p:ext>
     </p:extLst>
   </p:cSld>
@@ -19165,7 +19163,7 @@
           <a:p>
             <a:r>
               <a:rPr lang="en-GB" dirty="0" smtClean="0"/>
-              <a:t>Web Media module implementation</a:t>
+              <a:t>IOS SDK 4.x</a:t>
             </a:r>
             <a:endParaRPr lang="en-GB" dirty="0"/>
           </a:p>
@@ -19173,22 +19171,141 @@
       </p:sp>
       <p:sp>
         <p:nvSpPr>
-          <p:cNvPr id="3" name="Text Placeholder 2"/>
-          <p:cNvSpPr>
-            <a:spLocks noGrp="1"/>
-          </p:cNvSpPr>
-          <p:nvPr>
-            <p:ph type="body" idx="1"/>
-          </p:nvPr>
-        </p:nvSpPr>
-        <p:spPr/>
-        <p:txBody>
-          <a:bodyPr/>
+          <p:cNvPr id="3" name="Content Placeholder 2"/>
+          <p:cNvSpPr>
+            <a:spLocks noGrp="1"/>
+          </p:cNvSpPr>
+          <p:nvPr>
+            <p:ph idx="1"/>
+          </p:nvPr>
+        </p:nvSpPr>
+        <p:spPr>
+          <a:xfrm>
+            <a:off x="1295402" y="2556932"/>
+            <a:ext cx="9601196" cy="3318936"/>
+          </a:xfrm>
+        </p:spPr>
+        <p:txBody>
+          <a:bodyPr>
+            <a:normAutofit fontScale="92500" lnSpcReduction="10000"/>
+          </a:bodyPr>
           <a:lstStyle/>
           <a:p>
             <a:r>
               <a:rPr lang="en-GB" dirty="0" smtClean="0"/>
-              <a:t>JavaScript | Flash</a:t>
+              <a:t>All details provided in the </a:t>
+            </a:r>
+            <a:r>
+              <a:rPr lang="en-GB" dirty="0" smtClean="0">
+                <a:hlinkClick r:id="rId3"/>
+              </a:rPr>
+              <a:t>IOS SDK 4.x doc</a:t>
+            </a:r>
+            <a:endParaRPr lang="en-GB" dirty="0" smtClean="0"/>
+          </a:p>
+          <a:p>
+            <a:r>
+              <a:rPr lang="en-GB" dirty="0"/>
+              <a:t>First you need to call </a:t>
+            </a:r>
+            <a:r>
+              <a:rPr lang="en-GB" dirty="0" smtClean="0"/>
+              <a:t>:</a:t>
+            </a:r>
+          </a:p>
+          <a:p>
+            <a:pPr lvl="1"/>
+            <a:r>
+              <a:rPr lang="en-US" dirty="0" err="1"/>
+              <a:t>ADBMediaSettings</a:t>
+            </a:r>
+            <a:r>
+              <a:rPr lang="en-US" dirty="0"/>
+              <a:t> *</a:t>
+            </a:r>
+            <a:r>
+              <a:rPr lang="en-US" dirty="0" err="1"/>
+              <a:t>mediaSettings</a:t>
+            </a:r>
+            <a:r>
+              <a:rPr lang="en-US" dirty="0"/>
+              <a:t> = [</a:t>
+            </a:r>
+            <a:r>
+              <a:rPr lang="en-US" dirty="0" err="1"/>
+              <a:t>ADBMobile</a:t>
+            </a:r>
+            <a:r>
+              <a:rPr lang="en-US" dirty="0"/>
+              <a:t> </a:t>
+            </a:r>
+            <a:r>
+              <a:rPr lang="en-US" dirty="0" err="1"/>
+              <a:t>mediaCreateSettingsWithName:MEDIA_NAME</a:t>
+            </a:r>
+            <a:r>
+              <a:rPr lang="en-US" dirty="0"/>
+              <a:t> </a:t>
+            </a:r>
+            <a:br>
+              <a:rPr lang="en-US" dirty="0"/>
+            </a:br>
+            <a:r>
+              <a:rPr lang="en-US" dirty="0" err="1"/>
+              <a:t>length:MEDIA_LENGTH</a:t>
+            </a:r>
+            <a:r>
+              <a:rPr lang="en-US" dirty="0"/>
+              <a:t> </a:t>
+            </a:r>
+            <a:r>
+              <a:rPr lang="en-US" dirty="0" err="1" smtClean="0"/>
+              <a:t>playerName:PLAYER_NAME</a:t>
+            </a:r>
+            <a:r>
+              <a:rPr lang="en-US" dirty="0" smtClean="0"/>
+              <a:t> </a:t>
+            </a:r>
+            <a:r>
+              <a:rPr lang="en-US" dirty="0" err="1"/>
+              <a:t>playerID:PLAYER_ID</a:t>
+            </a:r>
+            <a:r>
+              <a:rPr lang="en-US" dirty="0" smtClean="0"/>
+              <a:t>];</a:t>
+            </a:r>
+          </a:p>
+          <a:p>
+            <a:r>
+              <a:rPr lang="en-GB" dirty="0"/>
+              <a:t>Once you called the above, choose if you want to track the standard milestone which correspond to percentage:</a:t>
+            </a:r>
+            <a:endParaRPr lang="en-GB" sz="3600" dirty="0"/>
+          </a:p>
+          <a:p>
+            <a:pPr lvl="1"/>
+            <a:r>
+              <a:rPr lang="en-US" dirty="0" err="1"/>
+              <a:t>mediaSettings.milestones</a:t>
+            </a:r>
+            <a:r>
+              <a:rPr lang="en-US" dirty="0"/>
+              <a:t> = @"25,50,75";</a:t>
+            </a:r>
+            <a:br>
+              <a:rPr lang="en-US" dirty="0"/>
+            </a:br>
+            <a:r>
+              <a:rPr lang="en-US" dirty="0" err="1"/>
+              <a:t>mediaSettings.segmentByMilestones</a:t>
+            </a:r>
+            <a:r>
+              <a:rPr lang="en-US" dirty="0"/>
+              <a:t> = YES</a:t>
+            </a:r>
+            <a:r>
+              <a:rPr lang="en-US" dirty="0" smtClean="0"/>
+              <a:t>;</a:t>
             </a:r>
             <a:endParaRPr lang="en-GB" dirty="0"/>
           </a:p>
@@ -19197,7 +19314,7 @@
     </p:spTree>
     <p:extLst>
       <p:ext uri="{BB962C8B-B14F-4D97-AF65-F5344CB8AC3E}">
-        <p14:creationId xmlns:p14="http://schemas.microsoft.com/office/powerpoint/2010/main" val="3532075750"/>
+        <p14:creationId xmlns:p14="http://schemas.microsoft.com/office/powerpoint/2010/main" val="2264694858"/>
       </p:ext>
     </p:extLst>
   </p:cSld>
@@ -19248,7 +19365,7 @@
           <a:p>
             <a:r>
               <a:rPr lang="en-GB" dirty="0" smtClean="0"/>
-              <a:t>Download the media module</a:t>
+              <a:t>IOS SDK 4.x</a:t>
             </a:r>
             <a:endParaRPr lang="en-GB" dirty="0"/>
           </a:p>
@@ -19266,60 +19383,78 @@
         </p:nvSpPr>
         <p:spPr/>
         <p:txBody>
-          <a:bodyPr/>
-          <a:lstStyle/>
-          <a:p>
-            <a:r>
-              <a:rPr lang="en-GB" dirty="0" smtClean="0"/>
-              <a:t>Go to Admin </a:t>
-            </a:r>
-            <a:r>
-              <a:rPr lang="en-GB" dirty="0" smtClean="0">
-                <a:sym typeface="Wingdings" panose="05000000000000000000" pitchFamily="2" charset="2"/>
-              </a:rPr>
-              <a:t> Code manager</a:t>
+          <a:bodyPr>
+            <a:normAutofit fontScale="92500" lnSpcReduction="20000"/>
+          </a:bodyPr>
+          <a:lstStyle/>
+          <a:p>
+            <a:r>
+              <a:rPr lang="en-GB" dirty="0"/>
+              <a:t>Or you want to track offset milestone which correspond to specific seconds that elapsed since the video started to play: </a:t>
             </a:r>
           </a:p>
           <a:p>
             <a:pPr lvl="1"/>
             <a:r>
-              <a:rPr lang="en-GB" dirty="0" err="1" smtClean="0">
-                <a:sym typeface="Wingdings" panose="05000000000000000000" pitchFamily="2" charset="2"/>
-              </a:rPr>
-              <a:t>AppMeasurement</a:t>
-            </a:r>
-            <a:r>
-              <a:rPr lang="en-GB" dirty="0" smtClean="0">
-                <a:sym typeface="Wingdings" panose="05000000000000000000" pitchFamily="2" charset="2"/>
-              </a:rPr>
-              <a:t> JavaScript: in the zip file downloaded you should see “AppMeasurement_Module_Media.js”  copy to AppMeasurement.js.</a:t>
+              <a:rPr lang="en-US" dirty="0" err="1"/>
+              <a:t>mediaSettings.offsetMilestones</a:t>
+            </a:r>
+            <a:r>
+              <a:rPr lang="en-US" dirty="0"/>
+              <a:t> = @"60,120";</a:t>
+            </a:r>
+            <a:br>
+              <a:rPr lang="en-US" dirty="0"/>
+            </a:br>
+            <a:r>
+              <a:rPr lang="en-US" dirty="0" err="1"/>
+              <a:t>mediaSettings.segmentByOffsetMilestones</a:t>
+            </a:r>
+            <a:r>
+              <a:rPr lang="en-US" dirty="0"/>
+              <a:t> = YES;</a:t>
+            </a:r>
+            <a:br>
+              <a:rPr lang="en-US" dirty="0"/>
+            </a:br>
+            <a:endParaRPr lang="en-GB" dirty="0"/>
+          </a:p>
+          <a:p>
+            <a:r>
+              <a:rPr lang="en-GB" dirty="0"/>
+              <a:t>If you want a hit to be sent every X seconds then implement the following:</a:t>
             </a:r>
           </a:p>
           <a:p>
             <a:pPr lvl="1"/>
             <a:r>
-              <a:rPr lang="en-GB" dirty="0" smtClean="0">
-                <a:sym typeface="Wingdings" panose="05000000000000000000" pitchFamily="2" charset="2"/>
-              </a:rPr>
-              <a:t>Legacy JavaScript code (H version): should be present in the s_code.js file</a:t>
-            </a:r>
-          </a:p>
-          <a:p>
-            <a:pPr lvl="1"/>
-            <a:r>
-              <a:rPr lang="en-GB" dirty="0" smtClean="0">
-                <a:sym typeface="Wingdings" panose="05000000000000000000" pitchFamily="2" charset="2"/>
-              </a:rPr>
-              <a:t>For Flash add the corresponding library as present in the zip folder.</a:t>
-            </a:r>
-            <a:endParaRPr lang="en-GB" dirty="0"/>
+              <a:rPr lang="en-US" dirty="0" err="1"/>
+              <a:t>mediaSettings.trackSeconds</a:t>
+            </a:r>
+            <a:r>
+              <a:rPr lang="en-US" dirty="0"/>
+              <a:t> = 30; // sends a hit every 30 </a:t>
+            </a:r>
+            <a:r>
+              <a:rPr lang="en-US" dirty="0" smtClean="0"/>
+              <a:t>seconds</a:t>
+            </a:r>
+          </a:p>
+          <a:p>
+            <a:r>
+              <a:rPr lang="en-GB" b="1" dirty="0"/>
+              <a:t>THIS IS ALL THE MEDIA MODULE CONFIGURATION THAT IS NEEDED. YOU CAN MIX AND MATCH THE OPTIONS BUT THEY NEED TO BE PRESENT BEFORE THE NEXT STEP.</a:t>
+            </a:r>
+          </a:p>
+          <a:p>
+            <a:endParaRPr lang="en-US" dirty="0" smtClean="0"/>
           </a:p>
         </p:txBody>
       </p:sp>
     </p:spTree>
     <p:extLst>
       <p:ext uri="{BB962C8B-B14F-4D97-AF65-F5344CB8AC3E}">
-        <p14:creationId xmlns:p14="http://schemas.microsoft.com/office/powerpoint/2010/main" val="267060777"/>
+        <p14:creationId xmlns:p14="http://schemas.microsoft.com/office/powerpoint/2010/main" val="472045579"/>
       </p:ext>
     </p:extLst>
   </p:cSld>
@@ -19370,7 +19505,7 @@
           <a:p>
             <a:r>
               <a:rPr lang="en-GB" dirty="0" smtClean="0"/>
-              <a:t>Media module implementation</a:t>
+              <a:t>ADNROID SDK 4.x</a:t>
             </a:r>
             <a:endParaRPr lang="en-GB" dirty="0"/>
           </a:p>
@@ -19388,38 +19523,117 @@
         </p:nvSpPr>
         <p:spPr/>
         <p:txBody>
-          <a:bodyPr/>
+          <a:bodyPr>
+            <a:normAutofit lnSpcReduction="10000"/>
+          </a:bodyPr>
           <a:lstStyle/>
           <a:p>
             <a:r>
               <a:rPr lang="en-GB" dirty="0" smtClean="0"/>
-              <a:t>For JavaScript implementation place the Media module code above the line DO NOT ALTER BELOW THIS LINE either in the s_code.js file of AppMeasurement.js file.</a:t>
-            </a:r>
-          </a:p>
-          <a:p>
-            <a:r>
-              <a:rPr lang="en-GB" dirty="0" smtClean="0"/>
-              <a:t>Initialise the </a:t>
-            </a:r>
+              <a:t>All details provided in </a:t>
+            </a:r>
+            <a:r>
+              <a:rPr lang="en-GB" dirty="0" smtClean="0">
+                <a:hlinkClick r:id="rId3"/>
+              </a:rPr>
+              <a:t>ANDROID SDK 4.x doc</a:t>
+            </a:r>
+            <a:endParaRPr lang="en-GB" dirty="0" smtClean="0"/>
+          </a:p>
+          <a:p>
             <a:r>
               <a:rPr lang="en-GB" dirty="0"/>
-              <a:t>Media module : </a:t>
-            </a:r>
-            <a:r>
-              <a:rPr lang="en-GB" dirty="0" err="1"/>
-              <a:t>s.loadModule</a:t>
-            </a:r>
+              <a:t>First you need to call :</a:t>
+            </a:r>
+          </a:p>
+          <a:p>
+            <a:pPr lvl="1"/>
+            <a:r>
+              <a:rPr lang="en-US" dirty="0" err="1"/>
+              <a:t>MediaSettings</a:t>
+            </a:r>
+            <a:r>
+              <a:rPr lang="en-US" dirty="0"/>
+              <a:t> settings =</a:t>
+            </a:r>
+            <a:r>
+              <a:rPr lang="en-US" dirty="0" err="1"/>
+              <a:t>Media.settingsWith</a:t>
+            </a:r>
+            <a:r>
+              <a:rPr lang="en-US" dirty="0"/>
+              <a:t>(MEDIA_NAME, MEDIA_LENGTH, PLAYER_NAME, PLAYER_ID</a:t>
+            </a:r>
+            <a:r>
+              <a:rPr lang="en-US" dirty="0" smtClean="0"/>
+              <a:t>);</a:t>
+            </a:r>
+          </a:p>
+          <a:p>
             <a:r>
               <a:rPr lang="en-GB" dirty="0"/>
-              <a:t>("Media")</a:t>
-            </a:r>
+              <a:t>Once you called the above, choose if you want to track the standard milestone which correspond to percentage:</a:t>
+            </a:r>
+          </a:p>
+          <a:p>
+            <a:pPr lvl="1"/>
+            <a:r>
+              <a:rPr lang="en-US" dirty="0" err="1"/>
+              <a:t>settings.milestones</a:t>
+            </a:r>
+            <a:r>
+              <a:rPr lang="en-US" dirty="0"/>
+              <a:t> = </a:t>
+            </a:r>
+            <a:r>
+              <a:rPr lang="en-GB" dirty="0"/>
+              <a:t>"</a:t>
+            </a:r>
+            <a:r>
+              <a:rPr lang="en-US" dirty="0"/>
+              <a:t>25,50,75</a:t>
+            </a:r>
+            <a:r>
+              <a:rPr lang="en-GB" dirty="0"/>
+              <a:t>";</a:t>
+            </a:r>
+            <a:r>
+              <a:rPr lang="en-US" dirty="0"/>
+              <a:t/>
+            </a:r>
+            <a:br>
+              <a:rPr lang="en-US" dirty="0"/>
+            </a:br>
+            <a:r>
+              <a:rPr lang="en-US" dirty="0" err="1"/>
+              <a:t>settings.segmentByMilestones</a:t>
+            </a:r>
+            <a:r>
+              <a:rPr lang="en-US" dirty="0"/>
+              <a:t> = </a:t>
+            </a:r>
+            <a:r>
+              <a:rPr lang="en-GB" dirty="0"/>
+              <a:t>true</a:t>
+            </a:r>
+            <a:r>
+              <a:rPr lang="en-US" dirty="0"/>
+              <a:t>;</a:t>
+            </a:r>
+            <a:endParaRPr lang="en-GB" dirty="0"/>
+          </a:p>
+          <a:p>
+            <a:endParaRPr lang="en-GB" dirty="0" smtClean="0"/>
+          </a:p>
+          <a:p>
+            <a:endParaRPr lang="en-GB" dirty="0"/>
           </a:p>
         </p:txBody>
       </p:sp>
     </p:spTree>
     <p:extLst>
       <p:ext uri="{BB962C8B-B14F-4D97-AF65-F5344CB8AC3E}">
-        <p14:creationId xmlns:p14="http://schemas.microsoft.com/office/powerpoint/2010/main" val="3043475921"/>
+        <p14:creationId xmlns:p14="http://schemas.microsoft.com/office/powerpoint/2010/main" val="4033139121"/>
       </p:ext>
     </p:extLst>
   </p:cSld>
@@ -19470,7 +19684,7 @@
           <a:p>
             <a:r>
               <a:rPr lang="en-GB" dirty="0" smtClean="0"/>
-              <a:t>Video code implementation</a:t>
+              <a:t>ANDROID SDK 4.x</a:t>
             </a:r>
             <a:endParaRPr lang="en-GB" dirty="0"/>
           </a:p>
@@ -19488,50 +19702,83 @@
         </p:nvSpPr>
         <p:spPr/>
         <p:txBody>
-          <a:bodyPr/>
-          <a:lstStyle/>
-          <a:p>
-            <a:r>
-              <a:rPr lang="en-GB" dirty="0" smtClean="0"/>
-              <a:t>All code versions video milestone implementation </a:t>
-            </a:r>
+          <a:bodyPr>
+            <a:normAutofit fontScale="92500" lnSpcReduction="20000"/>
+          </a:bodyPr>
+          <a:lstStyle/>
+          <a:p>
             <a:r>
               <a:rPr lang="en-GB" dirty="0"/>
-              <a:t>is described here: </a:t>
-            </a:r>
-            <a:r>
-              <a:rPr lang="en-GB" dirty="0">
-                <a:hlinkClick r:id="rId3"/>
-              </a:rPr>
-              <a:t>https://</a:t>
-            </a:r>
-            <a:r>
-              <a:rPr lang="en-GB" dirty="0" smtClean="0">
-                <a:hlinkClick r:id="rId3"/>
-              </a:rPr>
-              <a:t>marketing.adobe.com/resources/help/en_US/sc/appmeasurement/video/video_developer.html</a:t>
-            </a:r>
-            <a:endParaRPr lang="en-GB" dirty="0" smtClean="0"/>
-          </a:p>
-          <a:p>
-            <a:r>
-              <a:rPr lang="en-GB" dirty="0" smtClean="0"/>
-              <a:t>In each case you will have to create the variable mapping file.</a:t>
-            </a:r>
-          </a:p>
-          <a:p>
-            <a:r>
-              <a:rPr lang="en-GB" dirty="0" smtClean="0"/>
-              <a:t>For manual tracking you will have to input your code in the functions ran when an event happens like play, pause, stop, complete</a:t>
-            </a:r>
+              <a:t>Or you want to track offset milestone which correspond to specific seconds that elapsed since the video started to play: </a:t>
+            </a:r>
+          </a:p>
+          <a:p>
+            <a:pPr lvl="1"/>
+            <a:r>
+              <a:rPr lang="en-US" dirty="0" err="1"/>
+              <a:t>settings.offsetMilestones</a:t>
+            </a:r>
+            <a:r>
+              <a:rPr lang="en-US" dirty="0"/>
+              <a:t> = "60,120";</a:t>
+            </a:r>
+            <a:br>
+              <a:rPr lang="en-US" dirty="0"/>
+            </a:br>
+            <a:r>
+              <a:rPr lang="en-US" dirty="0" err="1"/>
+              <a:t>settings.segmentByOffsetMilestones</a:t>
+            </a:r>
+            <a:r>
+              <a:rPr lang="en-US" dirty="0"/>
+              <a:t>  = </a:t>
+            </a:r>
+            <a:r>
+              <a:rPr lang="en-GB" dirty="0"/>
+              <a:t>true</a:t>
+            </a:r>
+            <a:r>
+              <a:rPr lang="en-US" dirty="0"/>
+              <a:t>;</a:t>
+            </a:r>
+            <a:br>
+              <a:rPr lang="en-US" dirty="0"/>
+            </a:br>
             <a:endParaRPr lang="en-GB" dirty="0"/>
+          </a:p>
+          <a:p>
+            <a:r>
+              <a:rPr lang="en-GB" dirty="0"/>
+              <a:t>If you want a hit to be sent every X seconds then implement the following:</a:t>
+            </a:r>
+          </a:p>
+          <a:p>
+            <a:pPr lvl="1"/>
+            <a:r>
+              <a:rPr lang="en-US" dirty="0" err="1"/>
+              <a:t>settings.trackSeconds</a:t>
+            </a:r>
+            <a:r>
+              <a:rPr lang="en-US" dirty="0"/>
+              <a:t> = 30; // sends a hit every 30 </a:t>
+            </a:r>
+            <a:r>
+              <a:rPr lang="en-US" dirty="0" smtClean="0"/>
+              <a:t>seconds</a:t>
+            </a:r>
+          </a:p>
+          <a:p>
+            <a:r>
+              <a:rPr lang="en-GB" b="1" dirty="0"/>
+              <a:t>THIS IS ALL THE MEDIA MODULE CONFIGURATION THAT IS NEEDED. YOU CAN MIX AND MATCH THE OPTIONS BUT THEY NEED TO BE PRESENT BEFORE THE NEXT STEP.</a:t>
+            </a:r>
           </a:p>
         </p:txBody>
       </p:sp>
     </p:spTree>
     <p:extLst>
       <p:ext uri="{BB962C8B-B14F-4D97-AF65-F5344CB8AC3E}">
-        <p14:creationId xmlns:p14="http://schemas.microsoft.com/office/powerpoint/2010/main" val="1924871559"/>
+        <p14:creationId xmlns:p14="http://schemas.microsoft.com/office/powerpoint/2010/main" val="1915465961"/>
       </p:ext>
     </p:extLst>
   </p:cSld>
@@ -19582,7 +19829,7 @@
           <a:p>
             <a:r>
               <a:rPr lang="en-GB" dirty="0" smtClean="0"/>
-              <a:t>Variable mapping</a:t>
+              <a:t>Web Media module implementation</a:t>
             </a:r>
             <a:endParaRPr lang="en-GB" dirty="0"/>
           </a:p>
@@ -19590,108 +19837,22 @@
       </p:sp>
       <p:sp>
         <p:nvSpPr>
-          <p:cNvPr id="3" name="Content Placeholder 2"/>
-          <p:cNvSpPr>
-            <a:spLocks noGrp="1"/>
-          </p:cNvSpPr>
-          <p:nvPr>
-            <p:ph idx="1"/>
-          </p:nvPr>
-        </p:nvSpPr>
-        <p:spPr/>
-        <p:txBody>
-          <a:bodyPr>
-            <a:normAutofit fontScale="92500"/>
-          </a:bodyPr>
-          <a:lstStyle/>
-          <a:p>
-            <a:r>
-              <a:rPr lang="en-GB" dirty="0" err="1"/>
-              <a:t>s.Media.autoTrack</a:t>
-            </a:r>
-            <a:r>
-              <a:rPr lang="en-GB" dirty="0"/>
-              <a:t>= true</a:t>
-            </a:r>
+          <p:cNvPr id="3" name="Text Placeholder 2"/>
+          <p:cNvSpPr>
+            <a:spLocks noGrp="1"/>
+          </p:cNvSpPr>
+          <p:nvPr>
+            <p:ph type="body" idx="1"/>
+          </p:nvPr>
+        </p:nvSpPr>
+        <p:spPr/>
+        <p:txBody>
+          <a:bodyPr/>
+          <a:lstStyle/>
+          <a:p>
             <a:r>
               <a:rPr lang="en-GB" dirty="0" smtClean="0"/>
-              <a:t>; </a:t>
-            </a:r>
-            <a:r>
-              <a:rPr lang="en-GB" dirty="0" smtClean="0">
-                <a:sym typeface="Wingdings" panose="05000000000000000000" pitchFamily="2" charset="2"/>
-              </a:rPr>
-              <a:t> set to true when using </a:t>
-            </a:r>
-            <a:r>
-              <a:rPr lang="en-GB" dirty="0" err="1" smtClean="0">
-                <a:sym typeface="Wingdings" panose="05000000000000000000" pitchFamily="2" charset="2"/>
-              </a:rPr>
-              <a:t>AutoTrack</a:t>
-            </a:r>
-            <a:r>
-              <a:rPr lang="en-GB" dirty="0" smtClean="0">
-                <a:sym typeface="Wingdings" panose="05000000000000000000" pitchFamily="2" charset="2"/>
-              </a:rPr>
-              <a:t>. In most of the case set to false for manual tracking</a:t>
-            </a:r>
-          </a:p>
-          <a:p>
-            <a:r>
-              <a:rPr lang="en-GB" dirty="0" err="1"/>
-              <a:t>s.Media.trackVars</a:t>
-            </a:r>
-            <a:r>
-              <a:rPr lang="en-GB" dirty="0"/>
-              <a:t>="events,prop2,eVar1,eVar2,eVar3";</a:t>
-            </a:r>
-          </a:p>
-          <a:p>
-            <a:r>
-              <a:rPr lang="en-GB" dirty="0" err="1"/>
-              <a:t>s.Media.trackEvents</a:t>
-            </a:r>
-            <a:r>
-              <a:rPr lang="en-GB" dirty="0"/>
-              <a:t>="</a:t>
-            </a:r>
-            <a:r>
-              <a:rPr lang="en-GB" dirty="0" smtClean="0"/>
-              <a:t>event1,event2,event3,event4,event5,event6,event7“</a:t>
-            </a:r>
-          </a:p>
-          <a:p>
-            <a:pPr marL="0" indent="0">
-              <a:buNone/>
-            </a:pPr>
-            <a:r>
-              <a:rPr lang="en-GB" dirty="0" smtClean="0">
-                <a:sym typeface="Wingdings" panose="05000000000000000000" pitchFamily="2" charset="2"/>
-              </a:rPr>
-              <a:t>All variables set in video reporting in Adobe Analytics v14 should be listed in these 2 variables</a:t>
-            </a:r>
-          </a:p>
-          <a:p>
-            <a:pPr marL="0" indent="0">
-              <a:buNone/>
-            </a:pPr>
-            <a:r>
-              <a:rPr lang="en-GB" dirty="0" err="1"/>
-              <a:t>s.Media.trackMilestones</a:t>
-            </a:r>
-            <a:r>
-              <a:rPr lang="en-GB" dirty="0"/>
-              <a:t>="25,50,75</a:t>
-            </a:r>
-            <a:r>
-              <a:rPr lang="en-GB" dirty="0" smtClean="0"/>
-              <a:t>"; </a:t>
-            </a:r>
-            <a:r>
-              <a:rPr lang="en-GB" dirty="0" smtClean="0">
-                <a:sym typeface="Wingdings" panose="05000000000000000000" pitchFamily="2" charset="2"/>
-              </a:rPr>
-              <a:t> declare which milestone you want to track</a:t>
+              <a:t>JavaScript | Flash</a:t>
             </a:r>
             <a:endParaRPr lang="en-GB" dirty="0"/>
           </a:p>
@@ -19700,7 +19861,7 @@
     </p:spTree>
     <p:extLst>
       <p:ext uri="{BB962C8B-B14F-4D97-AF65-F5344CB8AC3E}">
-        <p14:creationId xmlns:p14="http://schemas.microsoft.com/office/powerpoint/2010/main" val="3470109779"/>
+        <p14:creationId xmlns:p14="http://schemas.microsoft.com/office/powerpoint/2010/main" val="3532075750"/>
       </p:ext>
     </p:extLst>
   </p:cSld>
@@ -19751,7 +19912,7 @@
           <a:p>
             <a:r>
               <a:rPr lang="en-GB" dirty="0" smtClean="0"/>
-              <a:t>Variable mapping</a:t>
+              <a:t>Download the media module</a:t>
             </a:r>
             <a:endParaRPr lang="en-GB" dirty="0"/>
           </a:p>
@@ -19773,78 +19934,47 @@
           <a:lstStyle/>
           <a:p>
             <a:r>
-              <a:rPr lang="en-GB" dirty="0" err="1"/>
-              <a:t>s.Media.playerName</a:t>
-            </a:r>
-            <a:r>
-              <a:rPr lang="en-GB" dirty="0"/>
-              <a:t>="My Media Player"; </a:t>
+              <a:rPr lang="en-GB" dirty="0" smtClean="0"/>
+              <a:t>Go to Admin </a:t>
             </a:r>
             <a:r>
               <a:rPr lang="en-GB" dirty="0" smtClean="0">
                 <a:sym typeface="Wingdings" panose="05000000000000000000" pitchFamily="2" charset="2"/>
               </a:rPr>
-              <a:t> name of the player, not tracked by default in any report but can be tracked using processing rules</a:t>
-            </a:r>
-          </a:p>
-          <a:p>
-            <a:r>
-              <a:rPr lang="en-GB" dirty="0" err="1"/>
-              <a:t>s.Media.segmentByMilestones</a:t>
-            </a:r>
-            <a:r>
-              <a:rPr lang="en-GB" dirty="0"/>
-              <a:t> = true</a:t>
-            </a:r>
-            <a:r>
-              <a:rPr lang="en-GB" dirty="0" smtClean="0"/>
-              <a:t>; </a:t>
+              <a:t> Code manager</a:t>
+            </a:r>
+          </a:p>
+          <a:p>
+            <a:pPr lvl="1"/>
+            <a:r>
+              <a:rPr lang="en-GB" dirty="0" err="1" smtClean="0">
+                <a:sym typeface="Wingdings" panose="05000000000000000000" pitchFamily="2" charset="2"/>
+              </a:rPr>
+              <a:t>AppMeasurement</a:t>
             </a:r>
             <a:r>
               <a:rPr lang="en-GB" dirty="0" smtClean="0">
                 <a:sym typeface="Wingdings" panose="05000000000000000000" pitchFamily="2" charset="2"/>
               </a:rPr>
-              <a:t> Tells if when milestone met send image request or not</a:t>
-            </a:r>
-          </a:p>
-          <a:p>
-            <a:r>
-              <a:rPr lang="en-GB" dirty="0" err="1"/>
-              <a:t>s.Media.trackUsingContextData</a:t>
-            </a:r>
-            <a:r>
-              <a:rPr lang="en-GB" dirty="0"/>
-              <a:t> = true</a:t>
-            </a:r>
-            <a:r>
-              <a:rPr lang="en-GB" dirty="0" smtClean="0"/>
-              <a:t>; </a:t>
-            </a:r>
+              <a:t> JavaScript: in the zip file downloaded you should see “AppMeasurement_Module_Media.js”  copy to AppMeasurement.js.</a:t>
+            </a:r>
+          </a:p>
+          <a:p>
+            <a:pPr lvl="1"/>
             <a:r>
               <a:rPr lang="en-GB" dirty="0" smtClean="0">
                 <a:sym typeface="Wingdings" panose="05000000000000000000" pitchFamily="2" charset="2"/>
               </a:rPr>
-              <a:t>always set to true</a:t>
-            </a:r>
-          </a:p>
-          <a:p>
-            <a:r>
-              <a:rPr lang="en-GB" dirty="0" err="1"/>
-              <a:t>s.Media.contextDataMapping</a:t>
-            </a:r>
-            <a:r>
-              <a:rPr lang="en-GB" dirty="0"/>
-              <a:t> = </a:t>
-            </a:r>
-            <a:r>
-              <a:rPr lang="en-GB" dirty="0" smtClean="0"/>
-              <a:t>{ […] } </a:t>
-            </a:r>
+              <a:t>Legacy JavaScript code (H version): should be present in the s_code.js file</a:t>
+            </a:r>
+          </a:p>
+          <a:p>
+            <a:pPr lvl="1"/>
             <a:r>
               <a:rPr lang="en-GB" dirty="0" smtClean="0">
                 <a:sym typeface="Wingdings" panose="05000000000000000000" pitchFamily="2" charset="2"/>
               </a:rPr>
-              <a:t>Map all the variables declared in Video reporting settings</a:t>
+              <a:t>For Flash add the corresponding library as present in the zip folder.</a:t>
             </a:r>
             <a:endParaRPr lang="en-GB" dirty="0"/>
           </a:p>
@@ -19853,7 +19983,7 @@
     </p:spTree>
     <p:extLst>
       <p:ext uri="{BB962C8B-B14F-4D97-AF65-F5344CB8AC3E}">
-        <p14:creationId xmlns:p14="http://schemas.microsoft.com/office/powerpoint/2010/main" val="3159918241"/>
+        <p14:creationId xmlns:p14="http://schemas.microsoft.com/office/powerpoint/2010/main" val="267060777"/>
       </p:ext>
     </p:extLst>
   </p:cSld>
@@ -19889,7 +20019,7 @@
       </p:grpSpPr>
       <p:sp>
         <p:nvSpPr>
-          <p:cNvPr id="4" name="Title 3"/>
+          <p:cNvPr id="2" name="Title 1"/>
           <p:cNvSpPr>
             <a:spLocks noGrp="1"/>
           </p:cNvSpPr>
@@ -19899,177 +20029,61 @@
         </p:nvSpPr>
         <p:spPr/>
         <p:txBody>
-          <a:bodyPr>
-            <a:normAutofit fontScale="90000"/>
-          </a:bodyPr>
+          <a:bodyPr/>
           <a:lstStyle/>
           <a:p>
             <a:r>
               <a:rPr lang="en-GB" dirty="0" smtClean="0"/>
-              <a:t>Variable mapping: </a:t>
+              <a:t>Media module implementation</a:t>
+            </a:r>
+            <a:endParaRPr lang="en-GB" dirty="0"/>
+          </a:p>
+        </p:txBody>
+      </p:sp>
+      <p:sp>
+        <p:nvSpPr>
+          <p:cNvPr id="3" name="Content Placeholder 2"/>
+          <p:cNvSpPr>
+            <a:spLocks noGrp="1"/>
+          </p:cNvSpPr>
+          <p:nvPr>
+            <p:ph idx="1"/>
+          </p:nvPr>
+        </p:nvSpPr>
+        <p:spPr/>
+        <p:txBody>
+          <a:bodyPr/>
+          <a:lstStyle/>
+          <a:p>
+            <a:r>
+              <a:rPr lang="en-GB" dirty="0" smtClean="0"/>
+              <a:t>For JavaScript implementation place the Media module code above the line DO NOT ALTER BELOW THIS LINE either in the s_code.js file of AppMeasurement.js file.</a:t>
+            </a:r>
+          </a:p>
+          <a:p>
+            <a:r>
+              <a:rPr lang="en-GB" dirty="0" smtClean="0"/>
+              <a:t>Initialise the </a:t>
+            </a:r>
+            <a:r>
+              <a:rPr lang="en-GB" dirty="0"/>
+              <a:t>Media module : </a:t>
             </a:r>
             <a:r>
               <a:rPr lang="en-GB" dirty="0" err="1"/>
-              <a:t>s.Media.contextDataMapping</a:t>
-            </a:r>
-            <a:endParaRPr lang="en-GB" dirty="0"/>
-          </a:p>
-        </p:txBody>
-      </p:sp>
-      <p:sp>
-        <p:nvSpPr>
-          <p:cNvPr id="5" name="Content Placeholder 4"/>
-          <p:cNvSpPr>
-            <a:spLocks noGrp="1"/>
-          </p:cNvSpPr>
-          <p:nvPr>
-            <p:ph sz="half" idx="1"/>
-          </p:nvPr>
-        </p:nvSpPr>
-        <p:spPr/>
-        <p:txBody>
-          <a:bodyPr>
-            <a:normAutofit fontScale="55000" lnSpcReduction="20000"/>
-          </a:bodyPr>
-          <a:lstStyle/>
-          <a:p>
+              <a:t>s.loadModule</a:t>
+            </a:r>
             <a:r>
               <a:rPr lang="en-GB" dirty="0"/>
-              <a:t>a.media.name":"eVar2,prop2",</a:t>
-            </a:r>
-          </a:p>
-          <a:p>
-            <a:r>
-              <a:rPr lang="en-GB" dirty="0"/>
-              <a:t>"a.media.segment":"eVar3",</a:t>
-            </a:r>
-          </a:p>
-          <a:p>
-            <a:r>
-              <a:rPr lang="en-GB" dirty="0"/>
-              <a:t>"a.contentType":"eVar1",</a:t>
-            </a:r>
-          </a:p>
-          <a:p>
-            <a:r>
-              <a:rPr lang="en-GB" dirty="0"/>
-              <a:t>"a.media.timePlayed":"event3",</a:t>
-            </a:r>
-          </a:p>
-          <a:p>
-            <a:r>
-              <a:rPr lang="en-GB" dirty="0"/>
-              <a:t>"a.media.view":"event1",</a:t>
-            </a:r>
-          </a:p>
-          <a:p>
-            <a:r>
-              <a:rPr lang="en-GB" dirty="0"/>
-              <a:t>"a.media.segmentView":"event2",</a:t>
-            </a:r>
-          </a:p>
-          <a:p>
-            <a:r>
-              <a:rPr lang="en-GB" dirty="0"/>
-              <a:t>"a.media.complete":"event7",</a:t>
-            </a:r>
-          </a:p>
-          <a:p>
-            <a:r>
-              <a:rPr lang="en-GB" dirty="0"/>
-              <a:t>"</a:t>
-            </a:r>
-            <a:r>
-              <a:rPr lang="en-GB" dirty="0" err="1"/>
-              <a:t>a.media.milestones</a:t>
-            </a:r>
-            <a:r>
-              <a:rPr lang="en-GB" dirty="0"/>
-              <a:t>":{</a:t>
-            </a:r>
-          </a:p>
-          <a:p>
-            <a:r>
-              <a:rPr lang="en-GB" dirty="0"/>
-              <a:t>25:"event4",</a:t>
-            </a:r>
-          </a:p>
-          <a:p>
-            <a:r>
-              <a:rPr lang="en-GB" dirty="0"/>
-              <a:t>50:"event5",</a:t>
-            </a:r>
-          </a:p>
-          <a:p>
-            <a:r>
-              <a:rPr lang="en-GB" dirty="0"/>
-              <a:t>75:"event6"</a:t>
-            </a:r>
-          </a:p>
-          <a:p>
-            <a:r>
-              <a:rPr lang="en-GB" dirty="0"/>
-              <a:t>}</a:t>
-            </a:r>
-          </a:p>
-        </p:txBody>
-      </p:sp>
-      <p:sp>
-        <p:nvSpPr>
-          <p:cNvPr id="6" name="Content Placeholder 5"/>
-          <p:cNvSpPr>
-            <a:spLocks noGrp="1"/>
-          </p:cNvSpPr>
-          <p:nvPr>
-            <p:ph sz="half" idx="2"/>
-          </p:nvPr>
-        </p:nvSpPr>
-        <p:spPr/>
-        <p:txBody>
-          <a:bodyPr/>
-          <a:lstStyle/>
-          <a:p>
-            <a:r>
-              <a:rPr lang="en-GB" dirty="0" smtClean="0"/>
-              <a:t>The </a:t>
-            </a:r>
-            <a:r>
-              <a:rPr lang="en-GB" dirty="0" err="1" smtClean="0"/>
-              <a:t>eVars</a:t>
-            </a:r>
-            <a:r>
-              <a:rPr lang="en-GB" dirty="0" smtClean="0"/>
-              <a:t>, props and events should match exactly what is in Video Reporting Settings. </a:t>
-            </a:r>
-          </a:p>
-          <a:p>
-            <a:r>
-              <a:rPr lang="en-GB" dirty="0" smtClean="0"/>
-              <a:t>Only the additional </a:t>
-            </a:r>
-            <a:r>
-              <a:rPr lang="en-GB" dirty="0" err="1" smtClean="0"/>
-              <a:t>eVars</a:t>
-            </a:r>
-            <a:r>
-              <a:rPr lang="en-GB" dirty="0" smtClean="0"/>
-              <a:t> and events for additional reporting will not be declared in this code. They will be declared in </a:t>
-            </a:r>
-            <a:r>
-              <a:rPr lang="en-GB" dirty="0" err="1" smtClean="0"/>
-              <a:t>Media.monitor</a:t>
-            </a:r>
-            <a:endParaRPr lang="en-GB" dirty="0" smtClean="0"/>
-          </a:p>
-          <a:p>
-            <a:endParaRPr lang="en-GB" dirty="0"/>
+              <a:t>("Media")</a:t>
+            </a:r>
           </a:p>
         </p:txBody>
       </p:sp>
     </p:spTree>
     <p:extLst>
       <p:ext uri="{BB962C8B-B14F-4D97-AF65-F5344CB8AC3E}">
-        <p14:creationId xmlns:p14="http://schemas.microsoft.com/office/powerpoint/2010/main" val="342827772"/>
+        <p14:creationId xmlns:p14="http://schemas.microsoft.com/office/powerpoint/2010/main" val="3043475921"/>
       </p:ext>
     </p:extLst>
   </p:cSld>
@@ -20235,7 +20249,7 @@
           <a:p>
             <a:r>
               <a:rPr lang="en-GB" dirty="0" smtClean="0"/>
-              <a:t>Send Media data to Adobe Analytics</a:t>
+              <a:t>Video code implementation</a:t>
             </a:r>
             <a:endParaRPr lang="en-GB" dirty="0"/>
           </a:p>
@@ -20243,30 +20257,51 @@
       </p:sp>
       <p:sp>
         <p:nvSpPr>
-          <p:cNvPr id="3" name="Text Placeholder 2"/>
-          <p:cNvSpPr>
-            <a:spLocks noGrp="1"/>
-          </p:cNvSpPr>
-          <p:nvPr>
-            <p:ph type="body" idx="1"/>
-          </p:nvPr>
-        </p:nvSpPr>
-        <p:spPr/>
-        <p:txBody>
-          <a:bodyPr>
-            <a:normAutofit lnSpcReduction="10000"/>
-          </a:bodyPr>
+          <p:cNvPr id="3" name="Content Placeholder 2"/>
+          <p:cNvSpPr>
+            <a:spLocks noGrp="1"/>
+          </p:cNvSpPr>
+          <p:nvPr>
+            <p:ph idx="1"/>
+          </p:nvPr>
+        </p:nvSpPr>
+        <p:spPr/>
+        <p:txBody>
+          <a:bodyPr/>
           <a:lstStyle/>
           <a:p>
             <a:r>
               <a:rPr lang="en-GB" dirty="0" smtClean="0"/>
-              <a:t>Media module methods Best Practice</a:t>
-            </a:r>
+              <a:t>All code versions video milestone implementation </a:t>
+            </a:r>
+            <a:r>
+              <a:rPr lang="en-GB" dirty="0"/>
+              <a:t>is described here: </a:t>
+            </a:r>
+            <a:r>
+              <a:rPr lang="en-GB" dirty="0">
+                <a:hlinkClick r:id="rId3"/>
+              </a:rPr>
+              <a:t>https://</a:t>
+            </a:r>
+            <a:r>
+              <a:rPr lang="en-GB" dirty="0" smtClean="0">
+                <a:hlinkClick r:id="rId3"/>
+              </a:rPr>
+              <a:t>marketing.adobe.com/resources/help/en_US/sc/appmeasurement/video/video_developer.html</a:t>
+            </a:r>
+            <a:endParaRPr lang="en-GB" dirty="0" smtClean="0"/>
           </a:p>
           <a:p>
             <a:r>
               <a:rPr lang="en-GB" dirty="0" smtClean="0"/>
-              <a:t>LAST step</a:t>
+              <a:t>In each case you will have to create the variable mapping file.</a:t>
+            </a:r>
+          </a:p>
+          <a:p>
+            <a:r>
+              <a:rPr lang="en-GB" dirty="0" smtClean="0"/>
+              <a:t>For manual tracking you will have to input your code in the functions ran when an event happens like play, pause, stop, complete</a:t>
             </a:r>
             <a:endParaRPr lang="en-GB" dirty="0"/>
           </a:p>
@@ -20275,7 +20310,7 @@
     </p:spTree>
     <p:extLst>
       <p:ext uri="{BB962C8B-B14F-4D97-AF65-F5344CB8AC3E}">
-        <p14:creationId xmlns:p14="http://schemas.microsoft.com/office/powerpoint/2010/main" val="514230236"/>
+        <p14:creationId xmlns:p14="http://schemas.microsoft.com/office/powerpoint/2010/main" val="1924871559"/>
       </p:ext>
     </p:extLst>
   </p:cSld>
@@ -20321,6 +20356,635 @@
         </p:nvSpPr>
         <p:spPr/>
         <p:txBody>
+          <a:bodyPr/>
+          <a:lstStyle/>
+          <a:p>
+            <a:r>
+              <a:rPr lang="en-GB" dirty="0" smtClean="0"/>
+              <a:t>Variable mapping</a:t>
+            </a:r>
+            <a:endParaRPr lang="en-GB" dirty="0"/>
+          </a:p>
+        </p:txBody>
+      </p:sp>
+      <p:sp>
+        <p:nvSpPr>
+          <p:cNvPr id="3" name="Content Placeholder 2"/>
+          <p:cNvSpPr>
+            <a:spLocks noGrp="1"/>
+          </p:cNvSpPr>
+          <p:nvPr>
+            <p:ph idx="1"/>
+          </p:nvPr>
+        </p:nvSpPr>
+        <p:spPr/>
+        <p:txBody>
+          <a:bodyPr>
+            <a:normAutofit fontScale="92500"/>
+          </a:bodyPr>
+          <a:lstStyle/>
+          <a:p>
+            <a:r>
+              <a:rPr lang="en-GB" dirty="0" err="1"/>
+              <a:t>s.Media.autoTrack</a:t>
+            </a:r>
+            <a:r>
+              <a:rPr lang="en-GB" dirty="0"/>
+              <a:t>= true</a:t>
+            </a:r>
+            <a:r>
+              <a:rPr lang="en-GB" dirty="0" smtClean="0"/>
+              <a:t>; </a:t>
+            </a:r>
+            <a:r>
+              <a:rPr lang="en-GB" dirty="0" smtClean="0">
+                <a:sym typeface="Wingdings" panose="05000000000000000000" pitchFamily="2" charset="2"/>
+              </a:rPr>
+              <a:t> set to true when using </a:t>
+            </a:r>
+            <a:r>
+              <a:rPr lang="en-GB" dirty="0" err="1" smtClean="0">
+                <a:sym typeface="Wingdings" panose="05000000000000000000" pitchFamily="2" charset="2"/>
+              </a:rPr>
+              <a:t>AutoTrack</a:t>
+            </a:r>
+            <a:r>
+              <a:rPr lang="en-GB" dirty="0" smtClean="0">
+                <a:sym typeface="Wingdings" panose="05000000000000000000" pitchFamily="2" charset="2"/>
+              </a:rPr>
+              <a:t>. In most of the case set to false for manual tracking</a:t>
+            </a:r>
+          </a:p>
+          <a:p>
+            <a:r>
+              <a:rPr lang="en-GB" dirty="0" err="1"/>
+              <a:t>s.Media.trackVars</a:t>
+            </a:r>
+            <a:r>
+              <a:rPr lang="en-GB" dirty="0"/>
+              <a:t>="events,prop2,eVar1,eVar2,eVar3";</a:t>
+            </a:r>
+          </a:p>
+          <a:p>
+            <a:r>
+              <a:rPr lang="en-GB" dirty="0" err="1"/>
+              <a:t>s.Media.trackEvents</a:t>
+            </a:r>
+            <a:r>
+              <a:rPr lang="en-GB" dirty="0"/>
+              <a:t>="</a:t>
+            </a:r>
+            <a:r>
+              <a:rPr lang="en-GB" dirty="0" smtClean="0"/>
+              <a:t>event1,event2,event3,event4,event5,event6,event7“</a:t>
+            </a:r>
+          </a:p>
+          <a:p>
+            <a:pPr marL="0" indent="0">
+              <a:buNone/>
+            </a:pPr>
+            <a:r>
+              <a:rPr lang="en-GB" dirty="0" smtClean="0">
+                <a:sym typeface="Wingdings" panose="05000000000000000000" pitchFamily="2" charset="2"/>
+              </a:rPr>
+              <a:t>All variables set in video reporting in Adobe Analytics v14 should be listed in these 2 variables</a:t>
+            </a:r>
+          </a:p>
+          <a:p>
+            <a:pPr marL="0" indent="0">
+              <a:buNone/>
+            </a:pPr>
+            <a:r>
+              <a:rPr lang="en-GB" dirty="0" err="1"/>
+              <a:t>s.Media.trackMilestones</a:t>
+            </a:r>
+            <a:r>
+              <a:rPr lang="en-GB" dirty="0"/>
+              <a:t>="25,50,75</a:t>
+            </a:r>
+            <a:r>
+              <a:rPr lang="en-GB" dirty="0" smtClean="0"/>
+              <a:t>"; </a:t>
+            </a:r>
+            <a:r>
+              <a:rPr lang="en-GB" dirty="0" smtClean="0">
+                <a:sym typeface="Wingdings" panose="05000000000000000000" pitchFamily="2" charset="2"/>
+              </a:rPr>
+              <a:t> declare which milestone you want to track</a:t>
+            </a:r>
+            <a:endParaRPr lang="en-GB" dirty="0"/>
+          </a:p>
+        </p:txBody>
+      </p:sp>
+    </p:spTree>
+    <p:extLst>
+      <p:ext uri="{BB962C8B-B14F-4D97-AF65-F5344CB8AC3E}">
+        <p14:creationId xmlns:p14="http://schemas.microsoft.com/office/powerpoint/2010/main" val="3470109779"/>
+      </p:ext>
+    </p:extLst>
+  </p:cSld>
+  <p:clrMapOvr>
+    <a:masterClrMapping/>
+  </p:clrMapOvr>
+  <p:timing>
+    <p:tnLst>
+      <p:par>
+        <p:cTn id="1" dur="indefinite" restart="never" nodeType="tmRoot"/>
+      </p:par>
+    </p:tnLst>
+  </p:timing>
+</p:sld>
+</file>
+
+<file path=ppt/slides/slide42.xml><?xml version="1.0" encoding="utf-8"?>
+<p:sld xmlns:a="http://schemas.openxmlformats.org/drawingml/2006/main" xmlns:r="http://schemas.openxmlformats.org/officeDocument/2006/relationships" xmlns:p="http://schemas.openxmlformats.org/presentationml/2006/main">
+  <p:cSld>
+    <p:spTree>
+      <p:nvGrpSpPr>
+        <p:cNvPr id="1" name=""/>
+        <p:cNvGrpSpPr/>
+        <p:nvPr/>
+      </p:nvGrpSpPr>
+      <p:grpSpPr>
+        <a:xfrm>
+          <a:off x="0" y="0"/>
+          <a:ext cx="0" cy="0"/>
+          <a:chOff x="0" y="0"/>
+          <a:chExt cx="0" cy="0"/>
+        </a:xfrm>
+      </p:grpSpPr>
+      <p:sp>
+        <p:nvSpPr>
+          <p:cNvPr id="2" name="Title 1"/>
+          <p:cNvSpPr>
+            <a:spLocks noGrp="1"/>
+          </p:cNvSpPr>
+          <p:nvPr>
+            <p:ph type="title"/>
+          </p:nvPr>
+        </p:nvSpPr>
+        <p:spPr/>
+        <p:txBody>
+          <a:bodyPr/>
+          <a:lstStyle/>
+          <a:p>
+            <a:r>
+              <a:rPr lang="en-GB" dirty="0" smtClean="0"/>
+              <a:t>Variable mapping</a:t>
+            </a:r>
+            <a:endParaRPr lang="en-GB" dirty="0"/>
+          </a:p>
+        </p:txBody>
+      </p:sp>
+      <p:sp>
+        <p:nvSpPr>
+          <p:cNvPr id="3" name="Content Placeholder 2"/>
+          <p:cNvSpPr>
+            <a:spLocks noGrp="1"/>
+          </p:cNvSpPr>
+          <p:nvPr>
+            <p:ph idx="1"/>
+          </p:nvPr>
+        </p:nvSpPr>
+        <p:spPr/>
+        <p:txBody>
+          <a:bodyPr/>
+          <a:lstStyle/>
+          <a:p>
+            <a:r>
+              <a:rPr lang="en-GB" dirty="0" err="1"/>
+              <a:t>s.Media.playerName</a:t>
+            </a:r>
+            <a:r>
+              <a:rPr lang="en-GB" dirty="0"/>
+              <a:t>="My Media Player"; </a:t>
+            </a:r>
+            <a:r>
+              <a:rPr lang="en-GB" dirty="0" smtClean="0">
+                <a:sym typeface="Wingdings" panose="05000000000000000000" pitchFamily="2" charset="2"/>
+              </a:rPr>
+              <a:t> name of the player, not tracked by default in any report but can be tracked using processing rules</a:t>
+            </a:r>
+          </a:p>
+          <a:p>
+            <a:r>
+              <a:rPr lang="en-GB" dirty="0" err="1"/>
+              <a:t>s.Media.segmentByMilestones</a:t>
+            </a:r>
+            <a:r>
+              <a:rPr lang="en-GB" dirty="0"/>
+              <a:t> = true</a:t>
+            </a:r>
+            <a:r>
+              <a:rPr lang="en-GB" dirty="0" smtClean="0"/>
+              <a:t>; </a:t>
+            </a:r>
+            <a:r>
+              <a:rPr lang="en-GB" dirty="0" smtClean="0">
+                <a:sym typeface="Wingdings" panose="05000000000000000000" pitchFamily="2" charset="2"/>
+              </a:rPr>
+              <a:t> Tells if when milestone met send image request or not</a:t>
+            </a:r>
+          </a:p>
+          <a:p>
+            <a:r>
+              <a:rPr lang="en-GB" dirty="0" err="1"/>
+              <a:t>s.Media.trackUsingContextData</a:t>
+            </a:r>
+            <a:r>
+              <a:rPr lang="en-GB" dirty="0"/>
+              <a:t> = true</a:t>
+            </a:r>
+            <a:r>
+              <a:rPr lang="en-GB" dirty="0" smtClean="0"/>
+              <a:t>; </a:t>
+            </a:r>
+            <a:r>
+              <a:rPr lang="en-GB" dirty="0" smtClean="0">
+                <a:sym typeface="Wingdings" panose="05000000000000000000" pitchFamily="2" charset="2"/>
+              </a:rPr>
+              <a:t>always set to true</a:t>
+            </a:r>
+          </a:p>
+          <a:p>
+            <a:r>
+              <a:rPr lang="en-GB" dirty="0" err="1"/>
+              <a:t>s.Media.contextDataMapping</a:t>
+            </a:r>
+            <a:r>
+              <a:rPr lang="en-GB" dirty="0"/>
+              <a:t> = </a:t>
+            </a:r>
+            <a:r>
+              <a:rPr lang="en-GB" dirty="0" smtClean="0"/>
+              <a:t>{ […] } </a:t>
+            </a:r>
+            <a:r>
+              <a:rPr lang="en-GB" dirty="0" smtClean="0">
+                <a:sym typeface="Wingdings" panose="05000000000000000000" pitchFamily="2" charset="2"/>
+              </a:rPr>
+              <a:t>Map all the variables declared in Video reporting settings</a:t>
+            </a:r>
+            <a:endParaRPr lang="en-GB" dirty="0"/>
+          </a:p>
+        </p:txBody>
+      </p:sp>
+    </p:spTree>
+    <p:extLst>
+      <p:ext uri="{BB962C8B-B14F-4D97-AF65-F5344CB8AC3E}">
+        <p14:creationId xmlns:p14="http://schemas.microsoft.com/office/powerpoint/2010/main" val="3159918241"/>
+      </p:ext>
+    </p:extLst>
+  </p:cSld>
+  <p:clrMapOvr>
+    <a:masterClrMapping/>
+  </p:clrMapOvr>
+  <p:timing>
+    <p:tnLst>
+      <p:par>
+        <p:cTn id="1" dur="indefinite" restart="never" nodeType="tmRoot"/>
+      </p:par>
+    </p:tnLst>
+  </p:timing>
+</p:sld>
+</file>
+
+<file path=ppt/slides/slide43.xml><?xml version="1.0" encoding="utf-8"?>
+<p:sld xmlns:a="http://schemas.openxmlformats.org/drawingml/2006/main" xmlns:r="http://schemas.openxmlformats.org/officeDocument/2006/relationships" xmlns:p="http://schemas.openxmlformats.org/presentationml/2006/main">
+  <p:cSld>
+    <p:spTree>
+      <p:nvGrpSpPr>
+        <p:cNvPr id="1" name=""/>
+        <p:cNvGrpSpPr/>
+        <p:nvPr/>
+      </p:nvGrpSpPr>
+      <p:grpSpPr>
+        <a:xfrm>
+          <a:off x="0" y="0"/>
+          <a:ext cx="0" cy="0"/>
+          <a:chOff x="0" y="0"/>
+          <a:chExt cx="0" cy="0"/>
+        </a:xfrm>
+      </p:grpSpPr>
+      <p:sp>
+        <p:nvSpPr>
+          <p:cNvPr id="4" name="Title 3"/>
+          <p:cNvSpPr>
+            <a:spLocks noGrp="1"/>
+          </p:cNvSpPr>
+          <p:nvPr>
+            <p:ph type="title"/>
+          </p:nvPr>
+        </p:nvSpPr>
+        <p:spPr/>
+        <p:txBody>
+          <a:bodyPr>
+            <a:normAutofit fontScale="90000"/>
+          </a:bodyPr>
+          <a:lstStyle/>
+          <a:p>
+            <a:r>
+              <a:rPr lang="en-GB" dirty="0" smtClean="0"/>
+              <a:t>Variable mapping: </a:t>
+            </a:r>
+            <a:r>
+              <a:rPr lang="en-GB" dirty="0" err="1"/>
+              <a:t>s.Media.contextDataMapping</a:t>
+            </a:r>
+            <a:endParaRPr lang="en-GB" dirty="0"/>
+          </a:p>
+        </p:txBody>
+      </p:sp>
+      <p:sp>
+        <p:nvSpPr>
+          <p:cNvPr id="5" name="Content Placeholder 4"/>
+          <p:cNvSpPr>
+            <a:spLocks noGrp="1"/>
+          </p:cNvSpPr>
+          <p:nvPr>
+            <p:ph sz="half" idx="1"/>
+          </p:nvPr>
+        </p:nvSpPr>
+        <p:spPr/>
+        <p:txBody>
+          <a:bodyPr>
+            <a:normAutofit fontScale="55000" lnSpcReduction="20000"/>
+          </a:bodyPr>
+          <a:lstStyle/>
+          <a:p>
+            <a:r>
+              <a:rPr lang="en-GB" dirty="0"/>
+              <a:t>a.media.name":"eVar2,prop2",</a:t>
+            </a:r>
+          </a:p>
+          <a:p>
+            <a:r>
+              <a:rPr lang="en-GB" dirty="0"/>
+              <a:t>"a.media.segment":"eVar3",</a:t>
+            </a:r>
+          </a:p>
+          <a:p>
+            <a:r>
+              <a:rPr lang="en-GB" dirty="0"/>
+              <a:t>"a.contentType":"eVar1",</a:t>
+            </a:r>
+          </a:p>
+          <a:p>
+            <a:r>
+              <a:rPr lang="en-GB" dirty="0"/>
+              <a:t>"a.media.timePlayed":"event3",</a:t>
+            </a:r>
+          </a:p>
+          <a:p>
+            <a:r>
+              <a:rPr lang="en-GB" dirty="0"/>
+              <a:t>"a.media.view":"event1",</a:t>
+            </a:r>
+          </a:p>
+          <a:p>
+            <a:r>
+              <a:rPr lang="en-GB" dirty="0"/>
+              <a:t>"a.media.segmentView":"event2",</a:t>
+            </a:r>
+          </a:p>
+          <a:p>
+            <a:r>
+              <a:rPr lang="en-GB" dirty="0"/>
+              <a:t>"a.media.complete":"event7",</a:t>
+            </a:r>
+          </a:p>
+          <a:p>
+            <a:r>
+              <a:rPr lang="en-GB" dirty="0"/>
+              <a:t>"</a:t>
+            </a:r>
+            <a:r>
+              <a:rPr lang="en-GB" dirty="0" err="1"/>
+              <a:t>a.media.milestones</a:t>
+            </a:r>
+            <a:r>
+              <a:rPr lang="en-GB" dirty="0"/>
+              <a:t>":{</a:t>
+            </a:r>
+          </a:p>
+          <a:p>
+            <a:r>
+              <a:rPr lang="en-GB" dirty="0"/>
+              <a:t>25:"event4",</a:t>
+            </a:r>
+          </a:p>
+          <a:p>
+            <a:r>
+              <a:rPr lang="en-GB" dirty="0"/>
+              <a:t>50:"event5",</a:t>
+            </a:r>
+          </a:p>
+          <a:p>
+            <a:r>
+              <a:rPr lang="en-GB" dirty="0"/>
+              <a:t>75:"event6"</a:t>
+            </a:r>
+          </a:p>
+          <a:p>
+            <a:r>
+              <a:rPr lang="en-GB" dirty="0"/>
+              <a:t>}</a:t>
+            </a:r>
+          </a:p>
+        </p:txBody>
+      </p:sp>
+      <p:sp>
+        <p:nvSpPr>
+          <p:cNvPr id="6" name="Content Placeholder 5"/>
+          <p:cNvSpPr>
+            <a:spLocks noGrp="1"/>
+          </p:cNvSpPr>
+          <p:nvPr>
+            <p:ph sz="half" idx="2"/>
+          </p:nvPr>
+        </p:nvSpPr>
+        <p:spPr/>
+        <p:txBody>
+          <a:bodyPr/>
+          <a:lstStyle/>
+          <a:p>
+            <a:r>
+              <a:rPr lang="en-GB" dirty="0" smtClean="0"/>
+              <a:t>The </a:t>
+            </a:r>
+            <a:r>
+              <a:rPr lang="en-GB" dirty="0" err="1" smtClean="0"/>
+              <a:t>eVars</a:t>
+            </a:r>
+            <a:r>
+              <a:rPr lang="en-GB" dirty="0" smtClean="0"/>
+              <a:t>, props and events should match exactly what is in Video Reporting Settings. </a:t>
+            </a:r>
+          </a:p>
+          <a:p>
+            <a:r>
+              <a:rPr lang="en-GB" dirty="0" smtClean="0"/>
+              <a:t>Only the additional </a:t>
+            </a:r>
+            <a:r>
+              <a:rPr lang="en-GB" dirty="0" err="1" smtClean="0"/>
+              <a:t>eVars</a:t>
+            </a:r>
+            <a:r>
+              <a:rPr lang="en-GB" dirty="0" smtClean="0"/>
+              <a:t> and events for additional reporting will not be declared in this code. They will be declared in </a:t>
+            </a:r>
+            <a:r>
+              <a:rPr lang="en-GB" dirty="0" err="1" smtClean="0"/>
+              <a:t>Media.monitor</a:t>
+            </a:r>
+            <a:endParaRPr lang="en-GB" dirty="0" smtClean="0"/>
+          </a:p>
+          <a:p>
+            <a:endParaRPr lang="en-GB" dirty="0"/>
+          </a:p>
+        </p:txBody>
+      </p:sp>
+    </p:spTree>
+    <p:extLst>
+      <p:ext uri="{BB962C8B-B14F-4D97-AF65-F5344CB8AC3E}">
+        <p14:creationId xmlns:p14="http://schemas.microsoft.com/office/powerpoint/2010/main" val="342827772"/>
+      </p:ext>
+    </p:extLst>
+  </p:cSld>
+  <p:clrMapOvr>
+    <a:masterClrMapping/>
+  </p:clrMapOvr>
+  <p:timing>
+    <p:tnLst>
+      <p:par>
+        <p:cTn id="1" dur="indefinite" restart="never" nodeType="tmRoot"/>
+      </p:par>
+    </p:tnLst>
+  </p:timing>
+</p:sld>
+</file>
+
+<file path=ppt/slides/slide44.xml><?xml version="1.0" encoding="utf-8"?>
+<p:sld xmlns:a="http://schemas.openxmlformats.org/drawingml/2006/main" xmlns:r="http://schemas.openxmlformats.org/officeDocument/2006/relationships" xmlns:p="http://schemas.openxmlformats.org/presentationml/2006/main">
+  <p:cSld>
+    <p:spTree>
+      <p:nvGrpSpPr>
+        <p:cNvPr id="1" name=""/>
+        <p:cNvGrpSpPr/>
+        <p:nvPr/>
+      </p:nvGrpSpPr>
+      <p:grpSpPr>
+        <a:xfrm>
+          <a:off x="0" y="0"/>
+          <a:ext cx="0" cy="0"/>
+          <a:chOff x="0" y="0"/>
+          <a:chExt cx="0" cy="0"/>
+        </a:xfrm>
+      </p:grpSpPr>
+      <p:sp>
+        <p:nvSpPr>
+          <p:cNvPr id="2" name="Title 1"/>
+          <p:cNvSpPr>
+            <a:spLocks noGrp="1"/>
+          </p:cNvSpPr>
+          <p:nvPr>
+            <p:ph type="title"/>
+          </p:nvPr>
+        </p:nvSpPr>
+        <p:spPr/>
+        <p:txBody>
+          <a:bodyPr/>
+          <a:lstStyle/>
+          <a:p>
+            <a:r>
+              <a:rPr lang="en-GB" dirty="0" smtClean="0"/>
+              <a:t>Send Media data to Adobe Analytics</a:t>
+            </a:r>
+            <a:endParaRPr lang="en-GB" dirty="0"/>
+          </a:p>
+        </p:txBody>
+      </p:sp>
+      <p:sp>
+        <p:nvSpPr>
+          <p:cNvPr id="3" name="Text Placeholder 2"/>
+          <p:cNvSpPr>
+            <a:spLocks noGrp="1"/>
+          </p:cNvSpPr>
+          <p:nvPr>
+            <p:ph type="body" idx="1"/>
+          </p:nvPr>
+        </p:nvSpPr>
+        <p:spPr/>
+        <p:txBody>
+          <a:bodyPr>
+            <a:normAutofit lnSpcReduction="10000"/>
+          </a:bodyPr>
+          <a:lstStyle/>
+          <a:p>
+            <a:r>
+              <a:rPr lang="en-GB" dirty="0" smtClean="0"/>
+              <a:t>Media module methods Best Practice</a:t>
+            </a:r>
+          </a:p>
+          <a:p>
+            <a:r>
+              <a:rPr lang="en-GB" dirty="0" smtClean="0"/>
+              <a:t>LAST step</a:t>
+            </a:r>
+            <a:endParaRPr lang="en-GB" dirty="0"/>
+          </a:p>
+        </p:txBody>
+      </p:sp>
+    </p:spTree>
+    <p:extLst>
+      <p:ext uri="{BB962C8B-B14F-4D97-AF65-F5344CB8AC3E}">
+        <p14:creationId xmlns:p14="http://schemas.microsoft.com/office/powerpoint/2010/main" val="514230236"/>
+      </p:ext>
+    </p:extLst>
+  </p:cSld>
+  <p:clrMapOvr>
+    <a:masterClrMapping/>
+  </p:clrMapOvr>
+  <p:timing>
+    <p:tnLst>
+      <p:par>
+        <p:cTn id="1" dur="indefinite" restart="never" nodeType="tmRoot"/>
+      </p:par>
+    </p:tnLst>
+  </p:timing>
+</p:sld>
+</file>
+
+<file path=ppt/slides/slide45.xml><?xml version="1.0" encoding="utf-8"?>
+<p:sld xmlns:a="http://schemas.openxmlformats.org/drawingml/2006/main" xmlns:r="http://schemas.openxmlformats.org/officeDocument/2006/relationships" xmlns:p="http://schemas.openxmlformats.org/presentationml/2006/main">
+  <p:cSld>
+    <p:spTree>
+      <p:nvGrpSpPr>
+        <p:cNvPr id="1" name=""/>
+        <p:cNvGrpSpPr/>
+        <p:nvPr/>
+      </p:nvGrpSpPr>
+      <p:grpSpPr>
+        <a:xfrm>
+          <a:off x="0" y="0"/>
+          <a:ext cx="0" cy="0"/>
+          <a:chOff x="0" y="0"/>
+          <a:chExt cx="0" cy="0"/>
+        </a:xfrm>
+      </p:grpSpPr>
+      <p:sp>
+        <p:nvSpPr>
+          <p:cNvPr id="2" name="Title 1"/>
+          <p:cNvSpPr>
+            <a:spLocks noGrp="1"/>
+          </p:cNvSpPr>
+          <p:nvPr>
+            <p:ph type="title"/>
+          </p:nvPr>
+        </p:nvSpPr>
+        <p:spPr/>
+        <p:txBody>
           <a:bodyPr>
             <a:normAutofit fontScale="90000"/>
           </a:bodyPr>
@@ -20467,7 +21131,7 @@
 </p:sld>
 </file>
 
-<file path=ppt/slides/slide42.xml><?xml version="1.0" encoding="utf-8"?>
+<file path=ppt/slides/slide46.xml><?xml version="1.0" encoding="utf-8"?>
 <p:sld xmlns:a="http://schemas.openxmlformats.org/drawingml/2006/main" xmlns:r="http://schemas.openxmlformats.org/officeDocument/2006/relationships" xmlns:p="http://schemas.openxmlformats.org/presentationml/2006/main">
   <p:cSld>
     <p:spTree>
@@ -20875,802 +21539,6 @@
 </p:sld>
 </file>
 
-<file path=ppt/slides/slide43.xml><?xml version="1.0" encoding="utf-8"?>
-<p:sld xmlns:a="http://schemas.openxmlformats.org/drawingml/2006/main" xmlns:r="http://schemas.openxmlformats.org/officeDocument/2006/relationships" xmlns:p="http://schemas.openxmlformats.org/presentationml/2006/main">
-  <p:cSld>
-    <p:spTree>
-      <p:nvGrpSpPr>
-        <p:cNvPr id="1" name=""/>
-        <p:cNvGrpSpPr/>
-        <p:nvPr/>
-      </p:nvGrpSpPr>
-      <p:grpSpPr>
-        <a:xfrm>
-          <a:off x="0" y="0"/>
-          <a:ext cx="0" cy="0"/>
-          <a:chOff x="0" y="0"/>
-          <a:chExt cx="0" cy="0"/>
-        </a:xfrm>
-      </p:grpSpPr>
-      <p:sp>
-        <p:nvSpPr>
-          <p:cNvPr id="2" name="Title 1"/>
-          <p:cNvSpPr>
-            <a:spLocks noGrp="1"/>
-          </p:cNvSpPr>
-          <p:nvPr>
-            <p:ph type="title"/>
-          </p:nvPr>
-        </p:nvSpPr>
-        <p:spPr/>
-        <p:txBody>
-          <a:bodyPr/>
-          <a:lstStyle/>
-          <a:p>
-            <a:r>
-              <a:rPr lang="en-GB" dirty="0" smtClean="0"/>
-              <a:t>Examples</a:t>
-            </a:r>
-            <a:endParaRPr lang="en-GB" dirty="0"/>
-          </a:p>
-        </p:txBody>
-      </p:sp>
-      <p:sp>
-        <p:nvSpPr>
-          <p:cNvPr id="3" name="Content Placeholder 2"/>
-          <p:cNvSpPr>
-            <a:spLocks noGrp="1"/>
-          </p:cNvSpPr>
-          <p:nvPr>
-            <p:ph idx="1"/>
-          </p:nvPr>
-        </p:nvSpPr>
-        <p:spPr/>
-        <p:txBody>
-          <a:bodyPr>
-            <a:normAutofit fontScale="85000" lnSpcReduction="20000"/>
-          </a:bodyPr>
-          <a:lstStyle/>
-          <a:p>
-            <a:r>
-              <a:rPr lang="en-US" b="1" dirty="0"/>
-              <a:t>Load:</a:t>
-            </a:r>
-            <a:r>
-              <a:rPr lang="en-US" dirty="0"/>
-              <a:t> Call </a:t>
-            </a:r>
-            <a:r>
-              <a:rPr lang="en-US" dirty="0" err="1"/>
-              <a:t>Media.open</a:t>
-            </a:r>
-            <a:r>
-              <a:rPr lang="en-US" dirty="0"/>
-              <a:t> and </a:t>
-            </a:r>
-            <a:r>
-              <a:rPr lang="en-US" dirty="0" err="1" smtClean="0"/>
-              <a:t>Media.play</a:t>
-            </a:r>
-            <a:endParaRPr lang="en-US" dirty="0"/>
-          </a:p>
-          <a:p>
-            <a:r>
-              <a:rPr lang="en-US" b="1" dirty="0"/>
-              <a:t>Pause:</a:t>
-            </a:r>
-            <a:r>
-              <a:rPr lang="en-US" dirty="0"/>
-              <a:t> Call </a:t>
-            </a:r>
-            <a:r>
-              <a:rPr lang="en-US" dirty="0" err="1"/>
-              <a:t>Media.stop</a:t>
-            </a:r>
-            <a:r>
-              <a:rPr lang="en-US" dirty="0"/>
-              <a:t>. For example, if a user pauses a video after 15 seconds, call </a:t>
-            </a:r>
-            <a:r>
-              <a:rPr lang="en-US" dirty="0" err="1"/>
-              <a:t>s.Media.stop</a:t>
-            </a:r>
-            <a:r>
-              <a:rPr lang="en-US" dirty="0"/>
-              <a:t>("Video1",15</a:t>
-            </a:r>
-            <a:r>
-              <a:rPr lang="en-US" dirty="0" smtClean="0"/>
-              <a:t>)</a:t>
-            </a:r>
-            <a:endParaRPr lang="en-US" dirty="0"/>
-          </a:p>
-          <a:p>
-            <a:r>
-              <a:rPr lang="en-US" b="1" dirty="0"/>
-              <a:t>Buffer:</a:t>
-            </a:r>
-            <a:r>
-              <a:rPr lang="en-US" dirty="0"/>
-              <a:t> Call </a:t>
-            </a:r>
-            <a:r>
-              <a:rPr lang="en-US" dirty="0" err="1"/>
-              <a:t>Media.stop</a:t>
-            </a:r>
-            <a:r>
-              <a:rPr lang="en-US" dirty="0"/>
-              <a:t> while the video buffers. Call </a:t>
-            </a:r>
-            <a:r>
-              <a:rPr lang="en-US" dirty="0" err="1"/>
-              <a:t>Media.play</a:t>
-            </a:r>
-            <a:r>
-              <a:rPr lang="en-US" dirty="0"/>
-              <a:t> when playback resumes</a:t>
-            </a:r>
-            <a:r>
-              <a:rPr lang="en-US" dirty="0" smtClean="0"/>
-              <a:t>.</a:t>
-            </a:r>
-            <a:endParaRPr lang="en-US" dirty="0"/>
-          </a:p>
-          <a:p>
-            <a:r>
-              <a:rPr lang="en-US" b="1" dirty="0"/>
-              <a:t>Resume:</a:t>
-            </a:r>
-            <a:r>
-              <a:rPr lang="en-US" dirty="0"/>
-              <a:t> Call </a:t>
-            </a:r>
-            <a:r>
-              <a:rPr lang="en-US" dirty="0" err="1"/>
-              <a:t>Media.play</a:t>
-            </a:r>
-            <a:r>
-              <a:rPr lang="en-US" dirty="0"/>
-              <a:t>. For example, when a user resumes a video after initially playing 15 seconds of the video, call </a:t>
-            </a:r>
-            <a:r>
-              <a:rPr lang="en-US" dirty="0" err="1"/>
-              <a:t>s.Media.play</a:t>
-            </a:r>
-            <a:r>
-              <a:rPr lang="en-US" dirty="0"/>
-              <a:t>("Video1",15</a:t>
-            </a:r>
-            <a:r>
-              <a:rPr lang="en-US" dirty="0" smtClean="0"/>
-              <a:t>).</a:t>
-            </a:r>
-            <a:endParaRPr lang="en-US" dirty="0"/>
-          </a:p>
-          <a:p>
-            <a:r>
-              <a:rPr lang="en-US" b="1" dirty="0"/>
-              <a:t>Scrub (slider): </a:t>
-            </a:r>
-            <a:r>
-              <a:rPr lang="en-US" dirty="0"/>
-              <a:t>When the user drags the video slider, call </a:t>
-            </a:r>
-            <a:r>
-              <a:rPr lang="en-US" dirty="0" err="1"/>
-              <a:t>Media.stop</a:t>
-            </a:r>
-            <a:r>
-              <a:rPr lang="en-US" dirty="0"/>
-              <a:t>. When the user releases the video slider, call </a:t>
-            </a:r>
-            <a:r>
-              <a:rPr lang="en-US" dirty="0" err="1"/>
-              <a:t>Media.play</a:t>
-            </a:r>
-            <a:r>
-              <a:rPr lang="en-US" dirty="0" smtClean="0"/>
-              <a:t>.</a:t>
-            </a:r>
-            <a:endParaRPr lang="en-US" dirty="0"/>
-          </a:p>
-          <a:p>
-            <a:r>
-              <a:rPr lang="en-US" b="1" dirty="0"/>
-              <a:t>End:</a:t>
-            </a:r>
-            <a:r>
-              <a:rPr lang="en-US" dirty="0"/>
-              <a:t> Call </a:t>
-            </a:r>
-            <a:r>
-              <a:rPr lang="en-US" dirty="0" err="1"/>
-              <a:t>Media.stop</a:t>
-            </a:r>
-            <a:r>
-              <a:rPr lang="en-US" dirty="0"/>
-              <a:t>, then </a:t>
-            </a:r>
-            <a:r>
-              <a:rPr lang="en-US" dirty="0" err="1"/>
-              <a:t>Media.close</a:t>
-            </a:r>
-            <a:r>
-              <a:rPr lang="en-US" dirty="0"/>
-              <a:t>. For example, at the end of a 100-second video, call </a:t>
-            </a:r>
-            <a:r>
-              <a:rPr lang="en-US" dirty="0" err="1"/>
-              <a:t>s.Media.stop</a:t>
-            </a:r>
-            <a:r>
-              <a:rPr lang="en-US" dirty="0"/>
-              <a:t>("Video1",100), then </a:t>
-            </a:r>
-            <a:r>
-              <a:rPr lang="en-US" dirty="0" err="1"/>
-              <a:t>s.Media.close</a:t>
-            </a:r>
-            <a:r>
-              <a:rPr lang="en-US" dirty="0"/>
-              <a:t>("Video1"). </a:t>
-            </a:r>
-            <a:endParaRPr lang="en-GB" dirty="0"/>
-          </a:p>
-        </p:txBody>
-      </p:sp>
-    </p:spTree>
-    <p:extLst>
-      <p:ext uri="{BB962C8B-B14F-4D97-AF65-F5344CB8AC3E}">
-        <p14:creationId xmlns:p14="http://schemas.microsoft.com/office/powerpoint/2010/main" val="3960605209"/>
-      </p:ext>
-    </p:extLst>
-  </p:cSld>
-  <p:clrMapOvr>
-    <a:masterClrMapping/>
-  </p:clrMapOvr>
-  <p:timing>
-    <p:tnLst>
-      <p:par>
-        <p:cTn id="1" dur="indefinite" restart="never" nodeType="tmRoot"/>
-      </p:par>
-    </p:tnLst>
-  </p:timing>
-</p:sld>
-</file>
-
-<file path=ppt/slides/slide44.xml><?xml version="1.0" encoding="utf-8"?>
-<p:sld xmlns:a="http://schemas.openxmlformats.org/drawingml/2006/main" xmlns:r="http://schemas.openxmlformats.org/officeDocument/2006/relationships" xmlns:p="http://schemas.openxmlformats.org/presentationml/2006/main">
-  <p:cSld>
-    <p:spTree>
-      <p:nvGrpSpPr>
-        <p:cNvPr id="1" name=""/>
-        <p:cNvGrpSpPr/>
-        <p:nvPr/>
-      </p:nvGrpSpPr>
-      <p:grpSpPr>
-        <a:xfrm>
-          <a:off x="0" y="0"/>
-          <a:ext cx="0" cy="0"/>
-          <a:chOff x="0" y="0"/>
-          <a:chExt cx="0" cy="0"/>
-        </a:xfrm>
-      </p:grpSpPr>
-      <p:sp>
-        <p:nvSpPr>
-          <p:cNvPr id="2" name="Title 1"/>
-          <p:cNvSpPr>
-            <a:spLocks noGrp="1"/>
-          </p:cNvSpPr>
-          <p:nvPr>
-            <p:ph type="title"/>
-          </p:nvPr>
-        </p:nvSpPr>
-        <p:spPr/>
-        <p:txBody>
-          <a:bodyPr/>
-          <a:lstStyle/>
-          <a:p>
-            <a:r>
-              <a:rPr lang="en-GB" dirty="0" smtClean="0"/>
-              <a:t>1.Open the Media Tracking	</a:t>
-            </a:r>
-            <a:endParaRPr lang="en-GB" dirty="0"/>
-          </a:p>
-        </p:txBody>
-      </p:sp>
-      <p:sp>
-        <p:nvSpPr>
-          <p:cNvPr id="3" name="Text Placeholder 2"/>
-          <p:cNvSpPr>
-            <a:spLocks noGrp="1"/>
-          </p:cNvSpPr>
-          <p:nvPr>
-            <p:ph type="body" idx="1"/>
-          </p:nvPr>
-        </p:nvSpPr>
-        <p:spPr/>
-        <p:txBody>
-          <a:bodyPr/>
-          <a:lstStyle/>
-          <a:p>
-            <a:r>
-              <a:rPr lang="en-GB" dirty="0" smtClean="0"/>
-              <a:t>This should be followed by Media Play</a:t>
-            </a:r>
-          </a:p>
-          <a:p>
-            <a:endParaRPr lang="en-GB" dirty="0"/>
-          </a:p>
-        </p:txBody>
-      </p:sp>
-    </p:spTree>
-    <p:extLst>
-      <p:ext uri="{BB962C8B-B14F-4D97-AF65-F5344CB8AC3E}">
-        <p14:creationId xmlns:p14="http://schemas.microsoft.com/office/powerpoint/2010/main" val="1019969330"/>
-      </p:ext>
-    </p:extLst>
-  </p:cSld>
-  <p:clrMapOvr>
-    <a:masterClrMapping/>
-  </p:clrMapOvr>
-  <p:timing>
-    <p:tnLst>
-      <p:par>
-        <p:cTn id="1" dur="indefinite" restart="never" nodeType="tmRoot"/>
-      </p:par>
-    </p:tnLst>
-  </p:timing>
-</p:sld>
-</file>
-
-<file path=ppt/slides/slide45.xml><?xml version="1.0" encoding="utf-8"?>
-<p:sld xmlns:a="http://schemas.openxmlformats.org/drawingml/2006/main" xmlns:r="http://schemas.openxmlformats.org/officeDocument/2006/relationships" xmlns:p="http://schemas.openxmlformats.org/presentationml/2006/main">
-  <p:cSld>
-    <p:spTree>
-      <p:nvGrpSpPr>
-        <p:cNvPr id="1" name=""/>
-        <p:cNvGrpSpPr/>
-        <p:nvPr/>
-      </p:nvGrpSpPr>
-      <p:grpSpPr>
-        <a:xfrm>
-          <a:off x="0" y="0"/>
-          <a:ext cx="0" cy="0"/>
-          <a:chOff x="0" y="0"/>
-          <a:chExt cx="0" cy="0"/>
-        </a:xfrm>
-      </p:grpSpPr>
-      <p:sp>
-        <p:nvSpPr>
-          <p:cNvPr id="2" name="Title 1"/>
-          <p:cNvSpPr>
-            <a:spLocks noGrp="1"/>
-          </p:cNvSpPr>
-          <p:nvPr>
-            <p:ph type="title"/>
-          </p:nvPr>
-        </p:nvSpPr>
-        <p:spPr/>
-        <p:txBody>
-          <a:bodyPr/>
-          <a:lstStyle/>
-          <a:p>
-            <a:r>
-              <a:rPr lang="en-GB" dirty="0" smtClean="0"/>
-              <a:t>IOS SDK 4.x Media Open</a:t>
-            </a:r>
-            <a:endParaRPr lang="en-GB" dirty="0"/>
-          </a:p>
-        </p:txBody>
-      </p:sp>
-      <p:sp>
-        <p:nvSpPr>
-          <p:cNvPr id="3" name="Content Placeholder 2"/>
-          <p:cNvSpPr>
-            <a:spLocks noGrp="1"/>
-          </p:cNvSpPr>
-          <p:nvPr>
-            <p:ph idx="1"/>
-          </p:nvPr>
-        </p:nvSpPr>
-        <p:spPr/>
-        <p:txBody>
-          <a:bodyPr/>
-          <a:lstStyle/>
-          <a:p>
-            <a:r>
-              <a:rPr lang="en-GB" dirty="0" smtClean="0"/>
-              <a:t>If all of the settings are set correctly then you can open the tracking for he Video.</a:t>
-            </a:r>
-          </a:p>
-          <a:p>
-            <a:r>
-              <a:rPr lang="en-GB" dirty="0" smtClean="0"/>
-              <a:t>Media open without </a:t>
-            </a:r>
-            <a:r>
-              <a:rPr lang="en-GB" dirty="0" err="1" smtClean="0"/>
-              <a:t>callback</a:t>
-            </a:r>
-            <a:r>
-              <a:rPr lang="en-GB" dirty="0" smtClean="0"/>
-              <a:t>:</a:t>
-            </a:r>
-          </a:p>
-          <a:p>
-            <a:pPr lvl="1"/>
-            <a:r>
-              <a:rPr lang="en-US" dirty="0"/>
-              <a:t>[</a:t>
-            </a:r>
-            <a:r>
-              <a:rPr lang="en-US" dirty="0" err="1"/>
-              <a:t>ADBMobile</a:t>
-            </a:r>
-            <a:r>
-              <a:rPr lang="en-US" dirty="0"/>
-              <a:t> </a:t>
-            </a:r>
-            <a:r>
-              <a:rPr lang="en-US" dirty="0" err="1"/>
-              <a:t>mediaOpenWithSettings:mediaSettings</a:t>
-            </a:r>
-            <a:r>
-              <a:rPr lang="en-US" dirty="0"/>
-              <a:t> </a:t>
-            </a:r>
-            <a:r>
-              <a:rPr lang="en-US" dirty="0" err="1"/>
-              <a:t>callback:nil</a:t>
-            </a:r>
-            <a:r>
-              <a:rPr lang="en-US" dirty="0" smtClean="0"/>
-              <a:t>];</a:t>
-            </a:r>
-          </a:p>
-          <a:p>
-            <a:pPr marL="0" indent="0">
-              <a:buNone/>
-            </a:pPr>
-            <a:endParaRPr lang="en-GB" dirty="0"/>
-          </a:p>
-        </p:txBody>
-      </p:sp>
-    </p:spTree>
-    <p:extLst>
-      <p:ext uri="{BB962C8B-B14F-4D97-AF65-F5344CB8AC3E}">
-        <p14:creationId xmlns:p14="http://schemas.microsoft.com/office/powerpoint/2010/main" val="2758845408"/>
-      </p:ext>
-    </p:extLst>
-  </p:cSld>
-  <p:clrMapOvr>
-    <a:masterClrMapping/>
-  </p:clrMapOvr>
-  <p:timing>
-    <p:tnLst>
-      <p:par>
-        <p:cTn id="1" dur="indefinite" restart="never" nodeType="tmRoot"/>
-      </p:par>
-    </p:tnLst>
-  </p:timing>
-</p:sld>
-</file>
-
-<file path=ppt/slides/slide46.xml><?xml version="1.0" encoding="utf-8"?>
-<p:sld xmlns:a="http://schemas.openxmlformats.org/drawingml/2006/main" xmlns:r="http://schemas.openxmlformats.org/officeDocument/2006/relationships" xmlns:p="http://schemas.openxmlformats.org/presentationml/2006/main">
-  <p:cSld>
-    <p:spTree>
-      <p:nvGrpSpPr>
-        <p:cNvPr id="1" name=""/>
-        <p:cNvGrpSpPr/>
-        <p:nvPr/>
-      </p:nvGrpSpPr>
-      <p:grpSpPr>
-        <a:xfrm>
-          <a:off x="0" y="0"/>
-          <a:ext cx="0" cy="0"/>
-          <a:chOff x="0" y="0"/>
-          <a:chExt cx="0" cy="0"/>
-        </a:xfrm>
-      </p:grpSpPr>
-      <p:sp>
-        <p:nvSpPr>
-          <p:cNvPr id="2" name="Title 1"/>
-          <p:cNvSpPr>
-            <a:spLocks noGrp="1"/>
-          </p:cNvSpPr>
-          <p:nvPr>
-            <p:ph type="title"/>
-          </p:nvPr>
-        </p:nvSpPr>
-        <p:spPr/>
-        <p:txBody>
-          <a:bodyPr/>
-          <a:lstStyle/>
-          <a:p>
-            <a:r>
-              <a:rPr lang="en-GB" dirty="0" smtClean="0"/>
-              <a:t>IOS SDK 4.x Media Open With </a:t>
-            </a:r>
-            <a:r>
-              <a:rPr lang="en-GB" dirty="0" err="1" smtClean="0"/>
-              <a:t>Callback</a:t>
-            </a:r>
-            <a:endParaRPr lang="en-GB" dirty="0"/>
-          </a:p>
-        </p:txBody>
-      </p:sp>
-      <p:sp>
-        <p:nvSpPr>
-          <p:cNvPr id="3" name="Content Placeholder 2"/>
-          <p:cNvSpPr>
-            <a:spLocks noGrp="1"/>
-          </p:cNvSpPr>
-          <p:nvPr>
-            <p:ph idx="1"/>
-          </p:nvPr>
-        </p:nvSpPr>
-        <p:spPr/>
-        <p:txBody>
-          <a:bodyPr>
-            <a:normAutofit lnSpcReduction="10000"/>
-          </a:bodyPr>
-          <a:lstStyle/>
-          <a:p>
-            <a:r>
-              <a:rPr lang="en-GB" dirty="0" smtClean="0"/>
-              <a:t>Media Open with </a:t>
-            </a:r>
-            <a:r>
-              <a:rPr lang="en-GB" dirty="0" err="1" smtClean="0"/>
-              <a:t>callback</a:t>
-            </a:r>
-            <a:r>
-              <a:rPr lang="en-GB" dirty="0" smtClean="0"/>
-              <a:t> (correspond to </a:t>
-            </a:r>
-            <a:r>
-              <a:rPr lang="en-GB" dirty="0" err="1" smtClean="0"/>
-              <a:t>Media.monitor</a:t>
-            </a:r>
-            <a:r>
-              <a:rPr lang="en-GB" dirty="0" smtClean="0"/>
-              <a:t>):</a:t>
-            </a:r>
-          </a:p>
-          <a:p>
-            <a:pPr marL="457200" lvl="1" indent="0">
-              <a:buNone/>
-            </a:pPr>
-            <a:r>
-              <a:rPr lang="en-US" dirty="0"/>
-              <a:t>[</a:t>
-            </a:r>
-            <a:r>
-              <a:rPr lang="en-US" dirty="0" err="1"/>
-              <a:t>ADBMobile</a:t>
-            </a:r>
-            <a:r>
-              <a:rPr lang="en-US" dirty="0"/>
-              <a:t> </a:t>
-            </a:r>
-            <a:r>
-              <a:rPr lang="en-US" dirty="0" err="1"/>
-              <a:t>mediaOpenWithSettings:settings</a:t>
-            </a:r>
-            <a:r>
-              <a:rPr lang="en-US" dirty="0"/>
-              <a:t> callback:^(</a:t>
-            </a:r>
-            <a:r>
-              <a:rPr lang="en-US" b="1" dirty="0" err="1"/>
-              <a:t>ADBMediaState</a:t>
-            </a:r>
-            <a:r>
-              <a:rPr lang="en-US" b="1" dirty="0"/>
-              <a:t> *state</a:t>
-            </a:r>
-            <a:r>
-              <a:rPr lang="en-US" dirty="0"/>
-              <a:t>) {</a:t>
-            </a:r>
-            <a:br>
-              <a:rPr lang="en-US" dirty="0"/>
-            </a:br>
-            <a:r>
-              <a:rPr lang="en-US" dirty="0"/>
-              <a:t>        </a:t>
-            </a:r>
-            <a:r>
-              <a:rPr lang="en-US" dirty="0" err="1"/>
-              <a:t>NSLog</a:t>
-            </a:r>
-            <a:r>
-              <a:rPr lang="en-US" dirty="0"/>
-              <a:t>(@"</a:t>
-            </a:r>
-            <a:r>
-              <a:rPr lang="en-US" dirty="0" err="1"/>
-              <a:t>mediaEvent</a:t>
-            </a:r>
-            <a:r>
-              <a:rPr lang="en-US" dirty="0"/>
-              <a:t> = %@", </a:t>
-            </a:r>
-            <a:r>
-              <a:rPr lang="en-US" dirty="0" err="1"/>
-              <a:t>state.mediaEvent</a:t>
-            </a:r>
-            <a:r>
-              <a:rPr lang="en-US" dirty="0"/>
-              <a:t>);</a:t>
-            </a:r>
-            <a:br>
-              <a:rPr lang="en-US" dirty="0"/>
-            </a:br>
-            <a:r>
-              <a:rPr lang="en-US" dirty="0"/>
-              <a:t>        if ([</a:t>
-            </a:r>
-            <a:r>
-              <a:rPr lang="en-US" b="1" dirty="0" err="1"/>
-              <a:t>state.mediaEvent</a:t>
-            </a:r>
-            <a:r>
-              <a:rPr lang="en-US" b="1" dirty="0"/>
-              <a:t> </a:t>
-            </a:r>
-            <a:r>
-              <a:rPr lang="en-US" b="1" dirty="0" err="1"/>
-              <a:t>isEqualToString</a:t>
-            </a:r>
-            <a:r>
-              <a:rPr lang="en-US" b="1" dirty="0"/>
-              <a:t>:@"PLAY"</a:t>
-            </a:r>
-            <a:r>
-              <a:rPr lang="en-US" dirty="0"/>
-              <a:t>]) {</a:t>
-            </a:r>
-            <a:br>
-              <a:rPr lang="en-US" dirty="0"/>
-            </a:br>
-            <a:r>
-              <a:rPr lang="en-US" dirty="0"/>
-              <a:t>            [</a:t>
-            </a:r>
-            <a:r>
-              <a:rPr lang="en-US" dirty="0" err="1"/>
-              <a:t>ADBMobile</a:t>
-            </a:r>
-            <a:r>
-              <a:rPr lang="en-US" dirty="0"/>
-              <a:t> </a:t>
-            </a:r>
-            <a:r>
-              <a:rPr lang="en-US" dirty="0" err="1"/>
-              <a:t>mediaTrack:MEDIA_NAME</a:t>
-            </a:r>
-            <a:r>
-              <a:rPr lang="en-US" dirty="0"/>
-              <a:t> data:@{@"</a:t>
-            </a:r>
-            <a:r>
-              <a:rPr lang="en-US" dirty="0" err="1"/>
-              <a:t>myKey</a:t>
-            </a:r>
-            <a:r>
-              <a:rPr lang="en-US" dirty="0"/>
-              <a:t>":@"</a:t>
-            </a:r>
-            <a:r>
-              <a:rPr lang="en-US" dirty="0" err="1"/>
-              <a:t>myVal</a:t>
-            </a:r>
-            <a:r>
-              <a:rPr lang="en-US" dirty="0"/>
-              <a:t>"}];</a:t>
-            </a:r>
-            <a:br>
-              <a:rPr lang="en-US" dirty="0"/>
-            </a:br>
-            <a:r>
-              <a:rPr lang="en-US" dirty="0"/>
-              <a:t>        }</a:t>
-            </a:r>
-            <a:br>
-              <a:rPr lang="en-US" dirty="0"/>
-            </a:br>
-            <a:r>
-              <a:rPr lang="en-US" dirty="0"/>
-              <a:t>        else if (</a:t>
-            </a:r>
-            <a:r>
-              <a:rPr lang="en-US" b="1" dirty="0" err="1"/>
-              <a:t>state.milestone</a:t>
-            </a:r>
-            <a:r>
-              <a:rPr lang="en-US" b="1" dirty="0"/>
-              <a:t> == 50</a:t>
-            </a:r>
-            <a:r>
-              <a:rPr lang="en-US" dirty="0"/>
-              <a:t>) {</a:t>
-            </a:r>
-            <a:br>
-              <a:rPr lang="en-US" dirty="0"/>
-            </a:br>
-            <a:r>
-              <a:rPr lang="en-US" dirty="0"/>
-              <a:t>            [</a:t>
-            </a:r>
-            <a:r>
-              <a:rPr lang="en-US" dirty="0" err="1"/>
-              <a:t>ADBMobile</a:t>
-            </a:r>
-            <a:r>
-              <a:rPr lang="en-US" dirty="0"/>
-              <a:t> </a:t>
-            </a:r>
-            <a:r>
-              <a:rPr lang="en-US" dirty="0" err="1"/>
-              <a:t>mediaTrack:MEDIA_NAME</a:t>
-            </a:r>
-            <a:r>
-              <a:rPr lang="en-US" dirty="0"/>
-              <a:t> data:@{@"</a:t>
-            </a:r>
-            <a:r>
-              <a:rPr lang="en-US" dirty="0" err="1"/>
-              <a:t>MyMilestone</a:t>
-            </a:r>
-            <a:r>
-              <a:rPr lang="en-US" dirty="0"/>
-              <a:t>":@"50"}];</a:t>
-            </a:r>
-            <a:br>
-              <a:rPr lang="en-US" dirty="0"/>
-            </a:br>
-            <a:r>
-              <a:rPr lang="en-US" dirty="0"/>
-              <a:t>        }</a:t>
-            </a:r>
-            <a:br>
-              <a:rPr lang="en-US" dirty="0"/>
-            </a:br>
-            <a:r>
-              <a:rPr lang="en-US" dirty="0"/>
-              <a:t>    }];</a:t>
-            </a:r>
-            <a:endParaRPr lang="en-GB" dirty="0"/>
-          </a:p>
-          <a:p>
-            <a:pPr lvl="1"/>
-            <a:endParaRPr lang="en-GB" dirty="0"/>
-          </a:p>
-        </p:txBody>
-      </p:sp>
-    </p:spTree>
-    <p:extLst>
-      <p:ext uri="{BB962C8B-B14F-4D97-AF65-F5344CB8AC3E}">
-        <p14:creationId xmlns:p14="http://schemas.microsoft.com/office/powerpoint/2010/main" val="2474580378"/>
-      </p:ext>
-    </p:extLst>
-  </p:cSld>
-  <p:clrMapOvr>
-    <a:masterClrMapping/>
-  </p:clrMapOvr>
-  <p:timing>
-    <p:tnLst>
-      <p:par>
-        <p:cTn id="1" dur="indefinite" restart="never" nodeType="tmRoot"/>
-      </p:par>
-    </p:tnLst>
-  </p:timing>
-</p:sld>
-</file>
-
 <file path=ppt/slides/slide47.xml><?xml version="1.0" encoding="utf-8"?>
 <p:sld xmlns:a="http://schemas.openxmlformats.org/drawingml/2006/main" xmlns:r="http://schemas.openxmlformats.org/officeDocument/2006/relationships" xmlns:p="http://schemas.openxmlformats.org/presentationml/2006/main">
   <p:cSld>
@@ -21705,7 +21573,7 @@
           <a:p>
             <a:r>
               <a:rPr lang="en-GB" dirty="0" smtClean="0"/>
-              <a:t>ANDROID SDK 4.x Media Open</a:t>
+              <a:t>Examples</a:t>
             </a:r>
             <a:endParaRPr lang="en-GB" dirty="0"/>
           </a:p>
@@ -21724,241 +21592,201 @@
         <p:spPr/>
         <p:txBody>
           <a:bodyPr>
-            <a:noAutofit/>
+            <a:normAutofit fontScale="85000" lnSpcReduction="20000"/>
           </a:bodyPr>
           <a:lstStyle/>
           <a:p>
             <a:r>
-              <a:rPr lang="en-GB" sz="1100" dirty="0" smtClean="0"/>
-              <a:t>Without </a:t>
-            </a:r>
-            <a:r>
-              <a:rPr lang="en-GB" sz="1100" dirty="0" err="1" smtClean="0"/>
-              <a:t>callback</a:t>
-            </a:r>
-            <a:r>
-              <a:rPr lang="en-GB" sz="1100" dirty="0" smtClean="0"/>
-              <a:t>: </a:t>
-            </a:r>
-            <a:r>
-              <a:rPr lang="en-US" sz="1100" dirty="0" err="1"/>
+              <a:rPr lang="en-US" b="1" dirty="0"/>
+              <a:t>Load:</a:t>
+            </a:r>
+            <a:r>
+              <a:rPr lang="en-US" dirty="0"/>
+              <a:t> Call </a:t>
+            </a:r>
+            <a:r>
+              <a:rPr lang="en-US" dirty="0" err="1"/>
               <a:t>Media.open</a:t>
             </a:r>
             <a:r>
-              <a:rPr lang="en-US" sz="1100" dirty="0"/>
-              <a:t>(settings, null</a:t>
-            </a:r>
-            <a:r>
-              <a:rPr lang="en-US" sz="1100" dirty="0" smtClean="0"/>
-              <a:t>);</a:t>
-            </a:r>
-          </a:p>
-          <a:p>
-            <a:r>
-              <a:rPr lang="en-US" sz="1100" dirty="0" smtClean="0"/>
-              <a:t>With callback (correspond to </a:t>
-            </a:r>
-            <a:r>
-              <a:rPr lang="en-US" sz="1100" dirty="0" err="1" smtClean="0"/>
-              <a:t>Media.monitor</a:t>
-            </a:r>
-            <a:r>
-              <a:rPr lang="en-US" sz="1100" dirty="0" smtClean="0"/>
-              <a:t>):</a:t>
-            </a:r>
-          </a:p>
-          <a:p>
-            <a:pPr marL="0" indent="0">
-              <a:buNone/>
-            </a:pPr>
-            <a:r>
-              <a:rPr lang="en-US" sz="1100" dirty="0" smtClean="0"/>
-              <a:t>	</a:t>
-            </a:r>
-            <a:r>
-              <a:rPr lang="en-US" sz="1100" dirty="0" err="1" smtClean="0"/>
-              <a:t>Media.open</a:t>
-            </a:r>
-            <a:r>
-              <a:rPr lang="en-US" sz="1100" dirty="0" smtClean="0"/>
-              <a:t>(</a:t>
-            </a:r>
-            <a:r>
-              <a:rPr lang="en-US" sz="1100" dirty="0" err="1" smtClean="0"/>
-              <a:t>mySettings</a:t>
-            </a:r>
-            <a:r>
-              <a:rPr lang="en-US" sz="1100" dirty="0"/>
-              <a:t>, new </a:t>
-            </a:r>
-            <a:r>
-              <a:rPr lang="en-US" sz="1100" dirty="0" err="1"/>
-              <a:t>Media.MediaCallback</a:t>
-            </a:r>
-            <a:r>
-              <a:rPr lang="en-US" sz="1100" dirty="0"/>
-              <a:t>(</a:t>
-            </a:r>
-            <a:r>
-              <a:rPr lang="en-US" sz="1100" dirty="0" err="1"/>
-              <a:t>MediaState</a:t>
-            </a:r>
-            <a:r>
-              <a:rPr lang="en-US" sz="1100" dirty="0"/>
-              <a:t> state) {</a:t>
-            </a:r>
-            <a:endParaRPr lang="en-GB" sz="1100" dirty="0"/>
-          </a:p>
-          <a:p>
-            <a:pPr marL="457200" lvl="1" indent="0">
-              <a:buNone/>
-            </a:pPr>
-            <a:r>
-              <a:rPr lang="en-US" sz="1100" dirty="0" smtClean="0"/>
-              <a:t>@Override</a:t>
-            </a:r>
-            <a:endParaRPr lang="en-GB" sz="1100" dirty="0"/>
-          </a:p>
-          <a:p>
-            <a:pPr marL="0" indent="0">
-              <a:buNone/>
-            </a:pPr>
-            <a:r>
-              <a:rPr lang="en-US" sz="1100" dirty="0" smtClean="0"/>
-              <a:t>		public </a:t>
-            </a:r>
-            <a:r>
-              <a:rPr lang="en-US" sz="1100" dirty="0"/>
-              <a:t>void call(state) {</a:t>
-            </a:r>
-            <a:endParaRPr lang="en-GB" sz="1100" dirty="0"/>
-          </a:p>
-          <a:p>
-            <a:pPr marL="0" indent="0">
-              <a:buNone/>
-            </a:pPr>
-            <a:r>
-              <a:rPr lang="en-US" sz="1100" dirty="0"/>
-              <a:t>       </a:t>
-            </a:r>
-            <a:r>
-              <a:rPr lang="en-US" sz="1100" dirty="0" smtClean="0"/>
-              <a:t>			if(</a:t>
-            </a:r>
-            <a:r>
-              <a:rPr lang="en-US" sz="1100" dirty="0" err="1" smtClean="0"/>
-              <a:t>state.mediaEvent</a:t>
-            </a:r>
-            <a:r>
-              <a:rPr lang="en-US" sz="1100" dirty="0" smtClean="0"/>
-              <a:t> </a:t>
-            </a:r>
-            <a:r>
-              <a:rPr lang="en-US" sz="1100" dirty="0"/>
-              <a:t>== OPEN){</a:t>
-            </a:r>
-            <a:endParaRPr lang="en-GB" sz="1100" dirty="0"/>
-          </a:p>
-          <a:p>
-            <a:pPr marL="0" indent="0">
-              <a:buNone/>
-            </a:pPr>
-            <a:r>
-              <a:rPr lang="en-US" sz="1100" dirty="0"/>
-              <a:t>            </a:t>
-            </a:r>
-            <a:r>
-              <a:rPr lang="en-US" sz="1100" dirty="0" smtClean="0"/>
-              <a:t>				//</a:t>
-            </a:r>
-            <a:r>
-              <a:rPr lang="en-US" sz="1100" dirty="0"/>
-              <a:t>DO SOMETHING!</a:t>
-            </a:r>
-            <a:endParaRPr lang="en-GB" sz="1100" dirty="0"/>
-          </a:p>
-          <a:p>
-            <a:pPr marL="0" indent="0">
-              <a:buNone/>
-            </a:pPr>
-            <a:r>
-              <a:rPr lang="en-US" sz="1100" dirty="0" smtClean="0"/>
-              <a:t>			}</a:t>
-            </a:r>
-            <a:endParaRPr lang="en-GB" sz="1100" dirty="0"/>
-          </a:p>
-          <a:p>
-            <a:pPr marL="0" indent="0">
-              <a:buNone/>
-            </a:pPr>
-            <a:r>
-              <a:rPr lang="en-US" sz="1100" dirty="0" smtClean="0"/>
-              <a:t>			If(</a:t>
-            </a:r>
-            <a:r>
-              <a:rPr lang="en-US" sz="1100" dirty="0" err="1" smtClean="0"/>
-              <a:t>state.Milestone</a:t>
-            </a:r>
-            <a:r>
-              <a:rPr lang="en-US" sz="1100" dirty="0" smtClean="0"/>
-              <a:t> </a:t>
-            </a:r>
-            <a:r>
-              <a:rPr lang="en-US" sz="1100" dirty="0"/>
-              <a:t>== 50){</a:t>
-            </a:r>
-            <a:endParaRPr lang="en-GB" sz="1100" dirty="0"/>
-          </a:p>
-          <a:p>
-            <a:pPr marL="0" indent="0">
-              <a:buNone/>
-            </a:pPr>
-            <a:r>
-              <a:rPr lang="en-US" sz="1100" dirty="0" smtClean="0"/>
-              <a:t>				//</a:t>
-            </a:r>
-            <a:r>
-              <a:rPr lang="en-US" sz="1100" dirty="0"/>
-              <a:t>DO SOMETHING</a:t>
-            </a:r>
-            <a:endParaRPr lang="en-GB" sz="1100" dirty="0"/>
-          </a:p>
-          <a:p>
-            <a:pPr marL="0" indent="0">
-              <a:buNone/>
-            </a:pPr>
-            <a:r>
-              <a:rPr lang="en-US" sz="1100" dirty="0" smtClean="0"/>
-              <a:t>			}</a:t>
-            </a:r>
-            <a:endParaRPr lang="en-GB" sz="1100" dirty="0"/>
-          </a:p>
-          <a:p>
-            <a:pPr marL="0" indent="0">
-              <a:buNone/>
-            </a:pPr>
-            <a:r>
-              <a:rPr lang="en-US" sz="1100" dirty="0" smtClean="0"/>
-              <a:t>		}</a:t>
-            </a:r>
-            <a:endParaRPr lang="en-GB" sz="1100" dirty="0"/>
-          </a:p>
-          <a:p>
-            <a:pPr marL="0" indent="0">
-              <a:buNone/>
-            </a:pPr>
-            <a:r>
-              <a:rPr lang="en-US" sz="1100" dirty="0" smtClean="0"/>
-              <a:t>	});</a:t>
-            </a:r>
-            <a:endParaRPr lang="en-GB" sz="1100" dirty="0"/>
+              <a:rPr lang="en-US" dirty="0"/>
+              <a:t> and </a:t>
+            </a:r>
+            <a:r>
+              <a:rPr lang="en-US" dirty="0" err="1" smtClean="0"/>
+              <a:t>Media.play</a:t>
+            </a:r>
+            <a:endParaRPr lang="en-US" dirty="0"/>
+          </a:p>
+          <a:p>
+            <a:r>
+              <a:rPr lang="en-US" b="1" dirty="0"/>
+              <a:t>Pause:</a:t>
+            </a:r>
+            <a:r>
+              <a:rPr lang="en-US" dirty="0"/>
+              <a:t> Call </a:t>
+            </a:r>
+            <a:r>
+              <a:rPr lang="en-US" dirty="0" err="1"/>
+              <a:t>Media.stop</a:t>
+            </a:r>
+            <a:r>
+              <a:rPr lang="en-US" dirty="0"/>
+              <a:t>. For example, if a user pauses a video after 15 seconds, call </a:t>
+            </a:r>
+            <a:r>
+              <a:rPr lang="en-US" dirty="0" err="1"/>
+              <a:t>s.Media.stop</a:t>
+            </a:r>
+            <a:r>
+              <a:rPr lang="en-US" dirty="0"/>
+              <a:t>("Video1",15</a:t>
+            </a:r>
+            <a:r>
+              <a:rPr lang="en-US" dirty="0" smtClean="0"/>
+              <a:t>)</a:t>
+            </a:r>
+            <a:endParaRPr lang="en-US" dirty="0"/>
+          </a:p>
+          <a:p>
+            <a:r>
+              <a:rPr lang="en-US" b="1" dirty="0"/>
+              <a:t>Buffer:</a:t>
+            </a:r>
+            <a:r>
+              <a:rPr lang="en-US" dirty="0"/>
+              <a:t> Call </a:t>
+            </a:r>
+            <a:r>
+              <a:rPr lang="en-US" dirty="0" err="1"/>
+              <a:t>Media.stop</a:t>
+            </a:r>
+            <a:r>
+              <a:rPr lang="en-US" dirty="0"/>
+              <a:t> while the video buffers. Call </a:t>
+            </a:r>
+            <a:r>
+              <a:rPr lang="en-US" dirty="0" err="1"/>
+              <a:t>Media.play</a:t>
+            </a:r>
+            <a:r>
+              <a:rPr lang="en-US" dirty="0"/>
+              <a:t> when playback resumes</a:t>
+            </a:r>
+            <a:r>
+              <a:rPr lang="en-US" dirty="0" smtClean="0"/>
+              <a:t>.</a:t>
+            </a:r>
+            <a:endParaRPr lang="en-US" dirty="0"/>
+          </a:p>
+          <a:p>
+            <a:r>
+              <a:rPr lang="en-US" b="1" dirty="0"/>
+              <a:t>Resume:</a:t>
+            </a:r>
+            <a:r>
+              <a:rPr lang="en-US" dirty="0"/>
+              <a:t> Call </a:t>
+            </a:r>
+            <a:r>
+              <a:rPr lang="en-US" dirty="0" err="1"/>
+              <a:t>Media.play</a:t>
+            </a:r>
+            <a:r>
+              <a:rPr lang="en-US" dirty="0"/>
+              <a:t>. For example, when a user resumes a video after initially playing 15 seconds of the video, call </a:t>
+            </a:r>
+            <a:r>
+              <a:rPr lang="en-US" dirty="0" err="1"/>
+              <a:t>s.Media.play</a:t>
+            </a:r>
+            <a:r>
+              <a:rPr lang="en-US" dirty="0"/>
+              <a:t>("Video1",15</a:t>
+            </a:r>
+            <a:r>
+              <a:rPr lang="en-US" dirty="0" smtClean="0"/>
+              <a:t>).</a:t>
+            </a:r>
+            <a:endParaRPr lang="en-US" dirty="0"/>
+          </a:p>
+          <a:p>
+            <a:r>
+              <a:rPr lang="en-US" b="1" dirty="0"/>
+              <a:t>Scrub (slider): </a:t>
+            </a:r>
+            <a:r>
+              <a:rPr lang="en-US" dirty="0"/>
+              <a:t>When the user drags the video slider, call </a:t>
+            </a:r>
+            <a:r>
+              <a:rPr lang="en-US" dirty="0" err="1"/>
+              <a:t>Media.stop</a:t>
+            </a:r>
+            <a:r>
+              <a:rPr lang="en-US" dirty="0"/>
+              <a:t>. When the user releases the video slider, call </a:t>
+            </a:r>
+            <a:r>
+              <a:rPr lang="en-US" dirty="0" err="1"/>
+              <a:t>Media.play</a:t>
+            </a:r>
+            <a:r>
+              <a:rPr lang="en-US" dirty="0" smtClean="0"/>
+              <a:t>.</a:t>
+            </a:r>
+            <a:endParaRPr lang="en-US" dirty="0"/>
+          </a:p>
+          <a:p>
+            <a:r>
+              <a:rPr lang="en-US" b="1" dirty="0"/>
+              <a:t>End:</a:t>
+            </a:r>
+            <a:r>
+              <a:rPr lang="en-US" dirty="0"/>
+              <a:t> Call </a:t>
+            </a:r>
+            <a:r>
+              <a:rPr lang="en-US" dirty="0" err="1"/>
+              <a:t>Media.stop</a:t>
+            </a:r>
+            <a:r>
+              <a:rPr lang="en-US" dirty="0"/>
+              <a:t>, then </a:t>
+            </a:r>
+            <a:r>
+              <a:rPr lang="en-US" dirty="0" err="1"/>
+              <a:t>Media.close</a:t>
+            </a:r>
+            <a:r>
+              <a:rPr lang="en-US" dirty="0"/>
+              <a:t>. For example, at the end of a 100-second video, call </a:t>
+            </a:r>
+            <a:r>
+              <a:rPr lang="en-US" dirty="0" err="1"/>
+              <a:t>s.Media.stop</a:t>
+            </a:r>
+            <a:r>
+              <a:rPr lang="en-US" dirty="0"/>
+              <a:t>("Video1",100), then </a:t>
+            </a:r>
+            <a:r>
+              <a:rPr lang="en-US" dirty="0" err="1"/>
+              <a:t>s.Media.close</a:t>
+            </a:r>
+            <a:r>
+              <a:rPr lang="en-US" dirty="0"/>
+              <a:t>("Video1"). </a:t>
+            </a:r>
+            <a:endParaRPr lang="en-GB" dirty="0"/>
           </a:p>
         </p:txBody>
       </p:sp>
     </p:spTree>
     <p:extLst>
       <p:ext uri="{BB962C8B-B14F-4D97-AF65-F5344CB8AC3E}">
-        <p14:creationId xmlns:p14="http://schemas.microsoft.com/office/powerpoint/2010/main" val="1905991579"/>
+        <p14:creationId xmlns:p14="http://schemas.microsoft.com/office/powerpoint/2010/main" val="3960605209"/>
       </p:ext>
     </p:extLst>
   </p:cSld>
@@ -22009,7 +21837,7 @@
           <a:p>
             <a:r>
               <a:rPr lang="en-GB" dirty="0" smtClean="0"/>
-              <a:t>JavaScript</a:t>
+              <a:t>1.Open the Media Tracking	</a:t>
             </a:r>
             <a:endParaRPr lang="en-GB" dirty="0"/>
           </a:p>
@@ -22017,93 +21845,33 @@
       </p:sp>
       <p:sp>
         <p:nvSpPr>
-          <p:cNvPr id="3" name="Content Placeholder 2"/>
-          <p:cNvSpPr>
-            <a:spLocks noGrp="1"/>
-          </p:cNvSpPr>
-          <p:nvPr>
-            <p:ph idx="1"/>
-          </p:nvPr>
-        </p:nvSpPr>
-        <p:spPr/>
-        <p:txBody>
-          <a:bodyPr>
-            <a:normAutofit lnSpcReduction="10000"/>
-          </a:bodyPr>
+          <p:cNvPr id="3" name="Text Placeholder 2"/>
+          <p:cNvSpPr>
+            <a:spLocks noGrp="1"/>
+          </p:cNvSpPr>
+          <p:nvPr>
+            <p:ph type="body" idx="1"/>
+          </p:nvPr>
+        </p:nvSpPr>
+        <p:spPr/>
+        <p:txBody>
+          <a:bodyPr/>
           <a:lstStyle/>
           <a:p>
             <a:r>
               <a:rPr lang="en-GB" dirty="0" smtClean="0"/>
-              <a:t>Example of code :</a:t>
-            </a:r>
-          </a:p>
-          <a:p>
-            <a:pPr lvl="1"/>
-            <a:r>
-              <a:rPr lang="en-GB" dirty="0" err="1"/>
-              <a:t>s.Media.open</a:t>
-            </a:r>
-            <a:r>
-              <a:rPr lang="en-GB" dirty="0"/>
-              <a:t>(</a:t>
-            </a:r>
-            <a:r>
-              <a:rPr lang="en-GB" dirty="0" err="1"/>
-              <a:t>mediaName,mediaLength,mediaPlayerName</a:t>
-            </a:r>
-            <a:r>
-              <a:rPr lang="en-GB" dirty="0"/>
-              <a:t>); </a:t>
-            </a:r>
-          </a:p>
-          <a:p>
-            <a:r>
-              <a:rPr lang="en-GB" dirty="0" smtClean="0"/>
-              <a:t>Parameters:</a:t>
-            </a:r>
-          </a:p>
-          <a:p>
-            <a:pPr lvl="1"/>
-            <a:r>
-              <a:rPr lang="en-US" b="1" dirty="0" err="1"/>
-              <a:t>mediaName</a:t>
-            </a:r>
-            <a:r>
-              <a:rPr lang="en-US" dirty="0"/>
-              <a:t>: (required) The name of the video as you want it to appear in video reports. </a:t>
-            </a:r>
-          </a:p>
-          <a:p>
-            <a:pPr lvl="1"/>
-            <a:r>
-              <a:rPr lang="en-US" b="1" dirty="0" err="1"/>
-              <a:t>mediaLength</a:t>
-            </a:r>
-            <a:r>
-              <a:rPr lang="en-US" dirty="0"/>
-              <a:t>: (required) The length of the video in seconds. </a:t>
-            </a:r>
-          </a:p>
-          <a:p>
-            <a:pPr lvl="1"/>
-            <a:r>
-              <a:rPr lang="en-US" b="1" dirty="0" err="1"/>
-              <a:t>mediaPlayerName</a:t>
-            </a:r>
-            <a:r>
-              <a:rPr lang="en-US" dirty="0"/>
-              <a:t>: (required) The name of the media player used to view the video, as you want it to appear in video reports. </a:t>
-            </a:r>
-          </a:p>
-          <a:p>
-            <a:endParaRPr lang="en-US" dirty="0"/>
+              <a:t>This should be followed by Media Play</a:t>
+            </a:r>
+          </a:p>
+          <a:p>
+            <a:endParaRPr lang="en-GB" dirty="0"/>
           </a:p>
         </p:txBody>
       </p:sp>
     </p:spTree>
     <p:extLst>
       <p:ext uri="{BB962C8B-B14F-4D97-AF65-F5344CB8AC3E}">
-        <p14:creationId xmlns:p14="http://schemas.microsoft.com/office/powerpoint/2010/main" val="3460824925"/>
+        <p14:creationId xmlns:p14="http://schemas.microsoft.com/office/powerpoint/2010/main" val="1019969330"/>
       </p:ext>
     </p:extLst>
   </p:cSld>
@@ -22154,7 +21922,7 @@
           <a:p>
             <a:r>
               <a:rPr lang="en-GB" dirty="0" smtClean="0"/>
-              <a:t>2.Media Play</a:t>
+              <a:t>IOS SDK 4.x Media Open</a:t>
             </a:r>
             <a:endParaRPr lang="en-GB" dirty="0"/>
           </a:p>
@@ -22162,12 +21930,12 @@
       </p:sp>
       <p:sp>
         <p:nvSpPr>
-          <p:cNvPr id="3" name="Text Placeholder 2"/>
-          <p:cNvSpPr>
-            <a:spLocks noGrp="1"/>
-          </p:cNvSpPr>
-          <p:nvPr>
-            <p:ph type="body" idx="1"/>
+          <p:cNvPr id="3" name="Content Placeholder 2"/>
+          <p:cNvSpPr>
+            <a:spLocks noGrp="1"/>
+          </p:cNvSpPr>
+          <p:nvPr>
+            <p:ph idx="1"/>
           </p:nvPr>
         </p:nvSpPr>
         <p:spPr/>
@@ -22177,8 +21945,58 @@
           <a:p>
             <a:r>
               <a:rPr lang="en-GB" dirty="0" smtClean="0"/>
-              <a:t>Should be called as much as needed when the video is playing.</a:t>
-            </a:r>
+              <a:t>If all of the settings are set correctly then you can open the tracking for he Video.</a:t>
+            </a:r>
+          </a:p>
+          <a:p>
+            <a:r>
+              <a:rPr lang="en-GB" dirty="0" smtClean="0"/>
+              <a:t>Media open without </a:t>
+            </a:r>
+            <a:r>
+              <a:rPr lang="en-GB" dirty="0" err="1" smtClean="0"/>
+              <a:t>callback</a:t>
+            </a:r>
+            <a:r>
+              <a:rPr lang="en-GB" dirty="0" smtClean="0"/>
+              <a:t>:</a:t>
+            </a:r>
+          </a:p>
+          <a:p>
+            <a:pPr lvl="1"/>
+            <a:r>
+              <a:rPr lang="en-US" dirty="0"/>
+              <a:t>[</a:t>
+            </a:r>
+            <a:r>
+              <a:rPr lang="en-US" dirty="0" err="1"/>
+              <a:t>ADBMobile</a:t>
+            </a:r>
+            <a:r>
+              <a:rPr lang="en-US" dirty="0"/>
+              <a:t> </a:t>
+            </a:r>
+            <a:r>
+              <a:rPr lang="en-US" dirty="0" err="1"/>
+              <a:t>mediaOpenWithSettings:mediaSettings</a:t>
+            </a:r>
+            <a:r>
+              <a:rPr lang="en-US" dirty="0"/>
+              <a:t> </a:t>
+            </a:r>
+            <a:r>
+              <a:rPr lang="en-US" dirty="0" err="1"/>
+              <a:t>callback:nil</a:t>
+            </a:r>
+            <a:r>
+              <a:rPr lang="en-US" dirty="0" smtClean="0"/>
+              <a:t>];</a:t>
+            </a:r>
+          </a:p>
+          <a:p>
+            <a:pPr marL="0" indent="0">
+              <a:buNone/>
+            </a:pPr>
             <a:endParaRPr lang="en-GB" dirty="0"/>
           </a:p>
         </p:txBody>
@@ -22186,7 +22004,7 @@
     </p:spTree>
     <p:extLst>
       <p:ext uri="{BB962C8B-B14F-4D97-AF65-F5344CB8AC3E}">
-        <p14:creationId xmlns:p14="http://schemas.microsoft.com/office/powerpoint/2010/main" val="930271028"/>
+        <p14:creationId xmlns:p14="http://schemas.microsoft.com/office/powerpoint/2010/main" val="2758845408"/>
       </p:ext>
     </p:extLst>
   </p:cSld>
@@ -22365,7 +22183,11 @@
           <a:p>
             <a:r>
               <a:rPr lang="en-GB" dirty="0" smtClean="0"/>
-              <a:t>Media Play when the video is opened.</a:t>
+              <a:t>IOS SDK 4.x Media Open With </a:t>
+            </a:r>
+            <a:r>
+              <a:rPr lang="en-GB" dirty="0" err="1" smtClean="0"/>
+              <a:t>Callback</a:t>
             </a:r>
             <a:endParaRPr lang="en-GB" dirty="0"/>
           </a:p>
@@ -22390,17 +22212,29 @@
           <a:p>
             <a:r>
               <a:rPr lang="en-GB" dirty="0" smtClean="0"/>
-              <a:t>When the video is started the offset needs to be set to zero</a:t>
-            </a:r>
-          </a:p>
-          <a:p>
+              <a:t>Media Open with </a:t>
+            </a:r>
+            <a:r>
+              <a:rPr lang="en-GB" dirty="0" err="1" smtClean="0"/>
+              <a:t>callback</a:t>
+            </a:r>
             <a:r>
               <a:rPr lang="en-GB" dirty="0" smtClean="0"/>
-              <a:t>IOS SDK 4.x : </a:t>
-            </a:r>
-          </a:p>
-          <a:p>
-            <a:pPr lvl="1"/>
+              <a:t> (correspond to </a:t>
+            </a:r>
+            <a:r>
+              <a:rPr lang="en-GB" dirty="0" err="1" smtClean="0"/>
+              <a:t>Media.monitor</a:t>
+            </a:r>
+            <a:r>
+              <a:rPr lang="en-GB" dirty="0" smtClean="0"/>
+              <a:t>):</a:t>
+            </a:r>
+          </a:p>
+          <a:p>
+            <a:pPr marL="457200" lvl="1" indent="0">
+              <a:buNone/>
+            </a:pPr>
             <a:r>
               <a:rPr lang="en-US" dirty="0"/>
               <a:t>[</a:t>
@@ -22415,65 +22249,204 @@
             </a:r>
             <a:r>
               <a:rPr lang="en-US" dirty="0" err="1"/>
-              <a:t>mediaPlay:MEDIA_NAME</a:t>
+              <a:t>mediaOpenWithSettings:settings</a:t>
             </a:r>
             <a:r>
               <a:rPr lang="en-US" dirty="0"/>
-              <a:t> offset:0</a:t>
-            </a:r>
-            <a:r>
-              <a:rPr lang="en-US" dirty="0" smtClean="0"/>
-              <a:t>];</a:t>
-            </a:r>
-          </a:p>
-          <a:p>
-            <a:r>
-              <a:rPr lang="en-GB" dirty="0" smtClean="0"/>
-              <a:t>ANDROID SDK 4.x : </a:t>
-            </a:r>
+              <a:t> callback:^(</a:t>
+            </a:r>
+            <a:r>
+              <a:rPr lang="en-US" b="1" dirty="0" err="1"/>
+              <a:t>ADBMediaState</a:t>
+            </a:r>
+            <a:r>
+              <a:rPr lang="en-US" b="1" dirty="0"/>
+              <a:t> *state</a:t>
+            </a:r>
+            <a:r>
+              <a:rPr lang="en-US" dirty="0"/>
+              <a:t>) {</a:t>
+            </a:r>
+            <a:br>
+              <a:rPr lang="en-US" dirty="0"/>
+            </a:br>
+            <a:r>
+              <a:rPr lang="en-US" dirty="0"/>
+              <a:t>        </a:t>
+            </a:r>
+            <a:r>
+              <a:rPr lang="en-US" dirty="0" err="1"/>
+              <a:t>NSLog</a:t>
+            </a:r>
+            <a:r>
+              <a:rPr lang="en-US" dirty="0"/>
+              <a:t>(@"</a:t>
+            </a:r>
+            <a:r>
+              <a:rPr lang="en-US" dirty="0" err="1"/>
+              <a:t>mediaEvent</a:t>
+            </a:r>
+            <a:r>
+              <a:rPr lang="en-US" dirty="0"/>
+              <a:t> = %@", </a:t>
+            </a:r>
+            <a:r>
+              <a:rPr lang="en-US" dirty="0" err="1"/>
+              <a:t>state.mediaEvent</a:t>
+            </a:r>
+            <a:r>
+              <a:rPr lang="en-US" dirty="0"/>
+              <a:t>);</a:t>
+            </a:r>
+            <a:br>
+              <a:rPr lang="en-US" dirty="0"/>
+            </a:br>
+            <a:r>
+              <a:rPr lang="en-US" dirty="0"/>
+              <a:t>        if ([</a:t>
+            </a:r>
+            <a:r>
+              <a:rPr lang="en-US" b="1" dirty="0" err="1"/>
+              <a:t>state.mediaEvent</a:t>
+            </a:r>
+            <a:r>
+              <a:rPr lang="en-US" b="1" dirty="0"/>
+              <a:t> </a:t>
+            </a:r>
+            <a:r>
+              <a:rPr lang="en-US" b="1" dirty="0" err="1"/>
+              <a:t>isEqualToString</a:t>
+            </a:r>
+            <a:r>
+              <a:rPr lang="en-US" b="1" dirty="0"/>
+              <a:t>:@"PLAY"</a:t>
+            </a:r>
+            <a:r>
+              <a:rPr lang="en-US" dirty="0"/>
+              <a:t>]) {</a:t>
+            </a:r>
+            <a:br>
+              <a:rPr lang="en-US" dirty="0"/>
+            </a:br>
+            <a:r>
+              <a:rPr lang="en-US" dirty="0"/>
+              <a:t>            [</a:t>
+            </a:r>
+            <a:r>
+              <a:rPr lang="en-US" dirty="0" err="1"/>
+              <a:t>ADBMobile</a:t>
+            </a:r>
+            <a:r>
+              <a:rPr lang="en-US" dirty="0"/>
+              <a:t> </a:t>
+            </a:r>
+            <a:r>
+              <a:rPr lang="en-US" dirty="0" err="1"/>
+              <a:t>mediaTrack:MEDIA_NAME</a:t>
+            </a:r>
+            <a:r>
+              <a:rPr lang="en-US" dirty="0"/>
+              <a:t> data:@{@"</a:t>
+            </a:r>
+            <a:r>
+              <a:rPr lang="en-US" dirty="0" err="1"/>
+              <a:t>myKey</a:t>
+            </a:r>
+            <a:r>
+              <a:rPr lang="en-US" dirty="0"/>
+              <a:t>":@"</a:t>
+            </a:r>
+            <a:r>
+              <a:rPr lang="en-US" dirty="0" err="1"/>
+              <a:t>myVal</a:t>
+            </a:r>
+            <a:r>
+              <a:rPr lang="en-US" dirty="0"/>
+              <a:t>"}];</a:t>
+            </a:r>
+            <a:br>
+              <a:rPr lang="en-US" dirty="0"/>
+            </a:br>
+            <a:r>
+              <a:rPr lang="en-US" dirty="0"/>
+              <a:t>        }</a:t>
+            </a:r>
+            <a:br>
+              <a:rPr lang="en-US" dirty="0"/>
+            </a:br>
+            <a:r>
+              <a:rPr lang="en-US" dirty="0"/>
+              <a:t>        else if (</a:t>
+            </a:r>
+            <a:r>
+              <a:rPr lang="en-US" b="1" dirty="0" err="1"/>
+              <a:t>state.milestone</a:t>
+            </a:r>
+            <a:r>
+              <a:rPr lang="en-US" b="1" dirty="0"/>
+              <a:t> == 50</a:t>
+            </a:r>
+            <a:r>
+              <a:rPr lang="en-US" dirty="0"/>
+              <a:t>) {</a:t>
+            </a:r>
+            <a:br>
+              <a:rPr lang="en-US" dirty="0"/>
+            </a:br>
+            <a:r>
+              <a:rPr lang="en-US" dirty="0"/>
+              <a:t>            [</a:t>
+            </a:r>
+            <a:r>
+              <a:rPr lang="en-US" dirty="0" err="1"/>
+              <a:t>ADBMobile</a:t>
+            </a:r>
+            <a:r>
+              <a:rPr lang="en-US" dirty="0"/>
+              <a:t> </a:t>
+            </a:r>
+            <a:r>
+              <a:rPr lang="en-US" dirty="0" err="1"/>
+              <a:t>mediaTrack:MEDIA_NAME</a:t>
+            </a:r>
+            <a:r>
+              <a:rPr lang="en-US" dirty="0"/>
+              <a:t> data:@{@"</a:t>
+            </a:r>
+            <a:r>
+              <a:rPr lang="en-US" dirty="0" err="1"/>
+              <a:t>MyMilestone</a:t>
+            </a:r>
+            <a:r>
+              <a:rPr lang="en-US" dirty="0"/>
+              <a:t>":@"50"}];</a:t>
+            </a:r>
+            <a:br>
+              <a:rPr lang="en-US" dirty="0"/>
+            </a:br>
+            <a:r>
+              <a:rPr lang="en-US" dirty="0"/>
+              <a:t>        }</a:t>
+            </a:r>
+            <a:br>
+              <a:rPr lang="en-US" dirty="0"/>
+            </a:br>
+            <a:r>
+              <a:rPr lang="en-US" dirty="0"/>
+              <a:t>    }];</a:t>
+            </a:r>
+            <a:endParaRPr lang="en-GB" dirty="0"/>
           </a:p>
           <a:p>
             <a:pPr lvl="1"/>
-            <a:r>
-              <a:rPr lang="en-US" dirty="0" err="1"/>
-              <a:t>Media.play</a:t>
-            </a:r>
-            <a:r>
-              <a:rPr lang="en-US" dirty="0"/>
-              <a:t>(MEDIA_NAME, 0</a:t>
-            </a:r>
-            <a:r>
-              <a:rPr lang="en-US" dirty="0" smtClean="0"/>
-              <a:t>);</a:t>
-            </a:r>
-          </a:p>
-          <a:p>
-            <a:r>
-              <a:rPr lang="en-GB" dirty="0" err="1" smtClean="0"/>
-              <a:t>Javascript</a:t>
-            </a:r>
-            <a:r>
-              <a:rPr lang="en-GB" dirty="0" smtClean="0"/>
-              <a:t> :</a:t>
-            </a:r>
-          </a:p>
-          <a:p>
-            <a:pPr lvl="1"/>
-            <a:r>
-              <a:rPr lang="en-GB" dirty="0" err="1" smtClean="0"/>
-              <a:t>s.Media.play</a:t>
-            </a:r>
-            <a:r>
-              <a:rPr lang="en-GB" dirty="0" smtClean="0"/>
-              <a:t>(name,0);</a:t>
-            </a:r>
+            <a:endParaRPr lang="en-GB" dirty="0"/>
           </a:p>
         </p:txBody>
       </p:sp>
     </p:spTree>
     <p:extLst>
       <p:ext uri="{BB962C8B-B14F-4D97-AF65-F5344CB8AC3E}">
-        <p14:creationId xmlns:p14="http://schemas.microsoft.com/office/powerpoint/2010/main" val="3343694829"/>
+        <p14:creationId xmlns:p14="http://schemas.microsoft.com/office/powerpoint/2010/main" val="2474580378"/>
       </p:ext>
     </p:extLst>
   </p:cSld>
@@ -22524,7 +22497,7 @@
           <a:p>
             <a:r>
               <a:rPr lang="en-GB" dirty="0" smtClean="0"/>
-              <a:t>Media Play any other time</a:t>
+              <a:t>ANDROID SDK 4.x Media Open</a:t>
             </a:r>
             <a:endParaRPr lang="en-GB" dirty="0"/>
           </a:p>
@@ -22543,114 +22516,241 @@
         <p:spPr/>
         <p:txBody>
           <a:bodyPr>
-            <a:normAutofit lnSpcReduction="10000"/>
+            <a:noAutofit/>
           </a:bodyPr>
           <a:lstStyle/>
           <a:p>
             <a:r>
-              <a:rPr lang="en-GB" dirty="0" smtClean="0"/>
-              <a:t>The correct offset needs to be specified</a:t>
-            </a:r>
-          </a:p>
-          <a:p>
-            <a:r>
-              <a:rPr lang="en-GB" dirty="0" smtClean="0"/>
-              <a:t>IOS SDK 4.x :</a:t>
-            </a:r>
-          </a:p>
-          <a:p>
-            <a:pPr lvl="1"/>
-            <a:r>
-              <a:rPr lang="en-US" dirty="0"/>
-              <a:t>[</a:t>
-            </a:r>
-            <a:r>
-              <a:rPr lang="en-US" dirty="0" err="1"/>
-              <a:t>ADBMobile</a:t>
-            </a:r>
-            <a:r>
-              <a:rPr lang="en-US" dirty="0"/>
+              <a:rPr lang="en-GB" sz="1100" dirty="0" smtClean="0"/>
+              <a:t>Without </a:t>
+            </a:r>
+            <a:r>
+              <a:rPr lang="en-GB" sz="1100" dirty="0" err="1" smtClean="0"/>
+              <a:t>callback</a:t>
+            </a:r>
+            <a:r>
+              <a:rPr lang="en-GB" sz="1100" dirty="0" smtClean="0"/>
+              <a:t>: </a:t>
+            </a:r>
+            <a:r>
+              <a:rPr lang="en-US" sz="1100" dirty="0" err="1"/>
+              <a:t>Media.open</a:t>
+            </a:r>
+            <a:r>
+              <a:rPr lang="en-US" sz="1100" dirty="0"/>
+              <a:t>(settings, null</a:t>
+            </a:r>
+            <a:r>
+              <a:rPr lang="en-US" sz="1100" dirty="0" smtClean="0"/>
+              <a:t>);</a:t>
+            </a:r>
+          </a:p>
+          <a:p>
+            <a:r>
+              <a:rPr lang="en-US" sz="1100" dirty="0" smtClean="0"/>
+              <a:t>With callback (correspond to </a:t>
+            </a:r>
+            <a:r>
+              <a:rPr lang="en-US" sz="1100" dirty="0" err="1" smtClean="0"/>
+              <a:t>Media.monitor</a:t>
+            </a:r>
+            <a:r>
+              <a:rPr lang="en-US" sz="1100" dirty="0" smtClean="0"/>
+              <a:t>):</a:t>
+            </a:r>
+          </a:p>
+          <a:p>
+            <a:pPr marL="0" indent="0">
+              <a:buNone/>
+            </a:pPr>
+            <a:r>
+              <a:rPr lang="en-US" sz="1100" dirty="0" smtClean="0"/>
+              <a:t>	</a:t>
+            </a:r>
+            <a:r>
+              <a:rPr lang="en-US" sz="1100" dirty="0" err="1" smtClean="0"/>
+              <a:t>Media.open</a:t>
+            </a:r>
+            <a:r>
+              <a:rPr lang="en-US" sz="1100" dirty="0" smtClean="0"/>
+              <a:t>(</a:t>
+            </a:r>
+            <a:r>
+              <a:rPr lang="en-US" sz="1100" dirty="0" err="1" smtClean="0"/>
+              <a:t>mySettings</a:t>
+            </a:r>
+            <a:r>
+              <a:rPr lang="en-US" sz="1100" dirty="0"/>
+              <a:t>, new </a:t>
+            </a:r>
+            <a:r>
+              <a:rPr lang="en-US" sz="1100" dirty="0" err="1"/>
+              <a:t>Media.MediaCallback</a:t>
+            </a:r>
+            <a:r>
+              <a:rPr lang="en-US" sz="1100" dirty="0"/>
+              <a:t>(</a:t>
+            </a:r>
+            <a:r>
+              <a:rPr lang="en-US" sz="1100" dirty="0" err="1"/>
+              <a:t>MediaState</a:t>
+            </a:r>
+            <a:r>
+              <a:rPr lang="en-US" sz="1100" dirty="0"/>
+              <a:t> state) {</a:t>
+            </a:r>
+            <a:endParaRPr lang="en-GB" sz="1100" dirty="0"/>
+          </a:p>
+          <a:p>
+            <a:pPr marL="457200" lvl="1" indent="0">
+              <a:buNone/>
+            </a:pPr>
+            <a:r>
+              <a:rPr lang="en-US" sz="1100" dirty="0" smtClean="0"/>
+              <a:t>@Override</a:t>
+            </a:r>
+            <a:endParaRPr lang="en-GB" sz="1100" dirty="0"/>
+          </a:p>
+          <a:p>
+            <a:pPr marL="0" indent="0">
+              <a:buNone/>
+            </a:pPr>
+            <a:r>
+              <a:rPr lang="en-US" sz="1100" dirty="0" smtClean="0"/>
+              <a:t>		public </a:t>
+            </a:r>
+            <a:r>
+              <a:rPr lang="en-US" sz="1100" dirty="0"/>
+              <a:t>void call(state) {</a:t>
+            </a:r>
+            <a:endParaRPr lang="en-GB" sz="1100" dirty="0"/>
+          </a:p>
+          <a:p>
+            <a:pPr marL="0" indent="0">
+              <a:buNone/>
+            </a:pPr>
+            <a:r>
+              <a:rPr lang="en-US" sz="1100" dirty="0"/>
+              <a:t>       </a:t>
+            </a:r>
+            <a:r>
+              <a:rPr lang="en-US" sz="1100" dirty="0" smtClean="0"/>
+              <a:t>			if(</a:t>
+            </a:r>
+            <a:r>
+              <a:rPr lang="en-US" sz="1100" dirty="0" err="1" smtClean="0"/>
+              <a:t>state.mediaEvent</a:t>
+            </a:r>
+            <a:r>
+              <a:rPr lang="en-US" sz="1100" dirty="0" smtClean="0"/>
               <a:t> </a:t>
             </a:r>
             <a:r>
-              <a:rPr lang="en-US" dirty="0" err="1"/>
-              <a:t>mediaPlay:MEDIA_NAME</a:t>
-            </a:r>
-            <a:r>
-              <a:rPr lang="en-US" dirty="0"/>
+              <a:rPr lang="en-US" sz="1100" dirty="0"/>
+              <a:t>== OPEN){</a:t>
+            </a:r>
+            <a:endParaRPr lang="en-GB" sz="1100" dirty="0"/>
+          </a:p>
+          <a:p>
+            <a:pPr marL="0" indent="0">
+              <a:buNone/>
+            </a:pPr>
+            <a:r>
+              <a:rPr lang="en-US" sz="1100" dirty="0"/>
+              <a:t>            </a:t>
+            </a:r>
+            <a:r>
+              <a:rPr lang="en-US" sz="1100" dirty="0" smtClean="0"/>
+              <a:t>				//</a:t>
+            </a:r>
+            <a:r>
+              <a:rPr lang="en-US" sz="1100" dirty="0"/>
+              <a:t>DO SOMETHING!</a:t>
+            </a:r>
+            <a:endParaRPr lang="en-GB" sz="1100" dirty="0"/>
+          </a:p>
+          <a:p>
+            <a:pPr marL="0" indent="0">
+              <a:buNone/>
+            </a:pPr>
+            <a:r>
+              <a:rPr lang="en-US" sz="1100" dirty="0" smtClean="0"/>
+              <a:t>			}</a:t>
+            </a:r>
+            <a:endParaRPr lang="en-GB" sz="1100" dirty="0"/>
+          </a:p>
+          <a:p>
+            <a:pPr marL="0" indent="0">
+              <a:buNone/>
+            </a:pPr>
+            <a:r>
+              <a:rPr lang="en-US" sz="1100" dirty="0" smtClean="0"/>
+              <a:t>			If(</a:t>
+            </a:r>
+            <a:r>
+              <a:rPr lang="en-US" sz="1100" dirty="0" err="1" smtClean="0"/>
+              <a:t>state.Milestone</a:t>
+            </a:r>
+            <a:r>
+              <a:rPr lang="en-US" sz="1100" dirty="0" smtClean="0"/>
               <a:t> </a:t>
             </a:r>
             <a:r>
-              <a:rPr lang="en-US" dirty="0" err="1"/>
-              <a:t>offset:mediaController.currentPlaybackTime</a:t>
-            </a:r>
-            <a:r>
-              <a:rPr lang="en-US" dirty="0"/>
-              <a:t>];</a:t>
-            </a:r>
-            <a:endParaRPr lang="en-GB" dirty="0"/>
-          </a:p>
-          <a:p>
-            <a:r>
-              <a:rPr lang="en-GB" dirty="0" smtClean="0"/>
-              <a:t>ANRDOI SDK 4.x:</a:t>
-            </a:r>
-          </a:p>
-          <a:p>
-            <a:pPr lvl="1"/>
-            <a:r>
-              <a:rPr lang="en-US" dirty="0"/>
-              <a:t>Media.</a:t>
-            </a:r>
-            <a:r>
-              <a:rPr lang="en-GB" dirty="0"/>
-              <a:t>play</a:t>
-            </a:r>
-            <a:r>
-              <a:rPr lang="en-US" dirty="0"/>
-              <a:t>(MEDIA_NAME, </a:t>
-            </a:r>
-            <a:r>
-              <a:rPr lang="en-US" dirty="0" err="1"/>
-              <a:t>mediaPlayer.getCurrentPosition</a:t>
-            </a:r>
-            <a:r>
-              <a:rPr lang="en-US" dirty="0" smtClean="0"/>
-              <a:t>());</a:t>
-            </a:r>
-          </a:p>
-          <a:p>
-            <a:r>
-              <a:rPr lang="en-US" dirty="0" smtClean="0"/>
-              <a:t>JavaScript:</a:t>
-            </a:r>
-          </a:p>
-          <a:p>
-            <a:pPr lvl="1"/>
-            <a:r>
-              <a:rPr lang="en-GB" dirty="0" err="1" smtClean="0"/>
-              <a:t>s.Media.play</a:t>
-            </a:r>
-            <a:r>
-              <a:rPr lang="en-GB" dirty="0" smtClean="0"/>
-              <a:t>(</a:t>
-            </a:r>
-            <a:r>
-              <a:rPr lang="en-GB" dirty="0" err="1" smtClean="0"/>
-              <a:t>name,offset</a:t>
-            </a:r>
-            <a:r>
-              <a:rPr lang="en-GB" dirty="0" smtClean="0"/>
-              <a:t>);</a:t>
-            </a:r>
-            <a:endParaRPr lang="en-GB" dirty="0"/>
+              <a:rPr lang="en-US" sz="1100" dirty="0"/>
+              <a:t>== 50){</a:t>
+            </a:r>
+            <a:endParaRPr lang="en-GB" sz="1100" dirty="0"/>
+          </a:p>
+          <a:p>
+            <a:pPr marL="0" indent="0">
+              <a:buNone/>
+            </a:pPr>
+            <a:r>
+              <a:rPr lang="en-US" sz="1100" dirty="0" smtClean="0"/>
+              <a:t>				//</a:t>
+            </a:r>
+            <a:r>
+              <a:rPr lang="en-US" sz="1100" dirty="0"/>
+              <a:t>DO SOMETHING</a:t>
+            </a:r>
+            <a:endParaRPr lang="en-GB" sz="1100" dirty="0"/>
+          </a:p>
+          <a:p>
+            <a:pPr marL="0" indent="0">
+              <a:buNone/>
+            </a:pPr>
+            <a:r>
+              <a:rPr lang="en-US" sz="1100" dirty="0" smtClean="0"/>
+              <a:t>			}</a:t>
+            </a:r>
+            <a:endParaRPr lang="en-GB" sz="1100" dirty="0"/>
+          </a:p>
+          <a:p>
+            <a:pPr marL="0" indent="0">
+              <a:buNone/>
+            </a:pPr>
+            <a:r>
+              <a:rPr lang="en-US" sz="1100" dirty="0" smtClean="0"/>
+              <a:t>		}</a:t>
+            </a:r>
+            <a:endParaRPr lang="en-GB" sz="1100" dirty="0"/>
+          </a:p>
+          <a:p>
+            <a:pPr marL="0" indent="0">
+              <a:buNone/>
+            </a:pPr>
+            <a:r>
+              <a:rPr lang="en-US" sz="1100" dirty="0" smtClean="0"/>
+              <a:t>	});</a:t>
+            </a:r>
+            <a:endParaRPr lang="en-GB" sz="1100" dirty="0"/>
           </a:p>
         </p:txBody>
       </p:sp>
     </p:spTree>
     <p:extLst>
       <p:ext uri="{BB962C8B-B14F-4D97-AF65-F5344CB8AC3E}">
-        <p14:creationId xmlns:p14="http://schemas.microsoft.com/office/powerpoint/2010/main" val="3232332376"/>
+        <p14:creationId xmlns:p14="http://schemas.microsoft.com/office/powerpoint/2010/main" val="1905991579"/>
       </p:ext>
     </p:extLst>
   </p:cSld>
@@ -22701,7 +22801,7 @@
           <a:p>
             <a:r>
               <a:rPr lang="en-GB" dirty="0" smtClean="0"/>
-              <a:t>3.Media Stop</a:t>
+              <a:t>JavaScript</a:t>
             </a:r>
             <a:endParaRPr lang="en-GB" dirty="0"/>
           </a:p>
@@ -22709,31 +22809,93 @@
       </p:sp>
       <p:sp>
         <p:nvSpPr>
-          <p:cNvPr id="3" name="Text Placeholder 2"/>
-          <p:cNvSpPr>
-            <a:spLocks noGrp="1"/>
-          </p:cNvSpPr>
-          <p:nvPr>
-            <p:ph type="body" idx="1"/>
-          </p:nvPr>
-        </p:nvSpPr>
-        <p:spPr/>
-        <p:txBody>
-          <a:bodyPr/>
+          <p:cNvPr id="3" name="Content Placeholder 2"/>
+          <p:cNvSpPr>
+            <a:spLocks noGrp="1"/>
+          </p:cNvSpPr>
+          <p:nvPr>
+            <p:ph idx="1"/>
+          </p:nvPr>
+        </p:nvSpPr>
+        <p:spPr/>
+        <p:txBody>
+          <a:bodyPr>
+            <a:normAutofit lnSpcReduction="10000"/>
+          </a:bodyPr>
           <a:lstStyle/>
           <a:p>
             <a:r>
               <a:rPr lang="en-GB" dirty="0" smtClean="0"/>
-              <a:t>Should be called as much as needed when the video is stopped</a:t>
-            </a:r>
-            <a:endParaRPr lang="en-GB" dirty="0"/>
+              <a:t>Example of code :</a:t>
+            </a:r>
+          </a:p>
+          <a:p>
+            <a:pPr lvl="1"/>
+            <a:r>
+              <a:rPr lang="en-GB" dirty="0" err="1"/>
+              <a:t>s.Media.open</a:t>
+            </a:r>
+            <a:r>
+              <a:rPr lang="en-GB" dirty="0"/>
+              <a:t>(</a:t>
+            </a:r>
+            <a:r>
+              <a:rPr lang="en-GB" dirty="0" err="1"/>
+              <a:t>mediaName,mediaLength,mediaPlayerName</a:t>
+            </a:r>
+            <a:r>
+              <a:rPr lang="en-GB" dirty="0"/>
+              <a:t>); </a:t>
+            </a:r>
+          </a:p>
+          <a:p>
+            <a:r>
+              <a:rPr lang="en-GB" dirty="0" smtClean="0"/>
+              <a:t>Parameters:</a:t>
+            </a:r>
+          </a:p>
+          <a:p>
+            <a:pPr lvl="1"/>
+            <a:r>
+              <a:rPr lang="en-US" b="1" dirty="0" err="1"/>
+              <a:t>mediaName</a:t>
+            </a:r>
+            <a:r>
+              <a:rPr lang="en-US" dirty="0"/>
+              <a:t>: (required) The name of the video as you want it to appear in video reports. </a:t>
+            </a:r>
+          </a:p>
+          <a:p>
+            <a:pPr lvl="1"/>
+            <a:r>
+              <a:rPr lang="en-US" b="1" dirty="0" err="1"/>
+              <a:t>mediaLength</a:t>
+            </a:r>
+            <a:r>
+              <a:rPr lang="en-US" dirty="0"/>
+              <a:t>: (required) The length of the video in seconds. </a:t>
+            </a:r>
+          </a:p>
+          <a:p>
+            <a:pPr lvl="1"/>
+            <a:r>
+              <a:rPr lang="en-US" b="1" dirty="0" err="1"/>
+              <a:t>mediaPlayerName</a:t>
+            </a:r>
+            <a:r>
+              <a:rPr lang="en-US" dirty="0"/>
+              <a:t>: (required) The name of the media player used to view the video, as you want it to appear in video reports. </a:t>
+            </a:r>
+          </a:p>
+          <a:p>
+            <a:endParaRPr lang="en-US" dirty="0"/>
           </a:p>
         </p:txBody>
       </p:sp>
     </p:spTree>
     <p:extLst>
       <p:ext uri="{BB962C8B-B14F-4D97-AF65-F5344CB8AC3E}">
-        <p14:creationId xmlns:p14="http://schemas.microsoft.com/office/powerpoint/2010/main" val="1860036596"/>
+        <p14:creationId xmlns:p14="http://schemas.microsoft.com/office/powerpoint/2010/main" val="3460824925"/>
       </p:ext>
     </p:extLst>
   </p:cSld>
@@ -22784,7 +22946,7 @@
           <a:p>
             <a:r>
               <a:rPr lang="en-GB" dirty="0" smtClean="0"/>
-              <a:t>Media stop</a:t>
+              <a:t>2.Media Play</a:t>
             </a:r>
             <a:endParaRPr lang="en-GB" dirty="0"/>
           </a:p>
@@ -22792,12 +22954,12 @@
       </p:sp>
       <p:sp>
         <p:nvSpPr>
-          <p:cNvPr id="3" name="Content Placeholder 2"/>
-          <p:cNvSpPr>
-            <a:spLocks noGrp="1"/>
-          </p:cNvSpPr>
-          <p:nvPr>
-            <p:ph idx="1"/>
+          <p:cNvPr id="3" name="Text Placeholder 2"/>
+          <p:cNvSpPr>
+            <a:spLocks noGrp="1"/>
+          </p:cNvSpPr>
+          <p:nvPr>
+            <p:ph type="body" idx="1"/>
           </p:nvPr>
         </p:nvSpPr>
         <p:spPr/>
@@ -22807,88 +22969,7 @@
           <a:p>
             <a:r>
               <a:rPr lang="en-GB" dirty="0" smtClean="0"/>
-              <a:t>IOS SDK 4.x : </a:t>
-            </a:r>
-          </a:p>
-          <a:p>
-            <a:pPr lvl="1"/>
-            <a:r>
-              <a:rPr lang="en-US" dirty="0"/>
-              <a:t>[</a:t>
-            </a:r>
-            <a:r>
-              <a:rPr lang="en-US" dirty="0" err="1"/>
-              <a:t>ADBMobile</a:t>
-            </a:r>
-            <a:r>
-              <a:rPr lang="en-US" dirty="0"/>
-              <a:t> </a:t>
-            </a:r>
-            <a:r>
-              <a:rPr lang="en-US" dirty="0" err="1"/>
-              <a:t>mediaStop:MEDIA_NAME</a:t>
-            </a:r>
-            <a:r>
-              <a:rPr lang="en-US" dirty="0"/>
-              <a:t> </a:t>
-            </a:r>
-            <a:r>
-              <a:rPr lang="en-US" dirty="0" err="1"/>
-              <a:t>offset:mediaController.currentPlaybackTime</a:t>
-            </a:r>
-            <a:r>
-              <a:rPr lang="en-US" dirty="0" smtClean="0"/>
-              <a:t>];</a:t>
-            </a:r>
-          </a:p>
-          <a:p>
-            <a:r>
-              <a:rPr lang="en-US" dirty="0" smtClean="0"/>
-              <a:t>ANDROID SDK 4.x :</a:t>
-            </a:r>
-          </a:p>
-          <a:p>
-            <a:pPr lvl="1"/>
-            <a:r>
-              <a:rPr lang="en-US" dirty="0" err="1"/>
-              <a:t>Media.stop</a:t>
-            </a:r>
-            <a:r>
-              <a:rPr lang="en-US" dirty="0"/>
-              <a:t>(MEDIA_NAME, </a:t>
-            </a:r>
-            <a:r>
-              <a:rPr lang="en-US" dirty="0" err="1"/>
-              <a:t>mediaPlayer.getCurrentPosition</a:t>
-            </a:r>
-            <a:r>
-              <a:rPr lang="en-US" dirty="0" smtClean="0"/>
-              <a:t>());</a:t>
-            </a:r>
-          </a:p>
-          <a:p>
-            <a:r>
-              <a:rPr lang="en-US" dirty="0" smtClean="0"/>
-              <a:t>JavaScript :</a:t>
-            </a:r>
-          </a:p>
-          <a:p>
-            <a:pPr lvl="1"/>
-            <a:r>
-              <a:rPr lang="en-GB" dirty="0" err="1"/>
-              <a:t>s.Media.stop</a:t>
-            </a:r>
-            <a:r>
-              <a:rPr lang="en-GB" dirty="0"/>
-              <a:t>(</a:t>
-            </a:r>
-            <a:r>
-              <a:rPr lang="en-GB" dirty="0" err="1"/>
-              <a:t>mediaName,mediaOffset</a:t>
-            </a:r>
-            <a:r>
-              <a:rPr lang="en-GB" dirty="0" smtClean="0"/>
-              <a:t>);</a:t>
+              <a:t>Should be called as much as needed when the video is playing.</a:t>
             </a:r>
             <a:endParaRPr lang="en-GB" dirty="0"/>
           </a:p>
@@ -22897,7 +22978,7 @@
     </p:spTree>
     <p:extLst>
       <p:ext uri="{BB962C8B-B14F-4D97-AF65-F5344CB8AC3E}">
-        <p14:creationId xmlns:p14="http://schemas.microsoft.com/office/powerpoint/2010/main" val="88119009"/>
+        <p14:creationId xmlns:p14="http://schemas.microsoft.com/office/powerpoint/2010/main" val="930271028"/>
       </p:ext>
     </p:extLst>
   </p:cSld>
@@ -22948,7 +23029,7 @@
           <a:p>
             <a:r>
               <a:rPr lang="en-GB" dirty="0" smtClean="0"/>
-              <a:t>4.Media Close</a:t>
+              <a:t>Media Play when the video is opened.</a:t>
             </a:r>
             <a:endParaRPr lang="en-GB" dirty="0"/>
           </a:p>
@@ -22956,39 +23037,107 @@
       </p:sp>
       <p:sp>
         <p:nvSpPr>
-          <p:cNvPr id="3" name="Text Placeholder 2"/>
-          <p:cNvSpPr>
-            <a:spLocks noGrp="1"/>
-          </p:cNvSpPr>
-          <p:nvPr>
-            <p:ph type="body" idx="1"/>
-          </p:nvPr>
-        </p:nvSpPr>
-        <p:spPr/>
-        <p:txBody>
-          <a:bodyPr/>
+          <p:cNvPr id="3" name="Content Placeholder 2"/>
+          <p:cNvSpPr>
+            <a:spLocks noGrp="1"/>
+          </p:cNvSpPr>
+          <p:nvPr>
+            <p:ph idx="1"/>
+          </p:nvPr>
+        </p:nvSpPr>
+        <p:spPr/>
+        <p:txBody>
+          <a:bodyPr>
+            <a:normAutofit lnSpcReduction="10000"/>
+          </a:bodyPr>
           <a:lstStyle/>
           <a:p>
             <a:r>
               <a:rPr lang="en-GB" dirty="0" smtClean="0"/>
-              <a:t>Should </a:t>
-            </a:r>
-            <a:r>
-              <a:rPr lang="en-GB" smtClean="0"/>
-              <a:t>be called when </a:t>
-            </a:r>
+              <a:t>When the video is started the offset needs to be set to zero</a:t>
+            </a:r>
+          </a:p>
+          <a:p>
             <a:r>
               <a:rPr lang="en-GB" dirty="0" smtClean="0"/>
-              <a:t>the video is completed just after Media stop</a:t>
-            </a:r>
-            <a:endParaRPr lang="en-GB" dirty="0"/>
+              <a:t>IOS SDK 4.x : </a:t>
+            </a:r>
+          </a:p>
+          <a:p>
+            <a:pPr lvl="1"/>
+            <a:r>
+              <a:rPr lang="en-US" dirty="0"/>
+              <a:t>[</a:t>
+            </a:r>
+            <a:r>
+              <a:rPr lang="en-US" dirty="0" err="1"/>
+              <a:t>ADBMobile</a:t>
+            </a:r>
+            <a:r>
+              <a:rPr lang="en-US" dirty="0"/>
+              <a:t> </a:t>
+            </a:r>
+            <a:r>
+              <a:rPr lang="en-US" dirty="0" err="1"/>
+              <a:t>mediaPlay:MEDIA_NAME</a:t>
+            </a:r>
+            <a:r>
+              <a:rPr lang="en-US" dirty="0"/>
+              <a:t> offset:0</a:t>
+            </a:r>
+            <a:r>
+              <a:rPr lang="en-US" dirty="0" smtClean="0"/>
+              <a:t>];</a:t>
+            </a:r>
+          </a:p>
+          <a:p>
+            <a:r>
+              <a:rPr lang="en-GB" dirty="0" smtClean="0"/>
+              <a:t>ANDROID SDK 4.x : </a:t>
+            </a:r>
+          </a:p>
+          <a:p>
+            <a:pPr lvl="1"/>
+            <a:r>
+              <a:rPr lang="en-US" dirty="0" err="1"/>
+              <a:t>Media.play</a:t>
+            </a:r>
+            <a:r>
+              <a:rPr lang="en-US" dirty="0"/>
+              <a:t>(MEDIA_NAME, 0</a:t>
+            </a:r>
+            <a:r>
+              <a:rPr lang="en-US" dirty="0" smtClean="0"/>
+              <a:t>);</a:t>
+            </a:r>
+          </a:p>
+          <a:p>
+            <a:r>
+              <a:rPr lang="en-GB" dirty="0" err="1" smtClean="0"/>
+              <a:t>Javascript</a:t>
+            </a:r>
+            <a:r>
+              <a:rPr lang="en-GB" dirty="0" smtClean="0"/>
+              <a:t> :</a:t>
+            </a:r>
+          </a:p>
+          <a:p>
+            <a:pPr lvl="1"/>
+            <a:r>
+              <a:rPr lang="en-GB" dirty="0" err="1" smtClean="0"/>
+              <a:t>s.Media.play</a:t>
+            </a:r>
+            <a:r>
+              <a:rPr lang="en-GB" dirty="0" smtClean="0"/>
+              <a:t>(name,0);</a:t>
+            </a:r>
           </a:p>
         </p:txBody>
       </p:sp>
     </p:spTree>
     <p:extLst>
       <p:ext uri="{BB962C8B-B14F-4D97-AF65-F5344CB8AC3E}">
-        <p14:creationId xmlns:p14="http://schemas.microsoft.com/office/powerpoint/2010/main" val="3282396609"/>
+        <p14:creationId xmlns:p14="http://schemas.microsoft.com/office/powerpoint/2010/main" val="3343694829"/>
       </p:ext>
     </p:extLst>
   </p:cSld>
@@ -23039,7 +23188,7 @@
           <a:p>
             <a:r>
               <a:rPr lang="en-GB" dirty="0" smtClean="0"/>
-              <a:t>Media Close</a:t>
+              <a:t>Media Play any other time</a:t>
             </a:r>
             <a:endParaRPr lang="en-GB" dirty="0"/>
           </a:p>
@@ -23058,9 +23207,15 @@
         <p:spPr/>
         <p:txBody>
           <a:bodyPr>
-            <a:normAutofit fontScale="85000" lnSpcReduction="20000"/>
+            <a:normAutofit lnSpcReduction="10000"/>
           </a:bodyPr>
           <a:lstStyle/>
+          <a:p>
+            <a:r>
+              <a:rPr lang="en-GB" dirty="0" smtClean="0"/>
+              <a:t>The correct offset needs to be specified</a:t>
+            </a:r>
+          </a:p>
           <a:p>
             <a:r>
               <a:rPr lang="en-GB" dirty="0" smtClean="0"/>
@@ -23083,7 +23238,7 @@
             </a:r>
             <a:r>
               <a:rPr lang="en-US" dirty="0" err="1"/>
-              <a:t>mediaStop:MEDIA_NAME</a:t>
+              <a:t>mediaPlay:MEDIA_NAME</a:t>
             </a:r>
             <a:r>
               <a:rPr lang="en-US" dirty="0"/>
@@ -23094,46 +23249,26 @@
               <a:t>offset:mediaController.currentPlaybackTime</a:t>
             </a:r>
             <a:r>
-              <a:rPr lang="en-US" dirty="0" smtClean="0"/>
-              <a:t>];</a:t>
-            </a:r>
-            <a:endParaRPr lang="en-GB" sz="3200" dirty="0"/>
-          </a:p>
-          <a:p>
-            <a:pPr lvl="1"/>
-            <a:r>
-              <a:rPr lang="en-US" dirty="0" smtClean="0"/>
-              <a:t>[</a:t>
-            </a:r>
-            <a:r>
-              <a:rPr lang="en-US" dirty="0" err="1"/>
-              <a:t>ADBMobile</a:t>
-            </a:r>
-            <a:r>
-              <a:rPr lang="en-US" dirty="0"/>
-              <a:t> </a:t>
-            </a:r>
-            <a:r>
-              <a:rPr lang="en-US" dirty="0" err="1"/>
-              <a:t>mediaClose:MEDIA_NAME</a:t>
-            </a:r>
-            <a:r>
               <a:rPr lang="en-US" dirty="0"/>
               <a:t>];</a:t>
             </a:r>
-            <a:endParaRPr lang="en-GB" sz="3200" dirty="0"/>
+            <a:endParaRPr lang="en-GB" dirty="0"/>
           </a:p>
           <a:p>
             <a:r>
               <a:rPr lang="en-GB" dirty="0" smtClean="0"/>
-              <a:t>ANDROID SDK 4.x : </a:t>
+              <a:t>ANRDOI SDK 4.x:</a:t>
             </a:r>
           </a:p>
           <a:p>
             <a:pPr lvl="1"/>
             <a:r>
-              <a:rPr lang="en-US" dirty="0" err="1"/>
-              <a:t>Media.stop</a:t>
+              <a:rPr lang="en-US" dirty="0"/>
+              <a:t>Media.</a:t>
+            </a:r>
+            <a:r>
+              <a:rPr lang="en-GB" dirty="0"/>
+              <a:t>play</a:t>
             </a:r>
             <a:r>
               <a:rPr lang="en-US" dirty="0"/>
@@ -23144,24 +23279,8 @@
               <a:t>mediaPlayer.getCurrentPosition</a:t>
             </a:r>
             <a:r>
-              <a:rPr lang="en-US" dirty="0"/>
+              <a:rPr lang="en-US" dirty="0" smtClean="0"/>
               <a:t>());</a:t>
-            </a:r>
-            <a:endParaRPr lang="en-GB" dirty="0"/>
-          </a:p>
-          <a:p>
-            <a:pPr lvl="1"/>
-            <a:r>
-              <a:rPr lang="en-US" dirty="0" err="1"/>
-              <a:t>Media.close</a:t>
-            </a:r>
-            <a:r>
-              <a:rPr lang="en-US" dirty="0"/>
-              <a:t>(MEDIA_NAME</a:t>
-            </a:r>
-            <a:r>
-              <a:rPr lang="en-US" dirty="0" smtClean="0"/>
-              <a:t>);</a:t>
             </a:r>
           </a:p>
           <a:p>
@@ -23173,31 +23292,21 @@
           <a:p>
             <a:pPr lvl="1"/>
             <a:r>
-              <a:rPr lang="en-US" dirty="0" err="1"/>
-              <a:t>s.Media.stop</a:t>
-            </a:r>
-            <a:r>
-              <a:rPr lang="en-US" dirty="0"/>
-              <a:t>("testhtml5video",currentTime);</a:t>
-            </a:r>
-          </a:p>
-          <a:p>
-            <a:pPr lvl="1"/>
-            <a:r>
-              <a:rPr lang="en-US" dirty="0" err="1"/>
-              <a:t>s.Media.close</a:t>
-            </a:r>
-            <a:r>
-              <a:rPr lang="en-US" dirty="0"/>
-              <a:t>("testhtml5video");</a:t>
-            </a:r>
-            <a:endParaRPr lang="en-US" dirty="0" smtClean="0"/>
-          </a:p>
-          <a:p>
-            <a:pPr lvl="1"/>
-            <a:endParaRPr lang="en-GB" dirty="0"/>
-          </a:p>
-          <a:p>
+              <a:rPr lang="en-GB" dirty="0" err="1" smtClean="0"/>
+              <a:t>s.Media.play</a:t>
+            </a:r>
+            <a:r>
+              <a:rPr lang="en-GB" dirty="0" smtClean="0"/>
+              <a:t>(</a:t>
+            </a:r>
+            <a:r>
+              <a:rPr lang="en-GB" dirty="0" err="1" smtClean="0"/>
+              <a:t>name,offset</a:t>
+            </a:r>
+            <a:r>
+              <a:rPr lang="en-GB" dirty="0" smtClean="0"/>
+              <a:t>);</a:t>
+            </a:r>
             <a:endParaRPr lang="en-GB" dirty="0"/>
           </a:p>
         </p:txBody>
@@ -23205,7 +23314,7 @@
     </p:spTree>
     <p:extLst>
       <p:ext uri="{BB962C8B-B14F-4D97-AF65-F5344CB8AC3E}">
-        <p14:creationId xmlns:p14="http://schemas.microsoft.com/office/powerpoint/2010/main" val="13213623"/>
+        <p14:creationId xmlns:p14="http://schemas.microsoft.com/office/powerpoint/2010/main" val="3232332376"/>
       </p:ext>
     </p:extLst>
   </p:cSld>
@@ -23256,7 +23365,7 @@
           <a:p>
             <a:r>
               <a:rPr lang="en-GB" dirty="0" smtClean="0"/>
-              <a:t>Media monitor</a:t>
+              <a:t>3.Media Stop</a:t>
             </a:r>
             <a:endParaRPr lang="en-GB" dirty="0"/>
           </a:p>
@@ -23279,7 +23388,7 @@
           <a:p>
             <a:r>
               <a:rPr lang="en-GB" dirty="0" smtClean="0"/>
-              <a:t>Send additional video data</a:t>
+              <a:t>Should be called as much as needed when the video is stopped</a:t>
             </a:r>
             <a:endParaRPr lang="en-GB" dirty="0"/>
           </a:p>
@@ -23288,7 +23397,7 @@
     </p:spTree>
     <p:extLst>
       <p:ext uri="{BB962C8B-B14F-4D97-AF65-F5344CB8AC3E}">
-        <p14:creationId xmlns:p14="http://schemas.microsoft.com/office/powerpoint/2010/main" val="2371471556"/>
+        <p14:creationId xmlns:p14="http://schemas.microsoft.com/office/powerpoint/2010/main" val="1860036596"/>
       </p:ext>
     </p:extLst>
   </p:cSld>
@@ -23338,6 +23447,652 @@
           <a:lstStyle/>
           <a:p>
             <a:r>
+              <a:rPr lang="en-GB" dirty="0" smtClean="0"/>
+              <a:t>Media stop</a:t>
+            </a:r>
+            <a:endParaRPr lang="en-GB" dirty="0"/>
+          </a:p>
+        </p:txBody>
+      </p:sp>
+      <p:sp>
+        <p:nvSpPr>
+          <p:cNvPr id="3" name="Content Placeholder 2"/>
+          <p:cNvSpPr>
+            <a:spLocks noGrp="1"/>
+          </p:cNvSpPr>
+          <p:nvPr>
+            <p:ph idx="1"/>
+          </p:nvPr>
+        </p:nvSpPr>
+        <p:spPr/>
+        <p:txBody>
+          <a:bodyPr/>
+          <a:lstStyle/>
+          <a:p>
+            <a:r>
+              <a:rPr lang="en-GB" dirty="0" smtClean="0"/>
+              <a:t>IOS SDK 4.x : </a:t>
+            </a:r>
+          </a:p>
+          <a:p>
+            <a:pPr lvl="1"/>
+            <a:r>
+              <a:rPr lang="en-US" dirty="0"/>
+              <a:t>[</a:t>
+            </a:r>
+            <a:r>
+              <a:rPr lang="en-US" dirty="0" err="1"/>
+              <a:t>ADBMobile</a:t>
+            </a:r>
+            <a:r>
+              <a:rPr lang="en-US" dirty="0"/>
+              <a:t> </a:t>
+            </a:r>
+            <a:r>
+              <a:rPr lang="en-US" dirty="0" err="1"/>
+              <a:t>mediaStop:MEDIA_NAME</a:t>
+            </a:r>
+            <a:r>
+              <a:rPr lang="en-US" dirty="0"/>
+              <a:t> </a:t>
+            </a:r>
+            <a:r>
+              <a:rPr lang="en-US" dirty="0" err="1"/>
+              <a:t>offset:mediaController.currentPlaybackTime</a:t>
+            </a:r>
+            <a:r>
+              <a:rPr lang="en-US" dirty="0" smtClean="0"/>
+              <a:t>];</a:t>
+            </a:r>
+          </a:p>
+          <a:p>
+            <a:r>
+              <a:rPr lang="en-US" dirty="0" smtClean="0"/>
+              <a:t>ANDROID SDK 4.x :</a:t>
+            </a:r>
+          </a:p>
+          <a:p>
+            <a:pPr lvl="1"/>
+            <a:r>
+              <a:rPr lang="en-US" dirty="0" err="1"/>
+              <a:t>Media.stop</a:t>
+            </a:r>
+            <a:r>
+              <a:rPr lang="en-US" dirty="0"/>
+              <a:t>(MEDIA_NAME, </a:t>
+            </a:r>
+            <a:r>
+              <a:rPr lang="en-US" dirty="0" err="1"/>
+              <a:t>mediaPlayer.getCurrentPosition</a:t>
+            </a:r>
+            <a:r>
+              <a:rPr lang="en-US" dirty="0" smtClean="0"/>
+              <a:t>());</a:t>
+            </a:r>
+          </a:p>
+          <a:p>
+            <a:r>
+              <a:rPr lang="en-US" dirty="0" smtClean="0"/>
+              <a:t>JavaScript :</a:t>
+            </a:r>
+          </a:p>
+          <a:p>
+            <a:pPr lvl="1"/>
+            <a:r>
+              <a:rPr lang="en-GB" dirty="0" err="1"/>
+              <a:t>s.Media.stop</a:t>
+            </a:r>
+            <a:r>
+              <a:rPr lang="en-GB" dirty="0"/>
+              <a:t>(</a:t>
+            </a:r>
+            <a:r>
+              <a:rPr lang="en-GB" dirty="0" err="1"/>
+              <a:t>mediaName,mediaOffset</a:t>
+            </a:r>
+            <a:r>
+              <a:rPr lang="en-GB" dirty="0" smtClean="0"/>
+              <a:t>);</a:t>
+            </a:r>
+            <a:endParaRPr lang="en-GB" dirty="0"/>
+          </a:p>
+        </p:txBody>
+      </p:sp>
+    </p:spTree>
+    <p:extLst>
+      <p:ext uri="{BB962C8B-B14F-4D97-AF65-F5344CB8AC3E}">
+        <p14:creationId xmlns:p14="http://schemas.microsoft.com/office/powerpoint/2010/main" val="88119009"/>
+      </p:ext>
+    </p:extLst>
+  </p:cSld>
+  <p:clrMapOvr>
+    <a:masterClrMapping/>
+  </p:clrMapOvr>
+  <p:timing>
+    <p:tnLst>
+      <p:par>
+        <p:cTn id="1" dur="indefinite" restart="never" nodeType="tmRoot"/>
+      </p:par>
+    </p:tnLst>
+  </p:timing>
+</p:sld>
+</file>
+
+<file path=ppt/slides/slide58.xml><?xml version="1.0" encoding="utf-8"?>
+<p:sld xmlns:a="http://schemas.openxmlformats.org/drawingml/2006/main" xmlns:r="http://schemas.openxmlformats.org/officeDocument/2006/relationships" xmlns:p="http://schemas.openxmlformats.org/presentationml/2006/main">
+  <p:cSld>
+    <p:spTree>
+      <p:nvGrpSpPr>
+        <p:cNvPr id="1" name=""/>
+        <p:cNvGrpSpPr/>
+        <p:nvPr/>
+      </p:nvGrpSpPr>
+      <p:grpSpPr>
+        <a:xfrm>
+          <a:off x="0" y="0"/>
+          <a:ext cx="0" cy="0"/>
+          <a:chOff x="0" y="0"/>
+          <a:chExt cx="0" cy="0"/>
+        </a:xfrm>
+      </p:grpSpPr>
+      <p:sp>
+        <p:nvSpPr>
+          <p:cNvPr id="2" name="Title 1"/>
+          <p:cNvSpPr>
+            <a:spLocks noGrp="1"/>
+          </p:cNvSpPr>
+          <p:nvPr>
+            <p:ph type="title"/>
+          </p:nvPr>
+        </p:nvSpPr>
+        <p:spPr/>
+        <p:txBody>
+          <a:bodyPr/>
+          <a:lstStyle/>
+          <a:p>
+            <a:r>
+              <a:rPr lang="en-GB" dirty="0" smtClean="0"/>
+              <a:t>4.Media Close</a:t>
+            </a:r>
+            <a:endParaRPr lang="en-GB" dirty="0"/>
+          </a:p>
+        </p:txBody>
+      </p:sp>
+      <p:sp>
+        <p:nvSpPr>
+          <p:cNvPr id="3" name="Text Placeholder 2"/>
+          <p:cNvSpPr>
+            <a:spLocks noGrp="1"/>
+          </p:cNvSpPr>
+          <p:nvPr>
+            <p:ph type="body" idx="1"/>
+          </p:nvPr>
+        </p:nvSpPr>
+        <p:spPr/>
+        <p:txBody>
+          <a:bodyPr/>
+          <a:lstStyle/>
+          <a:p>
+            <a:r>
+              <a:rPr lang="en-GB" dirty="0" smtClean="0"/>
+              <a:t>Should </a:t>
+            </a:r>
+            <a:r>
+              <a:rPr lang="en-GB" smtClean="0"/>
+              <a:t>be called when </a:t>
+            </a:r>
+            <a:r>
+              <a:rPr lang="en-GB" dirty="0" smtClean="0"/>
+              <a:t>the video is completed just after Media stop</a:t>
+            </a:r>
+            <a:endParaRPr lang="en-GB" dirty="0"/>
+          </a:p>
+        </p:txBody>
+      </p:sp>
+    </p:spTree>
+    <p:extLst>
+      <p:ext uri="{BB962C8B-B14F-4D97-AF65-F5344CB8AC3E}">
+        <p14:creationId xmlns:p14="http://schemas.microsoft.com/office/powerpoint/2010/main" val="3282396609"/>
+      </p:ext>
+    </p:extLst>
+  </p:cSld>
+  <p:clrMapOvr>
+    <a:masterClrMapping/>
+  </p:clrMapOvr>
+  <p:timing>
+    <p:tnLst>
+      <p:par>
+        <p:cTn id="1" dur="indefinite" restart="never" nodeType="tmRoot"/>
+      </p:par>
+    </p:tnLst>
+  </p:timing>
+</p:sld>
+</file>
+
+<file path=ppt/slides/slide59.xml><?xml version="1.0" encoding="utf-8"?>
+<p:sld xmlns:a="http://schemas.openxmlformats.org/drawingml/2006/main" xmlns:r="http://schemas.openxmlformats.org/officeDocument/2006/relationships" xmlns:p="http://schemas.openxmlformats.org/presentationml/2006/main">
+  <p:cSld>
+    <p:spTree>
+      <p:nvGrpSpPr>
+        <p:cNvPr id="1" name=""/>
+        <p:cNvGrpSpPr/>
+        <p:nvPr/>
+      </p:nvGrpSpPr>
+      <p:grpSpPr>
+        <a:xfrm>
+          <a:off x="0" y="0"/>
+          <a:ext cx="0" cy="0"/>
+          <a:chOff x="0" y="0"/>
+          <a:chExt cx="0" cy="0"/>
+        </a:xfrm>
+      </p:grpSpPr>
+      <p:sp>
+        <p:nvSpPr>
+          <p:cNvPr id="2" name="Title 1"/>
+          <p:cNvSpPr>
+            <a:spLocks noGrp="1"/>
+          </p:cNvSpPr>
+          <p:nvPr>
+            <p:ph type="title"/>
+          </p:nvPr>
+        </p:nvSpPr>
+        <p:spPr/>
+        <p:txBody>
+          <a:bodyPr/>
+          <a:lstStyle/>
+          <a:p>
+            <a:r>
+              <a:rPr lang="en-GB" dirty="0" smtClean="0"/>
+              <a:t>Media Close</a:t>
+            </a:r>
+            <a:endParaRPr lang="en-GB" dirty="0"/>
+          </a:p>
+        </p:txBody>
+      </p:sp>
+      <p:sp>
+        <p:nvSpPr>
+          <p:cNvPr id="3" name="Content Placeholder 2"/>
+          <p:cNvSpPr>
+            <a:spLocks noGrp="1"/>
+          </p:cNvSpPr>
+          <p:nvPr>
+            <p:ph idx="1"/>
+          </p:nvPr>
+        </p:nvSpPr>
+        <p:spPr/>
+        <p:txBody>
+          <a:bodyPr>
+            <a:normAutofit fontScale="85000" lnSpcReduction="20000"/>
+          </a:bodyPr>
+          <a:lstStyle/>
+          <a:p>
+            <a:r>
+              <a:rPr lang="en-GB" dirty="0" smtClean="0"/>
+              <a:t>IOS SDK 4.x :</a:t>
+            </a:r>
+          </a:p>
+          <a:p>
+            <a:pPr lvl="1"/>
+            <a:r>
+              <a:rPr lang="en-US" dirty="0"/>
+              <a:t>[</a:t>
+            </a:r>
+            <a:r>
+              <a:rPr lang="en-US" dirty="0" err="1"/>
+              <a:t>ADBMobile</a:t>
+            </a:r>
+            <a:r>
+              <a:rPr lang="en-US" dirty="0"/>
+              <a:t> </a:t>
+            </a:r>
+            <a:r>
+              <a:rPr lang="en-US" dirty="0" err="1"/>
+              <a:t>mediaStop:MEDIA_NAME</a:t>
+            </a:r>
+            <a:r>
+              <a:rPr lang="en-US" dirty="0"/>
+              <a:t> </a:t>
+            </a:r>
+            <a:r>
+              <a:rPr lang="en-US" dirty="0" err="1"/>
+              <a:t>offset:mediaController.currentPlaybackTime</a:t>
+            </a:r>
+            <a:r>
+              <a:rPr lang="en-US" dirty="0" smtClean="0"/>
+              <a:t>];</a:t>
+            </a:r>
+            <a:endParaRPr lang="en-GB" sz="3200" dirty="0"/>
+          </a:p>
+          <a:p>
+            <a:pPr lvl="1"/>
+            <a:r>
+              <a:rPr lang="en-US" dirty="0" smtClean="0"/>
+              <a:t>[</a:t>
+            </a:r>
+            <a:r>
+              <a:rPr lang="en-US" dirty="0" err="1"/>
+              <a:t>ADBMobile</a:t>
+            </a:r>
+            <a:r>
+              <a:rPr lang="en-US" dirty="0"/>
+              <a:t> </a:t>
+            </a:r>
+            <a:r>
+              <a:rPr lang="en-US" dirty="0" err="1"/>
+              <a:t>mediaClose:MEDIA_NAME</a:t>
+            </a:r>
+            <a:r>
+              <a:rPr lang="en-US" dirty="0"/>
+              <a:t>];</a:t>
+            </a:r>
+            <a:endParaRPr lang="en-GB" sz="3200" dirty="0"/>
+          </a:p>
+          <a:p>
+            <a:r>
+              <a:rPr lang="en-GB" dirty="0" smtClean="0"/>
+              <a:t>ANDROID SDK 4.x : </a:t>
+            </a:r>
+          </a:p>
+          <a:p>
+            <a:pPr lvl="1"/>
+            <a:r>
+              <a:rPr lang="en-US" dirty="0" err="1"/>
+              <a:t>Media.stop</a:t>
+            </a:r>
+            <a:r>
+              <a:rPr lang="en-US" dirty="0"/>
+              <a:t>(MEDIA_NAME, </a:t>
+            </a:r>
+            <a:r>
+              <a:rPr lang="en-US" dirty="0" err="1"/>
+              <a:t>mediaPlayer.getCurrentPosition</a:t>
+            </a:r>
+            <a:r>
+              <a:rPr lang="en-US" dirty="0"/>
+              <a:t>());</a:t>
+            </a:r>
+            <a:endParaRPr lang="en-GB" dirty="0"/>
+          </a:p>
+          <a:p>
+            <a:pPr lvl="1"/>
+            <a:r>
+              <a:rPr lang="en-US" dirty="0" err="1"/>
+              <a:t>Media.close</a:t>
+            </a:r>
+            <a:r>
+              <a:rPr lang="en-US" dirty="0"/>
+              <a:t>(MEDIA_NAME</a:t>
+            </a:r>
+            <a:r>
+              <a:rPr lang="en-US" dirty="0" smtClean="0"/>
+              <a:t>);</a:t>
+            </a:r>
+          </a:p>
+          <a:p>
+            <a:r>
+              <a:rPr lang="en-US" dirty="0" smtClean="0"/>
+              <a:t>JavaScript:</a:t>
+            </a:r>
+          </a:p>
+          <a:p>
+            <a:pPr lvl="1"/>
+            <a:r>
+              <a:rPr lang="en-US" dirty="0" err="1"/>
+              <a:t>s.Media.stop</a:t>
+            </a:r>
+            <a:r>
+              <a:rPr lang="en-US" dirty="0"/>
+              <a:t>("testhtml5video",currentTime);</a:t>
+            </a:r>
+          </a:p>
+          <a:p>
+            <a:pPr lvl="1"/>
+            <a:r>
+              <a:rPr lang="en-US" dirty="0" err="1"/>
+              <a:t>s.Media.close</a:t>
+            </a:r>
+            <a:r>
+              <a:rPr lang="en-US" dirty="0"/>
+              <a:t>("testhtml5video");</a:t>
+            </a:r>
+            <a:endParaRPr lang="en-US" dirty="0" smtClean="0"/>
+          </a:p>
+          <a:p>
+            <a:pPr lvl="1"/>
+            <a:endParaRPr lang="en-GB" dirty="0"/>
+          </a:p>
+          <a:p>
+            <a:endParaRPr lang="en-GB" dirty="0"/>
+          </a:p>
+        </p:txBody>
+      </p:sp>
+    </p:spTree>
+    <p:extLst>
+      <p:ext uri="{BB962C8B-B14F-4D97-AF65-F5344CB8AC3E}">
+        <p14:creationId xmlns:p14="http://schemas.microsoft.com/office/powerpoint/2010/main" val="13213623"/>
+      </p:ext>
+    </p:extLst>
+  </p:cSld>
+  <p:clrMapOvr>
+    <a:masterClrMapping/>
+  </p:clrMapOvr>
+  <p:timing>
+    <p:tnLst>
+      <p:par>
+        <p:cTn id="1" dur="indefinite" restart="never" nodeType="tmRoot"/>
+      </p:par>
+    </p:tnLst>
+  </p:timing>
+</p:sld>
+</file>
+
+<file path=ppt/slides/slide6.xml><?xml version="1.0" encoding="utf-8"?>
+<p:sld xmlns:a="http://schemas.openxmlformats.org/drawingml/2006/main" xmlns:r="http://schemas.openxmlformats.org/officeDocument/2006/relationships" xmlns:p="http://schemas.openxmlformats.org/presentationml/2006/main">
+  <p:cSld>
+    <p:spTree>
+      <p:nvGrpSpPr>
+        <p:cNvPr id="1" name=""/>
+        <p:cNvGrpSpPr/>
+        <p:nvPr/>
+      </p:nvGrpSpPr>
+      <p:grpSpPr>
+        <a:xfrm>
+          <a:off x="0" y="0"/>
+          <a:ext cx="0" cy="0"/>
+          <a:chOff x="0" y="0"/>
+          <a:chExt cx="0" cy="0"/>
+        </a:xfrm>
+      </p:grpSpPr>
+      <p:sp>
+        <p:nvSpPr>
+          <p:cNvPr id="2" name="Title 1"/>
+          <p:cNvSpPr>
+            <a:spLocks noGrp="1"/>
+          </p:cNvSpPr>
+          <p:nvPr>
+            <p:ph type="title"/>
+          </p:nvPr>
+        </p:nvSpPr>
+        <p:spPr/>
+        <p:txBody>
+          <a:bodyPr/>
+          <a:lstStyle/>
+          <a:p>
+            <a:r>
+              <a:rPr lang="en-GB" dirty="0" smtClean="0"/>
+              <a:t>Configure Adobe Analytics Video Reports</a:t>
+            </a:r>
+            <a:endParaRPr lang="en-GB" dirty="0"/>
+          </a:p>
+        </p:txBody>
+      </p:sp>
+      <p:sp>
+        <p:nvSpPr>
+          <p:cNvPr id="3" name="Text Placeholder 2"/>
+          <p:cNvSpPr>
+            <a:spLocks noGrp="1"/>
+          </p:cNvSpPr>
+          <p:nvPr>
+            <p:ph type="body" idx="1"/>
+          </p:nvPr>
+        </p:nvSpPr>
+        <p:spPr/>
+        <p:txBody>
+          <a:bodyPr>
+            <a:normAutofit lnSpcReduction="10000"/>
+          </a:bodyPr>
+          <a:lstStyle/>
+          <a:p>
+            <a:r>
+              <a:rPr lang="en-GB" dirty="0" smtClean="0"/>
+              <a:t>USE ADOBE ANALYTICS V14</a:t>
+            </a:r>
+          </a:p>
+          <a:p>
+            <a:r>
+              <a:rPr lang="en-GB" dirty="0" smtClean="0"/>
+              <a:t>Second step</a:t>
+            </a:r>
+            <a:endParaRPr lang="en-GB" dirty="0"/>
+          </a:p>
+        </p:txBody>
+      </p:sp>
+    </p:spTree>
+    <p:extLst>
+      <p:ext uri="{BB962C8B-B14F-4D97-AF65-F5344CB8AC3E}">
+        <p14:creationId xmlns:p14="http://schemas.microsoft.com/office/powerpoint/2010/main" val="83166259"/>
+      </p:ext>
+    </p:extLst>
+  </p:cSld>
+  <p:clrMapOvr>
+    <a:masterClrMapping/>
+  </p:clrMapOvr>
+  <p:timing>
+    <p:tnLst>
+      <p:par>
+        <p:cTn id="1" dur="indefinite" restart="never" nodeType="tmRoot"/>
+      </p:par>
+    </p:tnLst>
+  </p:timing>
+</p:sld>
+</file>
+
+<file path=ppt/slides/slide60.xml><?xml version="1.0" encoding="utf-8"?>
+<p:sld xmlns:a="http://schemas.openxmlformats.org/drawingml/2006/main" xmlns:r="http://schemas.openxmlformats.org/officeDocument/2006/relationships" xmlns:p="http://schemas.openxmlformats.org/presentationml/2006/main">
+  <p:cSld>
+    <p:spTree>
+      <p:nvGrpSpPr>
+        <p:cNvPr id="1" name=""/>
+        <p:cNvGrpSpPr/>
+        <p:nvPr/>
+      </p:nvGrpSpPr>
+      <p:grpSpPr>
+        <a:xfrm>
+          <a:off x="0" y="0"/>
+          <a:ext cx="0" cy="0"/>
+          <a:chOff x="0" y="0"/>
+          <a:chExt cx="0" cy="0"/>
+        </a:xfrm>
+      </p:grpSpPr>
+      <p:sp>
+        <p:nvSpPr>
+          <p:cNvPr id="2" name="Title 1"/>
+          <p:cNvSpPr>
+            <a:spLocks noGrp="1"/>
+          </p:cNvSpPr>
+          <p:nvPr>
+            <p:ph type="title"/>
+          </p:nvPr>
+        </p:nvSpPr>
+        <p:spPr/>
+        <p:txBody>
+          <a:bodyPr/>
+          <a:lstStyle/>
+          <a:p>
+            <a:r>
+              <a:rPr lang="en-GB" dirty="0" smtClean="0"/>
+              <a:t>Media monitor</a:t>
+            </a:r>
+            <a:endParaRPr lang="en-GB" dirty="0"/>
+          </a:p>
+        </p:txBody>
+      </p:sp>
+      <p:sp>
+        <p:nvSpPr>
+          <p:cNvPr id="3" name="Text Placeholder 2"/>
+          <p:cNvSpPr>
+            <a:spLocks noGrp="1"/>
+          </p:cNvSpPr>
+          <p:nvPr>
+            <p:ph type="body" idx="1"/>
+          </p:nvPr>
+        </p:nvSpPr>
+        <p:spPr/>
+        <p:txBody>
+          <a:bodyPr/>
+          <a:lstStyle/>
+          <a:p>
+            <a:r>
+              <a:rPr lang="en-GB" dirty="0" smtClean="0"/>
+              <a:t>Send additional video data</a:t>
+            </a:r>
+            <a:endParaRPr lang="en-GB" dirty="0"/>
+          </a:p>
+        </p:txBody>
+      </p:sp>
+    </p:spTree>
+    <p:extLst>
+      <p:ext uri="{BB962C8B-B14F-4D97-AF65-F5344CB8AC3E}">
+        <p14:creationId xmlns:p14="http://schemas.microsoft.com/office/powerpoint/2010/main" val="2371471556"/>
+      </p:ext>
+    </p:extLst>
+  </p:cSld>
+  <p:clrMapOvr>
+    <a:masterClrMapping/>
+  </p:clrMapOvr>
+  <p:timing>
+    <p:tnLst>
+      <p:par>
+        <p:cTn id="1" dur="indefinite" restart="never" nodeType="tmRoot"/>
+      </p:par>
+    </p:tnLst>
+  </p:timing>
+</p:sld>
+</file>
+
+<file path=ppt/slides/slide61.xml><?xml version="1.0" encoding="utf-8"?>
+<p:sld xmlns:a="http://schemas.openxmlformats.org/drawingml/2006/main" xmlns:r="http://schemas.openxmlformats.org/officeDocument/2006/relationships" xmlns:p="http://schemas.openxmlformats.org/presentationml/2006/main">
+  <p:cSld>
+    <p:spTree>
+      <p:nvGrpSpPr>
+        <p:cNvPr id="1" name=""/>
+        <p:cNvGrpSpPr/>
+        <p:nvPr/>
+      </p:nvGrpSpPr>
+      <p:grpSpPr>
+        <a:xfrm>
+          <a:off x="0" y="0"/>
+          <a:ext cx="0" cy="0"/>
+          <a:chOff x="0" y="0"/>
+          <a:chExt cx="0" cy="0"/>
+        </a:xfrm>
+      </p:grpSpPr>
+      <p:sp>
+        <p:nvSpPr>
+          <p:cNvPr id="2" name="Title 1"/>
+          <p:cNvSpPr>
+            <a:spLocks noGrp="1"/>
+          </p:cNvSpPr>
+          <p:nvPr>
+            <p:ph type="title"/>
+          </p:nvPr>
+        </p:nvSpPr>
+        <p:spPr/>
+        <p:txBody>
+          <a:bodyPr/>
+          <a:lstStyle/>
+          <a:p>
+            <a:r>
               <a:rPr lang="en-GB" dirty="0" err="1" smtClean="0"/>
               <a:t>Media.monitor</a:t>
             </a:r>
@@ -23455,7 +24210,7 @@
 </p:sld>
 </file>
 
-<file path=ppt/slides/slide58.xml><?xml version="1.0" encoding="utf-8"?>
+<file path=ppt/slides/slide62.xml><?xml version="1.0" encoding="utf-8"?>
 <p:sld xmlns:a="http://schemas.openxmlformats.org/drawingml/2006/main" xmlns:r="http://schemas.openxmlformats.org/officeDocument/2006/relationships" xmlns:p="http://schemas.openxmlformats.org/presentationml/2006/main">
   <p:cSld>
     <p:spTree>
@@ -23884,7 +24639,7 @@
 </p:sld>
 </file>
 
-<file path=ppt/slides/slide59.xml><?xml version="1.0" encoding="utf-8"?>
+<file path=ppt/slides/slide63.xml><?xml version="1.0" encoding="utf-8"?>
 <p:sld xmlns:a="http://schemas.openxmlformats.org/drawingml/2006/main" xmlns:r="http://schemas.openxmlformats.org/officeDocument/2006/relationships" xmlns:p="http://schemas.openxmlformats.org/presentationml/2006/main">
   <p:cSld>
     <p:spTree>
@@ -23945,98 +24700,7 @@
 </p:sld>
 </file>
 
-<file path=ppt/slides/slide6.xml><?xml version="1.0" encoding="utf-8"?>
-<p:sld xmlns:a="http://schemas.openxmlformats.org/drawingml/2006/main" xmlns:r="http://schemas.openxmlformats.org/officeDocument/2006/relationships" xmlns:p="http://schemas.openxmlformats.org/presentationml/2006/main">
-  <p:cSld>
-    <p:spTree>
-      <p:nvGrpSpPr>
-        <p:cNvPr id="1" name=""/>
-        <p:cNvGrpSpPr/>
-        <p:nvPr/>
-      </p:nvGrpSpPr>
-      <p:grpSpPr>
-        <a:xfrm>
-          <a:off x="0" y="0"/>
-          <a:ext cx="0" cy="0"/>
-          <a:chOff x="0" y="0"/>
-          <a:chExt cx="0" cy="0"/>
-        </a:xfrm>
-      </p:grpSpPr>
-      <p:sp>
-        <p:nvSpPr>
-          <p:cNvPr id="2" name="Title 1"/>
-          <p:cNvSpPr>
-            <a:spLocks noGrp="1"/>
-          </p:cNvSpPr>
-          <p:nvPr>
-            <p:ph type="title"/>
-          </p:nvPr>
-        </p:nvSpPr>
-        <p:spPr/>
-        <p:txBody>
-          <a:bodyPr/>
-          <a:lstStyle/>
-          <a:p>
-            <a:r>
-              <a:rPr lang="en-GB" dirty="0" smtClean="0"/>
-              <a:t>Configure Adobe Analytics Video Reports</a:t>
-            </a:r>
-            <a:endParaRPr lang="en-GB" dirty="0"/>
-          </a:p>
-        </p:txBody>
-      </p:sp>
-      <p:sp>
-        <p:nvSpPr>
-          <p:cNvPr id="3" name="Text Placeholder 2"/>
-          <p:cNvSpPr>
-            <a:spLocks noGrp="1"/>
-          </p:cNvSpPr>
-          <p:nvPr>
-            <p:ph type="body" idx="1"/>
-          </p:nvPr>
-        </p:nvSpPr>
-        <p:spPr/>
-        <p:txBody>
-          <a:bodyPr>
-            <a:normAutofit lnSpcReduction="10000"/>
-          </a:bodyPr>
-          <a:lstStyle/>
-          <a:p>
-            <a:r>
-              <a:rPr lang="en-GB" dirty="0" smtClean="0"/>
-              <a:t>USE ADOBE ANALYTICS V14</a:t>
-            </a:r>
-          </a:p>
-          <a:p>
-            <a:r>
-              <a:rPr lang="en-GB" dirty="0" smtClean="0"/>
-              <a:t>Second step</a:t>
-            </a:r>
-            <a:endParaRPr lang="en-GB" dirty="0"/>
-          </a:p>
-        </p:txBody>
-      </p:sp>
-    </p:spTree>
-    <p:extLst>
-      <p:ext uri="{BB962C8B-B14F-4D97-AF65-F5344CB8AC3E}">
-        <p14:creationId xmlns:p14="http://schemas.microsoft.com/office/powerpoint/2010/main" val="83166259"/>
-      </p:ext>
-    </p:extLst>
-  </p:cSld>
-  <p:clrMapOvr>
-    <a:masterClrMapping/>
-  </p:clrMapOvr>
-  <p:timing>
-    <p:tnLst>
-      <p:par>
-        <p:cTn id="1" dur="indefinite" restart="never" nodeType="tmRoot"/>
-      </p:par>
-    </p:tnLst>
-  </p:timing>
-</p:sld>
-</file>
-
-<file path=ppt/slides/slide60.xml><?xml version="1.0" encoding="utf-8"?>
+<file path=ppt/slides/slide64.xml><?xml version="1.0" encoding="utf-8"?>
 <p:sld xmlns:a="http://schemas.openxmlformats.org/drawingml/2006/main" xmlns:r="http://schemas.openxmlformats.org/officeDocument/2006/relationships" xmlns:p="http://schemas.openxmlformats.org/presentationml/2006/main">
   <p:cSld>
     <p:spTree>
@@ -24232,7 +24896,7 @@
 </p:sld>
 </file>
 
-<file path=ppt/slides/slide61.xml><?xml version="1.0" encoding="utf-8"?>
+<file path=ppt/slides/slide65.xml><?xml version="1.0" encoding="utf-8"?>
 <p:sld xmlns:a="http://schemas.openxmlformats.org/drawingml/2006/main" xmlns:r="http://schemas.openxmlformats.org/officeDocument/2006/relationships" xmlns:p="http://schemas.openxmlformats.org/presentationml/2006/main">
   <p:cSld>
     <p:spTree>
@@ -24291,7 +24955,7 @@
 </p:sld>
 </file>
 
-<file path=ppt/slides/slide62.xml><?xml version="1.0" encoding="utf-8"?>
+<file path=ppt/slides/slide66.xml><?xml version="1.0" encoding="utf-8"?>
 <p:sld xmlns:a="http://schemas.openxmlformats.org/drawingml/2006/main" xmlns:r="http://schemas.openxmlformats.org/officeDocument/2006/relationships" xmlns:p="http://schemas.openxmlformats.org/presentationml/2006/main">
   <p:cSld>
     <p:spTree>
@@ -24508,7 +25172,7 @@
 </p:sld>
 </file>
 
-<file path=ppt/slides/slide63.xml><?xml version="1.0" encoding="utf-8"?>
+<file path=ppt/slides/slide67.xml><?xml version="1.0" encoding="utf-8"?>
 <p:sld xmlns:a="http://schemas.openxmlformats.org/drawingml/2006/main" xmlns:r="http://schemas.openxmlformats.org/officeDocument/2006/relationships" xmlns:p="http://schemas.openxmlformats.org/presentationml/2006/main">
   <p:cSld>
     <p:spTree>
@@ -24707,7 +25371,7 @@
 </p:sld>
 </file>
 
-<file path=ppt/slides/slide64.xml><?xml version="1.0" encoding="utf-8"?>
+<file path=ppt/slides/slide68.xml><?xml version="1.0" encoding="utf-8"?>
 <p:sld xmlns:a="http://schemas.openxmlformats.org/drawingml/2006/main" xmlns:r="http://schemas.openxmlformats.org/officeDocument/2006/relationships" xmlns:p="http://schemas.openxmlformats.org/presentationml/2006/main">
   <p:cSld>
     <p:spTree>
@@ -24853,7 +25517,7 @@
 </p:sld>
 </file>
 
-<file path=ppt/slides/slide65.xml><?xml version="1.0" encoding="utf-8"?>
+<file path=ppt/slides/slide69.xml><?xml version="1.0" encoding="utf-8"?>
 <p:sld xmlns:a="http://schemas.openxmlformats.org/drawingml/2006/main" xmlns:r="http://schemas.openxmlformats.org/officeDocument/2006/relationships" xmlns:p="http://schemas.openxmlformats.org/presentationml/2006/main">
   <p:cSld>
     <p:spTree>
